--- a/RealEstate_Presentation.pptx
+++ b/RealEstate_Presentation.pptx
@@ -5,18 +5,23 @@
     <p:sldMasterId id="2147483648" r:id="rId1"/>
   </p:sldMasterIdLst>
   <p:notesMasterIdLst>
-    <p:notesMasterId r:id="rId11"/>
+    <p:notesMasterId r:id="rId16"/>
   </p:notesMasterIdLst>
   <p:sldIdLst>
     <p:sldId id="257" r:id="rId2"/>
-    <p:sldId id="297" r:id="rId3"/>
-    <p:sldId id="298" r:id="rId4"/>
-    <p:sldId id="300" r:id="rId5"/>
-    <p:sldId id="301" r:id="rId6"/>
+    <p:sldId id="306" r:id="rId3"/>
+    <p:sldId id="307" r:id="rId4"/>
+    <p:sldId id="308" r:id="rId5"/>
+    <p:sldId id="297" r:id="rId6"/>
     <p:sldId id="304" r:id="rId7"/>
-    <p:sldId id="302" r:id="rId8"/>
+    <p:sldId id="309" r:id="rId8"/>
     <p:sldId id="303" r:id="rId9"/>
-    <p:sldId id="264" r:id="rId10"/>
+    <p:sldId id="311" r:id="rId10"/>
+    <p:sldId id="302" r:id="rId11"/>
+    <p:sldId id="310" r:id="rId12"/>
+    <p:sldId id="298" r:id="rId13"/>
+    <p:sldId id="301" r:id="rId14"/>
+    <p:sldId id="264" r:id="rId15"/>
   </p:sldIdLst>
   <p:sldSz cx="20104100" cy="11303000"/>
   <p:notesSz cx="6858000" cy="9144000"/>
@@ -5303,10 +5308,16 @@
           </a:lstStyle>
           <a:p>
             <a:r>
-              <a:rPr lang="en-US" dirty="0" smtClean="0"/>
+              <a:rPr lang="en-US" dirty="0" smtClean="0">
+                <a:latin typeface="+mj-lt"/>
+                <a:cs typeface="Calibri Light" panose="020F0302020204030204" pitchFamily="34" charset="0"/>
+              </a:rPr>
               <a:t>Real Estate Analysis</a:t>
             </a:r>
-            <a:endParaRPr dirty="0"/>
+            <a:endParaRPr dirty="0">
+              <a:latin typeface="+mj-lt"/>
+              <a:cs typeface="Calibri Light" panose="020F0302020204030204" pitchFamily="34" charset="0"/>
+            </a:endParaRPr>
           </a:p>
         </p:txBody>
       </p:sp>
@@ -5784,45 +5795,75 @@
           </a:lstStyle>
           <a:p>
             <a:r>
-              <a:rPr lang="en-US" sz="7200" dirty="0" smtClean="0"/>
+              <a:rPr lang="en-US" sz="7200" dirty="0" smtClean="0">
+                <a:latin typeface="+mj-lt"/>
+                <a:cs typeface="Calibri Light" panose="020F0302020204030204" pitchFamily="34" charset="0"/>
+              </a:rPr>
               <a:t>Zillow Data</a:t>
             </a:r>
           </a:p>
           <a:p>
             <a:r>
-              <a:rPr lang="en-US" sz="4400" dirty="0" smtClean="0"/>
+              <a:rPr lang="en-US" sz="4400" dirty="0" smtClean="0">
+                <a:latin typeface="+mj-lt"/>
+                <a:cs typeface="Calibri Light" panose="020F0302020204030204" pitchFamily="34" charset="0"/>
+              </a:rPr>
               <a:t>	Danica Rios</a:t>
             </a:r>
           </a:p>
           <a:p>
             <a:r>
-              <a:rPr lang="en-US" sz="4400" dirty="0" smtClean="0"/>
+              <a:rPr lang="en-US" sz="4400" dirty="0" smtClean="0">
+                <a:latin typeface="+mj-lt"/>
+                <a:cs typeface="Calibri Light" panose="020F0302020204030204" pitchFamily="34" charset="0"/>
+              </a:rPr>
               <a:t>	Daniel </a:t>
             </a:r>
             <a:r>
-              <a:rPr lang="en-US" sz="4400" dirty="0" err="1" smtClean="0"/>
+              <a:rPr lang="en-US" sz="4400" dirty="0" err="1" smtClean="0">
+                <a:latin typeface="+mj-lt"/>
+                <a:cs typeface="Calibri Light" panose="020F0302020204030204" pitchFamily="34" charset="0"/>
+              </a:rPr>
               <a:t>Ghaffarian</a:t>
             </a:r>
-            <a:endParaRPr lang="en-US" sz="4400" dirty="0" smtClean="0"/>
+            <a:endParaRPr lang="en-US" sz="4400" dirty="0" smtClean="0">
+              <a:latin typeface="+mj-lt"/>
+              <a:cs typeface="Calibri Light" panose="020F0302020204030204" pitchFamily="34" charset="0"/>
+            </a:endParaRPr>
           </a:p>
           <a:p>
             <a:r>
-              <a:rPr lang="en-US" sz="4400" dirty="0" smtClean="0"/>
+              <a:rPr lang="en-US" sz="4400" dirty="0" smtClean="0">
+                <a:latin typeface="+mj-lt"/>
+                <a:cs typeface="Calibri Light" panose="020F0302020204030204" pitchFamily="34" charset="0"/>
+              </a:rPr>
               <a:t>	</a:t>
             </a:r>
             <a:r>
-              <a:rPr lang="en-US" sz="4400" dirty="0" err="1" smtClean="0"/>
+              <a:rPr lang="en-US" sz="4400" dirty="0" err="1" smtClean="0">
+                <a:latin typeface="+mj-lt"/>
+                <a:cs typeface="Calibri Light" panose="020F0302020204030204" pitchFamily="34" charset="0"/>
+              </a:rPr>
               <a:t>Anusha</a:t>
             </a:r>
             <a:r>
-              <a:rPr lang="en-US" sz="4400" dirty="0" smtClean="0"/>
+              <a:rPr lang="en-US" sz="4400" dirty="0" smtClean="0">
+                <a:latin typeface="+mj-lt"/>
+                <a:cs typeface="Calibri Light" panose="020F0302020204030204" pitchFamily="34" charset="0"/>
+              </a:rPr>
               <a:t> </a:t>
             </a:r>
             <a:r>
-              <a:rPr lang="en-US" sz="4400" dirty="0"/>
+              <a:rPr lang="en-US" sz="4400" dirty="0">
+                <a:latin typeface="+mj-lt"/>
+                <a:cs typeface="Calibri Light" panose="020F0302020204030204" pitchFamily="34" charset="0"/>
+              </a:rPr>
               <a:t>Ramachandran</a:t>
             </a:r>
-            <a:endParaRPr sz="4400" dirty="0"/>
+            <a:endParaRPr sz="4400" dirty="0">
+              <a:latin typeface="+mj-lt"/>
+              <a:cs typeface="Calibri Light" panose="020F0302020204030204" pitchFamily="34" charset="0"/>
+            </a:endParaRPr>
           </a:p>
         </p:txBody>
       </p:sp>
@@ -5914,13 +5955,342 @@
   <p:clrMapOvr>
     <a:masterClrMapping/>
   </p:clrMapOvr>
-  <mc:AlternateContent xmlns:mc="http://schemas.openxmlformats.org/markup-compatibility/2006" xmlns:p14="http://schemas.microsoft.com/office/powerpoint/2010/main">
-    <mc:Choice Requires="p14">
-      <p:transition spd="slow" p14:dur="1500">
-        <p:dissolve/>
+  <mc:AlternateContent xmlns:mc="http://schemas.openxmlformats.org/markup-compatibility/2006">
+    <mc:Choice xmlns:p14="http://schemas.microsoft.com/office/powerpoint/2010/main" Requires="p14">
+      <p:transition p14:dur="100">
+        <p:cut/>
       </p:transition>
     </mc:Choice>
-    <mc:Fallback xmlns:a14="http://schemas.microsoft.com/office/drawing/2010/main" xmlns:m="http://schemas.openxmlformats.org/officeDocument/2006/math" xmlns="">
+    <mc:Fallback>
+      <p:transition>
+        <p:cut/>
+      </p:transition>
+    </mc:Fallback>
+  </mc:AlternateContent>
+  <p:timing>
+    <p:tnLst>
+      <p:par>
+        <p:cTn id="1" dur="indefinite" restart="never" nodeType="tmRoot"/>
+      </p:par>
+    </p:tnLst>
+  </p:timing>
+</p:sld>
+</file>
+
+<file path=ppt/slides/slide10.xml><?xml version="1.0" encoding="utf-8"?>
+<p:sld xmlns:a="http://schemas.openxmlformats.org/drawingml/2006/main" xmlns:r="http://schemas.openxmlformats.org/officeDocument/2006/relationships" xmlns:p="http://schemas.openxmlformats.org/presentationml/2006/main">
+  <p:cSld>
+    <p:spTree>
+      <p:nvGrpSpPr>
+        <p:cNvPr id="1" name=""/>
+        <p:cNvGrpSpPr/>
+        <p:nvPr/>
+      </p:nvGrpSpPr>
+      <p:grpSpPr>
+        <a:xfrm>
+          <a:off x="0" y="0"/>
+          <a:ext cx="0" cy="0"/>
+          <a:chOff x="0" y="0"/>
+          <a:chExt cx="0" cy="0"/>
+        </a:xfrm>
+      </p:grpSpPr>
+      <p:pic>
+        <p:nvPicPr>
+          <p:cNvPr id="5" name="Picture 4"/>
+          <p:cNvPicPr>
+            <a:picLocks noChangeAspect="1"/>
+          </p:cNvPicPr>
+          <p:nvPr/>
+        </p:nvPicPr>
+        <p:blipFill>
+          <a:blip r:embed="rId2"/>
+          <a:stretch>
+            <a:fillRect/>
+          </a:stretch>
+        </p:blipFill>
+        <p:spPr>
+          <a:xfrm>
+            <a:off x="1084262" y="8025186"/>
+            <a:ext cx="17935575" cy="2962275"/>
+          </a:xfrm>
+          <a:prstGeom prst="rect">
+            <a:avLst/>
+          </a:prstGeom>
+        </p:spPr>
+      </p:pic>
+      <p:pic>
+        <p:nvPicPr>
+          <p:cNvPr id="2" name="Picture 1">
+            <a:hlinkClick r:id="rId3"/>
+          </p:cNvPr>
+          <p:cNvPicPr>
+            <a:picLocks noChangeAspect="1"/>
+          </p:cNvPicPr>
+          <p:nvPr/>
+        </p:nvPicPr>
+        <p:blipFill>
+          <a:blip r:embed="rId4">
+            <a:extLst>
+              <a:ext uri="{28A0092B-C50C-407E-A947-70E740481C1C}">
+                <a14:useLocalDpi xmlns:a14="http://schemas.microsoft.com/office/drawing/2010/main" val="0"/>
+              </a:ext>
+            </a:extLst>
+          </a:blip>
+          <a:stretch>
+            <a:fillRect/>
+          </a:stretch>
+        </p:blipFill>
+        <p:spPr>
+          <a:xfrm>
+            <a:off x="3115183" y="268677"/>
+            <a:ext cx="11497288" cy="9168723"/>
+          </a:xfrm>
+          <a:prstGeom prst="rect">
+            <a:avLst/>
+          </a:prstGeom>
+        </p:spPr>
+      </p:pic>
+      <p:pic>
+        <p:nvPicPr>
+          <p:cNvPr id="6" name="Picture 5"/>
+          <p:cNvPicPr>
+            <a:picLocks noChangeAspect="1"/>
+          </p:cNvPicPr>
+          <p:nvPr/>
+        </p:nvPicPr>
+        <p:blipFill>
+          <a:blip r:embed="rId5"/>
+          <a:stretch>
+            <a:fillRect/>
+          </a:stretch>
+        </p:blipFill>
+        <p:spPr>
+          <a:xfrm>
+            <a:off x="15041606" y="859955"/>
+            <a:ext cx="2181661" cy="1962636"/>
+          </a:xfrm>
+          <a:prstGeom prst="rect">
+            <a:avLst/>
+          </a:prstGeom>
+        </p:spPr>
+      </p:pic>
+      <p:sp>
+        <p:nvSpPr>
+          <p:cNvPr id="8" name="Striped Right Arrow 7"/>
+          <p:cNvSpPr/>
+          <p:nvPr/>
+        </p:nvSpPr>
+        <p:spPr>
+          <a:xfrm>
+            <a:off x="504387" y="7172007"/>
+            <a:ext cx="3190672" cy="992221"/>
+          </a:xfrm>
+          <a:prstGeom prst="stripedRightArrow">
+            <a:avLst/>
+          </a:prstGeom>
+          <a:solidFill>
+            <a:srgbClr val="FFFFFF"/>
+          </a:solidFill>
+          <a:ln w="25400" cap="flat">
+            <a:solidFill>
+              <a:schemeClr val="accent1"/>
+            </a:solidFill>
+            <a:prstDash val="solid"/>
+            <a:round/>
+          </a:ln>
+          <a:effectLst>
+            <a:outerShdw blurRad="38100" dist="23000" dir="5400000" rotWithShape="0">
+              <a:srgbClr val="000000">
+                <a:alpha val="35000"/>
+              </a:srgbClr>
+            </a:outerShdw>
+          </a:effectLst>
+          <a:sp3d/>
+        </p:spPr>
+        <p:style>
+          <a:lnRef idx="0">
+            <a:scrgbClr r="0" g="0" b="0"/>
+          </a:lnRef>
+          <a:fillRef idx="0">
+            <a:scrgbClr r="0" g="0" b="0"/>
+          </a:fillRef>
+          <a:effectRef idx="0">
+            <a:scrgbClr r="0" g="0" b="0"/>
+          </a:effectRef>
+          <a:fontRef idx="none"/>
+        </p:style>
+        <p:txBody>
+          <a:bodyPr rot="0" spcFirstLastPara="1" vertOverflow="overflow" horzOverflow="overflow" vert="horz" wrap="square" lIns="45719" tIns="45719" rIns="45719" bIns="45719" numCol="1" spcCol="38100" rtlCol="0" anchor="ctr">
+            <a:spAutoFit/>
+          </a:bodyPr>
+          <a:lstStyle/>
+          <a:p>
+            <a:pPr marL="0" marR="0" indent="0" algn="l" defTabSz="914400" rtl="0" fontAlgn="auto" latinLnBrk="0" hangingPunct="0">
+              <a:lnSpc>
+                <a:spcPct val="100000"/>
+              </a:lnSpc>
+              <a:spcBef>
+                <a:spcPts val="0"/>
+              </a:spcBef>
+              <a:spcAft>
+                <a:spcPts val="0"/>
+              </a:spcAft>
+              <a:buClrTx/>
+              <a:buSzTx/>
+              <a:buFontTx/>
+              <a:buNone/>
+              <a:tabLst/>
+            </a:pPr>
+            <a:endParaRPr kumimoji="0" lang="en-US" sz="1800" b="0" i="0" u="none" strike="noStrike" cap="none" spc="0" normalizeH="0" baseline="0">
+              <a:ln>
+                <a:noFill/>
+              </a:ln>
+              <a:solidFill>
+                <a:srgbClr val="000000"/>
+              </a:solidFill>
+              <a:effectLst/>
+              <a:uFillTx/>
+              <a:latin typeface="+mj-lt"/>
+              <a:ea typeface="+mj-ea"/>
+              <a:cs typeface="+mj-cs"/>
+              <a:sym typeface="Roboto Thin"/>
+            </a:endParaRPr>
+          </a:p>
+        </p:txBody>
+      </p:sp>
+    </p:spTree>
+    <p:extLst>
+      <p:ext uri="{BB962C8B-B14F-4D97-AF65-F5344CB8AC3E}">
+        <p14:creationId xmlns:p14="http://schemas.microsoft.com/office/powerpoint/2010/main" val="665310101"/>
+      </p:ext>
+    </p:extLst>
+  </p:cSld>
+  <p:clrMapOvr>
+    <a:masterClrMapping/>
+  </p:clrMapOvr>
+  <p:transition spd="med"/>
+  <p:timing>
+    <p:tnLst>
+      <p:par>
+        <p:cTn id="1" dur="indefinite" restart="never" nodeType="tmRoot"/>
+      </p:par>
+    </p:tnLst>
+  </p:timing>
+</p:sld>
+</file>
+
+<file path=ppt/slides/slide11.xml><?xml version="1.0" encoding="utf-8"?>
+<p:sld xmlns:a="http://schemas.openxmlformats.org/drawingml/2006/main" xmlns:r="http://schemas.openxmlformats.org/officeDocument/2006/relationships" xmlns:p="http://schemas.openxmlformats.org/presentationml/2006/main">
+  <p:cSld>
+    <p:spTree>
+      <p:nvGrpSpPr>
+        <p:cNvPr id="1" name=""/>
+        <p:cNvGrpSpPr/>
+        <p:nvPr/>
+      </p:nvGrpSpPr>
+      <p:grpSpPr>
+        <a:xfrm>
+          <a:off x="0" y="0"/>
+          <a:ext cx="0" cy="0"/>
+          <a:chOff x="0" y="0"/>
+          <a:chExt cx="0" cy="0"/>
+        </a:xfrm>
+      </p:grpSpPr>
+      <p:pic>
+        <p:nvPicPr>
+          <p:cNvPr id="3" name="Picture 2"/>
+          <p:cNvPicPr>
+            <a:picLocks noChangeAspect="1"/>
+          </p:cNvPicPr>
+          <p:nvPr/>
+        </p:nvPicPr>
+        <p:blipFill>
+          <a:blip r:embed="rId2"/>
+          <a:stretch>
+            <a:fillRect/>
+          </a:stretch>
+        </p:blipFill>
+        <p:spPr>
+          <a:xfrm>
+            <a:off x="15918428" y="859954"/>
+            <a:ext cx="2181661" cy="1962636"/>
+          </a:xfrm>
+          <a:prstGeom prst="rect">
+            <a:avLst/>
+          </a:prstGeom>
+        </p:spPr>
+      </p:pic>
+      <p:pic>
+        <p:nvPicPr>
+          <p:cNvPr id="4" name="Picture 3"/>
+          <p:cNvPicPr>
+            <a:picLocks noChangeAspect="1"/>
+          </p:cNvPicPr>
+          <p:nvPr/>
+        </p:nvPicPr>
+        <p:blipFill>
+          <a:blip r:embed="rId3"/>
+          <a:stretch>
+            <a:fillRect/>
+          </a:stretch>
+        </p:blipFill>
+        <p:spPr>
+          <a:xfrm>
+            <a:off x="1084262" y="8025186"/>
+            <a:ext cx="17935575" cy="2962275"/>
+          </a:xfrm>
+          <a:prstGeom prst="rect">
+            <a:avLst/>
+          </a:prstGeom>
+        </p:spPr>
+      </p:pic>
+      <p:pic>
+        <p:nvPicPr>
+          <p:cNvPr id="2" name="Picture 1"/>
+          <p:cNvPicPr>
+            <a:picLocks noChangeAspect="1"/>
+          </p:cNvPicPr>
+          <p:nvPr/>
+        </p:nvPicPr>
+        <p:blipFill>
+          <a:blip r:embed="rId4">
+            <a:extLst>
+              <a:ext uri="{28A0092B-C50C-407E-A947-70E740481C1C}">
+                <a14:useLocalDpi xmlns:a14="http://schemas.microsoft.com/office/drawing/2010/main" val="0"/>
+              </a:ext>
+            </a:extLst>
+          </a:blip>
+          <a:stretch>
+            <a:fillRect/>
+          </a:stretch>
+        </p:blipFill>
+        <p:spPr>
+          <a:xfrm>
+            <a:off x="2853694" y="859954"/>
+            <a:ext cx="12457642" cy="8902891"/>
+          </a:xfrm>
+          <a:prstGeom prst="rect">
+            <a:avLst/>
+          </a:prstGeom>
+        </p:spPr>
+      </p:pic>
+    </p:spTree>
+    <p:extLst>
+      <p:ext uri="{BB962C8B-B14F-4D97-AF65-F5344CB8AC3E}">
+        <p14:creationId xmlns:p14="http://schemas.microsoft.com/office/powerpoint/2010/main" val="1753201164"/>
+      </p:ext>
+    </p:extLst>
+  </p:cSld>
+  <p:clrMapOvr>
+    <a:masterClrMapping/>
+  </p:clrMapOvr>
+  <mc:AlternateContent xmlns:mc="http://schemas.openxmlformats.org/markup-compatibility/2006">
+    <mc:Choice xmlns:p14="http://schemas.microsoft.com/office/powerpoint/2010/main" Requires="p14">
+      <p:transition spd="slow" p14:dur="800">
+        <p14:flythrough/>
+      </p:transition>
+    </mc:Choice>
+    <mc:Fallback>
       <p:transition spd="slow">
         <p:fade/>
       </p:transition>
@@ -5936,7 +6306,7 @@
 </p:sld>
 </file>
 
-<file path=ppt/slides/slide2.xml><?xml version="1.0" encoding="utf-8"?>
+<file path=ppt/slides/slide12.xml><?xml version="1.0" encoding="utf-8"?>
 <p:sld xmlns:a="http://schemas.openxmlformats.org/drawingml/2006/main" xmlns:r="http://schemas.openxmlformats.org/officeDocument/2006/relationships" xmlns:p="http://schemas.openxmlformats.org/presentationml/2006/main">
   <p:cSld>
     <p:spTree>
@@ -6087,7 +6457,7 @@
         <p:spPr>
           <a:xfrm>
             <a:off x="1915613" y="2912740"/>
-            <a:ext cx="15929465" cy="5026889"/>
+            <a:ext cx="15929465" cy="4874989"/>
           </a:xfrm>
           <a:prstGeom prst="rect">
             <a:avLst/>
@@ -6127,489 +6497,15 @@
               </a:defRPr>
             </a:pPr>
             <a:r>
-              <a:rPr lang="en-US" dirty="0" smtClean="0"/>
-              <a:t> Median Income by City/Metropolitan Area</a:t>
-            </a:r>
-            <a:endParaRPr dirty="0"/>
-          </a:p>
-          <a:p>
-            <a:pPr marL="241300" marR="1912620" indent="-228600">
-              <a:lnSpc>
-                <a:spcPct val="104099"/>
-              </a:lnSpc>
-              <a:spcBef>
-                <a:spcPts val="1400"/>
-              </a:spcBef>
-              <a:buSzPct val="100000"/>
-              <a:buChar char="•"/>
-              <a:defRPr sz="4300">
-                <a:solidFill>
-                  <a:srgbClr val="404040"/>
-                </a:solidFill>
-                <a:latin typeface="Roboto Light"/>
-                <a:ea typeface="Roboto Light"/>
-                <a:cs typeface="Roboto Light"/>
-                <a:sym typeface="Roboto Light"/>
-              </a:defRPr>
-            </a:pPr>
-            <a:r>
-              <a:rPr lang="en-US" dirty="0" smtClean="0"/>
-              <a:t> Home Sale Prices by City</a:t>
-            </a:r>
-            <a:endParaRPr dirty="0"/>
-          </a:p>
-          <a:p>
-            <a:pPr marL="241300" marR="1912620" indent="-228600">
-              <a:lnSpc>
-                <a:spcPct val="104099"/>
-              </a:lnSpc>
-              <a:spcBef>
-                <a:spcPts val="1400"/>
-              </a:spcBef>
-              <a:buSzPct val="100000"/>
-              <a:buChar char="•"/>
-              <a:defRPr sz="4300">
-                <a:solidFill>
-                  <a:srgbClr val="404040"/>
-                </a:solidFill>
-                <a:latin typeface="Roboto Light"/>
-                <a:ea typeface="Roboto Light"/>
-                <a:cs typeface="Roboto Light"/>
-                <a:sym typeface="Roboto Light"/>
-              </a:defRPr>
-            </a:pPr>
-            <a:r>
-              <a:rPr lang="en-US" dirty="0" smtClean="0"/>
-              <a:t> Home Sale Price to Income Ratio by City</a:t>
-            </a:r>
-            <a:endParaRPr dirty="0"/>
-          </a:p>
-          <a:p>
-            <a:pPr marL="241300" marR="1912620" indent="-228600">
-              <a:lnSpc>
-                <a:spcPct val="104099"/>
-              </a:lnSpc>
-              <a:spcBef>
-                <a:spcPts val="1400"/>
-              </a:spcBef>
-              <a:buSzPct val="100000"/>
-              <a:buChar char="•"/>
-              <a:defRPr sz="4300">
-                <a:solidFill>
-                  <a:srgbClr val="404040"/>
-                </a:solidFill>
-                <a:latin typeface="Roboto Light"/>
-                <a:ea typeface="Roboto Light"/>
-                <a:cs typeface="Roboto Light"/>
-                <a:sym typeface="Roboto Light"/>
-              </a:defRPr>
-            </a:pPr>
-            <a:r>
-              <a:rPr lang="en-US" dirty="0" smtClean="0"/>
-              <a:t> Rent to Income Ratio by City</a:t>
-            </a:r>
-          </a:p>
-          <a:p>
-            <a:pPr marL="241300" marR="1912620" indent="-228600">
-              <a:lnSpc>
-                <a:spcPct val="104099"/>
-              </a:lnSpc>
-              <a:spcBef>
-                <a:spcPts val="1400"/>
-              </a:spcBef>
-              <a:buSzPct val="100000"/>
-              <a:buChar char="•"/>
-              <a:defRPr sz="4300">
-                <a:solidFill>
-                  <a:srgbClr val="404040"/>
-                </a:solidFill>
-                <a:latin typeface="Roboto Light"/>
-                <a:ea typeface="Roboto Light"/>
-                <a:cs typeface="Roboto Light"/>
-                <a:sym typeface="Roboto Light"/>
-              </a:defRPr>
-            </a:pPr>
-            <a:r>
-              <a:rPr lang="en-US" dirty="0"/>
+              <a:rPr lang="en-US" dirty="0" smtClean="0">
+                <a:latin typeface="+mj-lt"/>
+              </a:rPr>
               <a:t> </a:t>
             </a:r>
             <a:r>
-              <a:rPr lang="en-US" dirty="0" smtClean="0"/>
-              <a:t>Mortgage to Income Ratio by City</a:t>
-            </a:r>
-          </a:p>
-          <a:p>
-            <a:pPr marL="241300" marR="1912620" indent="-228600">
-              <a:lnSpc>
-                <a:spcPct val="104099"/>
-              </a:lnSpc>
-              <a:spcBef>
-                <a:spcPts val="1400"/>
-              </a:spcBef>
-              <a:buSzPct val="100000"/>
-              <a:buChar char="•"/>
-              <a:defRPr sz="4300">
-                <a:solidFill>
-                  <a:srgbClr val="404040"/>
-                </a:solidFill>
-                <a:latin typeface="Roboto Light"/>
-                <a:ea typeface="Roboto Light"/>
-                <a:cs typeface="Roboto Light"/>
-                <a:sym typeface="Roboto Light"/>
-              </a:defRPr>
-            </a:pPr>
-            <a:r>
-              <a:rPr lang="en-US" dirty="0"/>
-              <a:t> </a:t>
-            </a:r>
-            <a:r>
-              <a:rPr lang="en-US" b="1" dirty="0" smtClean="0"/>
-              <a:t>March Data (most recent is March 2018)</a:t>
-            </a:r>
-            <a:endParaRPr b="1" dirty="0"/>
-          </a:p>
-        </p:txBody>
-      </p:sp>
-      <p:sp>
-        <p:nvSpPr>
-          <p:cNvPr id="9" name="object 2"/>
-          <p:cNvSpPr txBox="1"/>
-          <p:nvPr/>
-        </p:nvSpPr>
-        <p:spPr>
-          <a:xfrm>
-            <a:off x="1385505" y="1400282"/>
-            <a:ext cx="16989682" cy="1325876"/>
-          </a:xfrm>
-          <a:prstGeom prst="rect">
-            <a:avLst/>
-          </a:prstGeom>
-          <a:ln w="12700">
-            <a:miter lim="400000"/>
-          </a:ln>
-          <a:extLst>
-            <a:ext uri="{C572A759-6A51-4108-AA02-DFA0A04FC94B}">
-              <ma14:wrappingTextBoxFlag xmlns:ma14="http://schemas.microsoft.com/office/mac/drawingml/2011/main" xmlns:a14="http://schemas.microsoft.com/office/drawing/2010/main" xmlns:m="http://schemas.openxmlformats.org/officeDocument/2006/math" xmlns="" val="1"/>
-            </a:ext>
-          </a:extLst>
-        </p:spPr>
-        <p:txBody>
-          <a:bodyPr lIns="0" tIns="0" rIns="0" bIns="0">
-            <a:spAutoFit/>
-          </a:bodyPr>
-          <a:lstStyle>
-            <a:lvl1pPr marL="127000" marR="5080" indent="-114935">
-              <a:lnSpc>
-                <a:spcPts val="11600"/>
-              </a:lnSpc>
-              <a:spcBef>
-                <a:spcPts val="2800"/>
-              </a:spcBef>
-              <a:defRPr sz="7200">
-                <a:solidFill>
-                  <a:srgbClr val="990000"/>
-                </a:solidFill>
-              </a:defRPr>
-            </a:lvl1pPr>
-          </a:lstStyle>
-          <a:p>
-            <a:r>
-              <a:rPr lang="en-US" dirty="0" smtClean="0"/>
-              <a:t>Data Used</a:t>
-            </a:r>
-            <a:endParaRPr dirty="0"/>
-          </a:p>
-        </p:txBody>
-      </p:sp>
-      <p:pic>
-        <p:nvPicPr>
-          <p:cNvPr id="10" name="Picture 9"/>
-          <p:cNvPicPr>
-            <a:picLocks noChangeAspect="1"/>
-          </p:cNvPicPr>
-          <p:nvPr/>
-        </p:nvPicPr>
-        <p:blipFill>
-          <a:blip r:embed="rId5"/>
-          <a:stretch>
-            <a:fillRect/>
-          </a:stretch>
-        </p:blipFill>
-        <p:spPr>
-          <a:xfrm>
-            <a:off x="17203710" y="2681534"/>
-            <a:ext cx="2181661" cy="1962636"/>
-          </a:xfrm>
-          <a:prstGeom prst="rect">
-            <a:avLst/>
-          </a:prstGeom>
-        </p:spPr>
-      </p:pic>
-      <p:pic>
-        <p:nvPicPr>
-          <p:cNvPr id="12" name="Picture 11"/>
-          <p:cNvPicPr>
-            <a:picLocks noChangeAspect="1"/>
-          </p:cNvPicPr>
-          <p:nvPr/>
-        </p:nvPicPr>
-        <p:blipFill>
-          <a:blip r:embed="rId6"/>
-          <a:stretch>
-            <a:fillRect/>
-          </a:stretch>
-        </p:blipFill>
-        <p:spPr>
-          <a:xfrm>
-            <a:off x="17322529" y="4879880"/>
-            <a:ext cx="1944021" cy="1926104"/>
-          </a:xfrm>
-          <a:prstGeom prst="rect">
-            <a:avLst/>
-          </a:prstGeom>
-        </p:spPr>
-      </p:pic>
-      <p:pic>
-        <p:nvPicPr>
-          <p:cNvPr id="14" name="Picture 13"/>
-          <p:cNvPicPr>
-            <a:picLocks noChangeAspect="1"/>
-          </p:cNvPicPr>
-          <p:nvPr/>
-        </p:nvPicPr>
-        <p:blipFill>
-          <a:blip r:embed="rId7"/>
-          <a:stretch>
-            <a:fillRect/>
-          </a:stretch>
-        </p:blipFill>
-        <p:spPr>
-          <a:xfrm>
-            <a:off x="5715374" y="1864063"/>
-            <a:ext cx="533400" cy="514350"/>
-          </a:xfrm>
-          <a:prstGeom prst="rect">
-            <a:avLst/>
-          </a:prstGeom>
-        </p:spPr>
-      </p:pic>
-    </p:spTree>
-    <p:extLst>
-      <p:ext uri="{BB962C8B-B14F-4D97-AF65-F5344CB8AC3E}">
-        <p14:creationId xmlns:p14="http://schemas.microsoft.com/office/powerpoint/2010/main" val="2306889675"/>
-      </p:ext>
-    </p:extLst>
-  </p:cSld>
-  <p:clrMapOvr>
-    <a:masterClrMapping/>
-  </p:clrMapOvr>
-  <p:transition spd="med"/>
-  <p:timing>
-    <p:tnLst>
-      <p:par>
-        <p:cTn id="1" dur="indefinite" restart="never" nodeType="tmRoot"/>
-      </p:par>
-    </p:tnLst>
-  </p:timing>
-</p:sld>
-</file>
-
-<file path=ppt/slides/slide3.xml><?xml version="1.0" encoding="utf-8"?>
-<p:sld xmlns:a="http://schemas.openxmlformats.org/drawingml/2006/main" xmlns:r="http://schemas.openxmlformats.org/officeDocument/2006/relationships" xmlns:p="http://schemas.openxmlformats.org/presentationml/2006/main">
-  <p:cSld>
-    <p:spTree>
-      <p:nvGrpSpPr>
-        <p:cNvPr id="1" name=""/>
-        <p:cNvGrpSpPr/>
-        <p:nvPr/>
-      </p:nvGrpSpPr>
-      <p:grpSpPr>
-        <a:xfrm>
-          <a:off x="0" y="0"/>
-          <a:ext cx="0" cy="0"/>
-          <a:chOff x="0" y="0"/>
-          <a:chExt cx="0" cy="0"/>
-        </a:xfrm>
-      </p:grpSpPr>
-      <p:pic>
-        <p:nvPicPr>
-          <p:cNvPr id="2" name="Picture 1"/>
-          <p:cNvPicPr>
-            <a:picLocks noChangeAspect="1"/>
-          </p:cNvPicPr>
-          <p:nvPr/>
-        </p:nvPicPr>
-        <p:blipFill>
-          <a:blip r:embed="rId2"/>
-          <a:stretch>
-            <a:fillRect/>
-          </a:stretch>
-        </p:blipFill>
-        <p:spPr>
-          <a:xfrm>
-            <a:off x="1084262" y="8025186"/>
-            <a:ext cx="17935575" cy="2962275"/>
-          </a:xfrm>
-          <a:prstGeom prst="rect">
-            <a:avLst/>
-          </a:prstGeom>
-        </p:spPr>
-      </p:pic>
-      <p:pic>
-        <p:nvPicPr>
-          <p:cNvPr id="3" name="Picture 2"/>
-          <p:cNvPicPr>
-            <a:picLocks noChangeAspect="1"/>
-          </p:cNvPicPr>
-          <p:nvPr/>
-        </p:nvPicPr>
-        <p:blipFill>
-          <a:blip r:embed="rId3"/>
-          <a:stretch>
-            <a:fillRect/>
-          </a:stretch>
-        </p:blipFill>
-        <p:spPr>
-          <a:xfrm>
-            <a:off x="15948586" y="8453810"/>
-            <a:ext cx="2514600" cy="885825"/>
-          </a:xfrm>
-          <a:prstGeom prst="rect">
-            <a:avLst/>
-          </a:prstGeom>
-        </p:spPr>
-      </p:pic>
-      <p:pic>
-        <p:nvPicPr>
-          <p:cNvPr id="4" name="Picture 3"/>
-          <p:cNvPicPr>
-            <a:picLocks noChangeAspect="1"/>
-          </p:cNvPicPr>
-          <p:nvPr/>
-        </p:nvPicPr>
-        <p:blipFill>
-          <a:blip r:embed="rId4" cstate="print">
-            <a:extLst>
-              <a:ext uri="{28A0092B-C50C-407E-A947-70E740481C1C}">
-                <a14:useLocalDpi xmlns:a14="http://schemas.microsoft.com/office/drawing/2010/main" val="0"/>
-              </a:ext>
-            </a:extLst>
-          </a:blip>
-          <a:stretch>
-            <a:fillRect/>
-          </a:stretch>
-        </p:blipFill>
-        <p:spPr>
-          <a:xfrm>
-            <a:off x="17845078" y="235569"/>
-            <a:ext cx="1558725" cy="2142844"/>
-          </a:xfrm>
-          <a:prstGeom prst="rect">
-            <a:avLst/>
-          </a:prstGeom>
-        </p:spPr>
-      </p:pic>
-      <p:sp>
-        <p:nvSpPr>
-          <p:cNvPr id="5" name="object 2"/>
-          <p:cNvSpPr/>
-          <p:nvPr/>
-        </p:nvSpPr>
-        <p:spPr>
-          <a:xfrm>
-            <a:off x="706" y="398"/>
-            <a:ext cx="374614" cy="11307644"/>
-          </a:xfrm>
-          <a:prstGeom prst="rect">
-            <a:avLst/>
-          </a:prstGeom>
-          <a:solidFill>
-            <a:srgbClr val="000066"/>
-          </a:solidFill>
-          <a:ln w="12700">
-            <a:miter lim="400000"/>
-          </a:ln>
-        </p:spPr>
-        <p:txBody>
-          <a:bodyPr lIns="45719" rIns="45719"/>
-          <a:lstStyle/>
-          <a:p>
-            <a:pPr marR="0">
-              <a:lnSpc>
-                <a:spcPct val="100000"/>
-              </a:lnSpc>
-              <a:spcBef>
-                <a:spcPts val="0"/>
-              </a:spcBef>
-              <a:tabLst/>
-              <a:defRPr sz="800">
-                <a:solidFill>
-                  <a:srgbClr val="000000"/>
-                </a:solidFill>
+              <a:rPr lang="en-US" sz="4200" dirty="0" smtClean="0">
                 <a:latin typeface="+mj-lt"/>
-                <a:ea typeface="+mj-ea"/>
-                <a:cs typeface="+mj-cs"/>
-                <a:sym typeface="Roboto Thin"/>
-              </a:defRPr>
-            </a:pPr>
-            <a:endParaRPr/>
-          </a:p>
-        </p:txBody>
-      </p:sp>
-      <p:sp>
-        <p:nvSpPr>
-          <p:cNvPr id="8" name="object 3"/>
-          <p:cNvSpPr txBox="1"/>
-          <p:nvPr/>
-        </p:nvSpPr>
-        <p:spPr>
-          <a:xfrm>
-            <a:off x="1915613" y="2912740"/>
-            <a:ext cx="15929465" cy="5685146"/>
-          </a:xfrm>
-          <a:prstGeom prst="rect">
-            <a:avLst/>
-          </a:prstGeom>
-          <a:ln w="12700">
-            <a:miter lim="400000"/>
-          </a:ln>
-          <a:extLst>
-            <a:ext uri="{C572A759-6A51-4108-AA02-DFA0A04FC94B}">
-              <ma14:wrappingTextBoxFlag xmlns:ma14="http://schemas.microsoft.com/office/mac/drawingml/2011/main" xmlns:a14="http://schemas.microsoft.com/office/drawing/2010/main" xmlns:m="http://schemas.openxmlformats.org/officeDocument/2006/math" xmlns="" val="1"/>
-            </a:ext>
-          </a:extLst>
-        </p:spPr>
-        <p:txBody>
-          <a:bodyPr lIns="0" tIns="0" rIns="0" bIns="0">
-            <a:spAutoFit/>
-          </a:bodyPr>
-          <a:lstStyle/>
-          <a:p>
-            <a:pPr marL="241300" marR="1912620" indent="-228600">
-              <a:lnSpc>
-                <a:spcPct val="104099"/>
-              </a:lnSpc>
-              <a:spcBef>
-                <a:spcPts val="1400"/>
-              </a:spcBef>
-              <a:buSzPct val="100000"/>
-              <a:buChar char="•"/>
-              <a:defRPr sz="4300">
-                <a:solidFill>
-                  <a:srgbClr val="404040"/>
-                </a:solidFill>
-                <a:latin typeface="Roboto Light"/>
-                <a:ea typeface="Roboto Light"/>
-                <a:cs typeface="Roboto Light"/>
-                <a:sym typeface="Roboto Light"/>
-              </a:defRPr>
-            </a:pPr>
-            <a:r>
-              <a:rPr lang="en-US" dirty="0" smtClean="0"/>
-              <a:t> </a:t>
-            </a:r>
-            <a:r>
-              <a:rPr lang="en-US" sz="4200" dirty="0" smtClean="0"/>
+              </a:rPr>
               <a:t>Although income has increased significantly in certain cities like San Francisco and San Jose, renting AND purchasing a home over the last 10 years has become unaffordable overall in California</a:t>
             </a:r>
           </a:p>
@@ -6634,34 +6530,47 @@
               </a:defRPr>
             </a:pPr>
             <a:r>
-              <a:rPr lang="en-US" sz="4200" dirty="0"/>
+              <a:rPr lang="en-US" sz="4200" dirty="0">
+                <a:latin typeface="+mj-lt"/>
+              </a:rPr>
               <a:t> In certain cities like New York and Washington, D.C., home prices have increased </a:t>
             </a:r>
             <a:r>
-              <a:rPr lang="en-US" sz="4200" dirty="0" smtClean="0"/>
+              <a:rPr lang="en-US" sz="4200" dirty="0" smtClean="0">
+                <a:latin typeface="+mj-lt"/>
+              </a:rPr>
               <a:t>but </a:t>
             </a:r>
             <a:r>
-              <a:rPr lang="en-US" sz="4200" dirty="0"/>
+              <a:rPr lang="en-US" sz="4200" dirty="0">
+                <a:latin typeface="+mj-lt"/>
+              </a:rPr>
               <a:t>rent </a:t>
             </a:r>
             <a:r>
-              <a:rPr lang="en-US" sz="4200" dirty="0" smtClean="0"/>
+              <a:rPr lang="en-US" sz="4200" dirty="0" smtClean="0">
+                <a:latin typeface="+mj-lt"/>
+              </a:rPr>
               <a:t>increases have </a:t>
             </a:r>
             <a:r>
-              <a:rPr lang="en-US" sz="4200" dirty="0"/>
+              <a:rPr lang="en-US" sz="4200" dirty="0">
+                <a:latin typeface="+mj-lt"/>
+              </a:rPr>
               <a:t>stayed fairly flat. Therefore, it’s better to rent in those markets than </a:t>
             </a:r>
             <a:r>
-              <a:rPr lang="en-US" sz="4200" dirty="0" smtClean="0"/>
+              <a:rPr lang="en-US" sz="4200" dirty="0" smtClean="0">
+                <a:latin typeface="+mj-lt"/>
+              </a:rPr>
               <a:t>it us to </a:t>
             </a:r>
             <a:r>
-              <a:rPr lang="en-US" sz="4200" dirty="0"/>
+              <a:rPr lang="en-US" sz="4200" dirty="0">
+                <a:latin typeface="+mj-lt"/>
+              </a:rPr>
               <a:t>buy</a:t>
             </a:r>
-            <a:endParaRPr lang="en-US" sz="4200" dirty="0"/>
           </a:p>
         </p:txBody>
       </p:sp>
@@ -6674,7 +6583,7 @@
         <p:spPr>
           <a:xfrm>
             <a:off x="1385505" y="1400282"/>
-            <a:ext cx="16989682" cy="1325876"/>
+            <a:ext cx="16989682" cy="1359411"/>
           </a:xfrm>
           <a:prstGeom prst="rect">
             <a:avLst/>
@@ -6709,10 +6618,14 @@
           </a:lstStyle>
           <a:p>
             <a:r>
-              <a:rPr lang="en-US" dirty="0" smtClean="0"/>
+              <a:rPr lang="en-US" dirty="0" smtClean="0">
+                <a:latin typeface="+mj-lt"/>
+              </a:rPr>
               <a:t>Findings</a:t>
             </a:r>
-            <a:endParaRPr dirty="0"/>
+            <a:endParaRPr dirty="0">
+              <a:latin typeface="+mj-lt"/>
+            </a:endParaRPr>
           </a:p>
         </p:txBody>
       </p:sp>
@@ -6761,301 +6674,7 @@
 </p:sld>
 </file>
 
-<file path=ppt/slides/slide4.xml><?xml version="1.0" encoding="utf-8"?>
-<p:sld xmlns:a="http://schemas.openxmlformats.org/drawingml/2006/main" xmlns:r="http://schemas.openxmlformats.org/officeDocument/2006/relationships" xmlns:p="http://schemas.openxmlformats.org/presentationml/2006/main">
-  <p:cSld>
-    <p:spTree>
-      <p:nvGrpSpPr>
-        <p:cNvPr id="1" name=""/>
-        <p:cNvGrpSpPr/>
-        <p:nvPr/>
-      </p:nvGrpSpPr>
-      <p:grpSpPr>
-        <a:xfrm>
-          <a:off x="0" y="0"/>
-          <a:ext cx="0" cy="0"/>
-          <a:chOff x="0" y="0"/>
-          <a:chExt cx="0" cy="0"/>
-        </a:xfrm>
-      </p:grpSpPr>
-      <p:pic>
-        <p:nvPicPr>
-          <p:cNvPr id="2" name="Picture 1"/>
-          <p:cNvPicPr>
-            <a:picLocks noChangeAspect="1"/>
-          </p:cNvPicPr>
-          <p:nvPr/>
-        </p:nvPicPr>
-        <p:blipFill>
-          <a:blip r:embed="rId2"/>
-          <a:stretch>
-            <a:fillRect/>
-          </a:stretch>
-        </p:blipFill>
-        <p:spPr>
-          <a:xfrm>
-            <a:off x="1084262" y="8025186"/>
-            <a:ext cx="17935575" cy="2962275"/>
-          </a:xfrm>
-          <a:prstGeom prst="rect">
-            <a:avLst/>
-          </a:prstGeom>
-        </p:spPr>
-      </p:pic>
-      <p:pic>
-        <p:nvPicPr>
-          <p:cNvPr id="3" name="Picture 2"/>
-          <p:cNvPicPr>
-            <a:picLocks noChangeAspect="1"/>
-          </p:cNvPicPr>
-          <p:nvPr/>
-        </p:nvPicPr>
-        <p:blipFill>
-          <a:blip r:embed="rId3"/>
-          <a:stretch>
-            <a:fillRect/>
-          </a:stretch>
-        </p:blipFill>
-        <p:spPr>
-          <a:xfrm>
-            <a:off x="15948586" y="8453810"/>
-            <a:ext cx="2514600" cy="885825"/>
-          </a:xfrm>
-          <a:prstGeom prst="rect">
-            <a:avLst/>
-          </a:prstGeom>
-        </p:spPr>
-      </p:pic>
-      <p:pic>
-        <p:nvPicPr>
-          <p:cNvPr id="4" name="Picture 3"/>
-          <p:cNvPicPr>
-            <a:picLocks noChangeAspect="1"/>
-          </p:cNvPicPr>
-          <p:nvPr/>
-        </p:nvPicPr>
-        <p:blipFill>
-          <a:blip r:embed="rId4" cstate="print">
-            <a:extLst>
-              <a:ext uri="{28A0092B-C50C-407E-A947-70E740481C1C}">
-                <a14:useLocalDpi xmlns:a14="http://schemas.microsoft.com/office/drawing/2010/main" val="0"/>
-              </a:ext>
-            </a:extLst>
-          </a:blip>
-          <a:stretch>
-            <a:fillRect/>
-          </a:stretch>
-        </p:blipFill>
-        <p:spPr>
-          <a:xfrm>
-            <a:off x="17845078" y="235569"/>
-            <a:ext cx="1558725" cy="2142844"/>
-          </a:xfrm>
-          <a:prstGeom prst="rect">
-            <a:avLst/>
-          </a:prstGeom>
-        </p:spPr>
-      </p:pic>
-      <p:sp>
-        <p:nvSpPr>
-          <p:cNvPr id="5" name="object 2"/>
-          <p:cNvSpPr/>
-          <p:nvPr/>
-        </p:nvSpPr>
-        <p:spPr>
-          <a:xfrm>
-            <a:off x="706" y="398"/>
-            <a:ext cx="374614" cy="11307644"/>
-          </a:xfrm>
-          <a:prstGeom prst="rect">
-            <a:avLst/>
-          </a:prstGeom>
-          <a:solidFill>
-            <a:srgbClr val="000066"/>
-          </a:solidFill>
-          <a:ln w="12700">
-            <a:miter lim="400000"/>
-          </a:ln>
-        </p:spPr>
-        <p:txBody>
-          <a:bodyPr lIns="45719" rIns="45719"/>
-          <a:lstStyle/>
-          <a:p>
-            <a:pPr marR="0">
-              <a:lnSpc>
-                <a:spcPct val="100000"/>
-              </a:lnSpc>
-              <a:spcBef>
-                <a:spcPts val="0"/>
-              </a:spcBef>
-              <a:tabLst/>
-              <a:defRPr sz="800">
-                <a:solidFill>
-                  <a:srgbClr val="000000"/>
-                </a:solidFill>
-                <a:latin typeface="+mj-lt"/>
-                <a:ea typeface="+mj-ea"/>
-                <a:cs typeface="+mj-cs"/>
-                <a:sym typeface="Roboto Thin"/>
-              </a:defRPr>
-            </a:pPr>
-            <a:endParaRPr/>
-          </a:p>
-        </p:txBody>
-      </p:sp>
-      <p:sp>
-        <p:nvSpPr>
-          <p:cNvPr id="8" name="object 3"/>
-          <p:cNvSpPr txBox="1"/>
-          <p:nvPr/>
-        </p:nvSpPr>
-        <p:spPr>
-          <a:xfrm>
-            <a:off x="1915613" y="2912740"/>
-            <a:ext cx="15929465" cy="641651"/>
-          </a:xfrm>
-          <a:prstGeom prst="rect">
-            <a:avLst/>
-          </a:prstGeom>
-          <a:ln w="12700">
-            <a:miter lim="400000"/>
-          </a:ln>
-          <a:extLst>
-            <a:ext uri="{C572A759-6A51-4108-AA02-DFA0A04FC94B}">
-              <ma14:wrappingTextBoxFlag xmlns:ma14="http://schemas.microsoft.com/office/mac/drawingml/2011/main" xmlns:a14="http://schemas.microsoft.com/office/drawing/2010/main" xmlns:m="http://schemas.openxmlformats.org/officeDocument/2006/math" xmlns="" val="1"/>
-            </a:ext>
-          </a:extLst>
-        </p:spPr>
-        <p:txBody>
-          <a:bodyPr lIns="0" tIns="0" rIns="0" bIns="0">
-            <a:spAutoFit/>
-          </a:bodyPr>
-          <a:lstStyle/>
-          <a:p>
-            <a:pPr marL="241300" marR="1912620" indent="-228600">
-              <a:lnSpc>
-                <a:spcPct val="104099"/>
-              </a:lnSpc>
-              <a:spcBef>
-                <a:spcPts val="1400"/>
-              </a:spcBef>
-              <a:buSzPct val="100000"/>
-              <a:buChar char="•"/>
-              <a:defRPr sz="4300">
-                <a:solidFill>
-                  <a:srgbClr val="404040"/>
-                </a:solidFill>
-                <a:latin typeface="Roboto Light"/>
-                <a:ea typeface="Roboto Light"/>
-                <a:cs typeface="Roboto Light"/>
-                <a:sym typeface="Roboto Light"/>
-              </a:defRPr>
-            </a:pPr>
-            <a:r>
-              <a:rPr lang="en-US" dirty="0" smtClean="0"/>
-              <a:t> </a:t>
-            </a:r>
-            <a:endParaRPr dirty="0"/>
-          </a:p>
-        </p:txBody>
-      </p:sp>
-      <p:sp>
-        <p:nvSpPr>
-          <p:cNvPr id="9" name="object 2"/>
-          <p:cNvSpPr txBox="1"/>
-          <p:nvPr/>
-        </p:nvSpPr>
-        <p:spPr>
-          <a:xfrm>
-            <a:off x="1385505" y="1400282"/>
-            <a:ext cx="16989682" cy="1325876"/>
-          </a:xfrm>
-          <a:prstGeom prst="rect">
-            <a:avLst/>
-          </a:prstGeom>
-          <a:ln w="12700">
-            <a:miter lim="400000"/>
-          </a:ln>
-          <a:extLst>
-            <a:ext uri="{C572A759-6A51-4108-AA02-DFA0A04FC94B}">
-              <ma14:wrappingTextBoxFlag xmlns:ma14="http://schemas.microsoft.com/office/mac/drawingml/2011/main" xmlns:a14="http://schemas.microsoft.com/office/drawing/2010/main" xmlns:m="http://schemas.openxmlformats.org/officeDocument/2006/math" xmlns="" val="1"/>
-            </a:ext>
-          </a:extLst>
-        </p:spPr>
-        <p:txBody>
-          <a:bodyPr lIns="0" tIns="0" rIns="0" bIns="0">
-            <a:spAutoFit/>
-          </a:bodyPr>
-          <a:lstStyle>
-            <a:lvl1pPr marL="127000" marR="5080" indent="-114935">
-              <a:lnSpc>
-                <a:spcPts val="11600"/>
-              </a:lnSpc>
-              <a:spcBef>
-                <a:spcPts val="2800"/>
-              </a:spcBef>
-              <a:defRPr sz="7200">
-                <a:solidFill>
-                  <a:srgbClr val="990000"/>
-                </a:solidFill>
-              </a:defRPr>
-            </a:lvl1pPr>
-          </a:lstStyle>
-          <a:p>
-            <a:r>
-              <a:rPr lang="en-US" dirty="0" smtClean="0"/>
-              <a:t>Findings</a:t>
-            </a:r>
-            <a:endParaRPr dirty="0"/>
-          </a:p>
-        </p:txBody>
-      </p:sp>
-      <p:pic>
-        <p:nvPicPr>
-          <p:cNvPr id="10" name="Picture 9"/>
-          <p:cNvPicPr>
-            <a:picLocks noChangeAspect="1"/>
-          </p:cNvPicPr>
-          <p:nvPr/>
-        </p:nvPicPr>
-        <p:blipFill>
-          <a:blip r:embed="rId5"/>
-          <a:stretch>
-            <a:fillRect/>
-          </a:stretch>
-        </p:blipFill>
-        <p:spPr>
-          <a:xfrm>
-            <a:off x="4736540" y="1400282"/>
-            <a:ext cx="590550" cy="628650"/>
-          </a:xfrm>
-          <a:prstGeom prst="rect">
-            <a:avLst/>
-          </a:prstGeom>
-        </p:spPr>
-      </p:pic>
-    </p:spTree>
-    <p:extLst>
-      <p:ext uri="{BB962C8B-B14F-4D97-AF65-F5344CB8AC3E}">
-        <p14:creationId xmlns:p14="http://schemas.microsoft.com/office/powerpoint/2010/main" val="258115852"/>
-      </p:ext>
-    </p:extLst>
-  </p:cSld>
-  <p:clrMapOvr>
-    <a:masterClrMapping/>
-  </p:clrMapOvr>
-  <p:transition spd="med"/>
-  <p:timing>
-    <p:tnLst>
-      <p:par>
-        <p:cTn id="1" dur="indefinite" restart="never" nodeType="tmRoot"/>
-      </p:par>
-    </p:tnLst>
-  </p:timing>
-</p:sld>
-</file>
-
-<file path=ppt/slides/slide5.xml><?xml version="1.0" encoding="utf-8"?>
+<file path=ppt/slides/slide13.xml><?xml version="1.0" encoding="utf-8"?>
 <p:sld xmlns:a="http://schemas.openxmlformats.org/drawingml/2006/main" xmlns:r="http://schemas.openxmlformats.org/officeDocument/2006/relationships" xmlns:p="http://schemas.openxmlformats.org/presentationml/2006/main">
   <p:cSld>
     <p:spTree>
@@ -7382,326 +7001,7 @@
 </p:sld>
 </file>
 
-<file path=ppt/slides/slide6.xml><?xml version="1.0" encoding="utf-8"?>
-<p:sld xmlns:a="http://schemas.openxmlformats.org/drawingml/2006/main" xmlns:r="http://schemas.openxmlformats.org/officeDocument/2006/relationships" xmlns:p="http://schemas.openxmlformats.org/presentationml/2006/main">
-  <p:cSld>
-    <p:spTree>
-      <p:nvGrpSpPr>
-        <p:cNvPr id="1" name=""/>
-        <p:cNvGrpSpPr/>
-        <p:nvPr/>
-      </p:nvGrpSpPr>
-      <p:grpSpPr>
-        <a:xfrm>
-          <a:off x="0" y="0"/>
-          <a:ext cx="0" cy="0"/>
-          <a:chOff x="0" y="0"/>
-          <a:chExt cx="0" cy="0"/>
-        </a:xfrm>
-      </p:grpSpPr>
-      <p:pic>
-        <p:nvPicPr>
-          <p:cNvPr id="2" name="Picture 1"/>
-          <p:cNvPicPr>
-            <a:picLocks noChangeAspect="1"/>
-          </p:cNvPicPr>
-          <p:nvPr/>
-        </p:nvPicPr>
-        <p:blipFill>
-          <a:blip r:embed="rId2">
-            <a:extLst>
-              <a:ext uri="{28A0092B-C50C-407E-A947-70E740481C1C}">
-                <a14:useLocalDpi xmlns:a14="http://schemas.microsoft.com/office/drawing/2010/main" val="0"/>
-              </a:ext>
-            </a:extLst>
-          </a:blip>
-          <a:stretch>
-            <a:fillRect/>
-          </a:stretch>
-        </p:blipFill>
-        <p:spPr>
-          <a:xfrm>
-            <a:off x="2483929" y="912145"/>
-            <a:ext cx="13867693" cy="9095270"/>
-          </a:xfrm>
-          <a:prstGeom prst="rect">
-            <a:avLst/>
-          </a:prstGeom>
-        </p:spPr>
-      </p:pic>
-    </p:spTree>
-    <p:extLst>
-      <p:ext uri="{BB962C8B-B14F-4D97-AF65-F5344CB8AC3E}">
-        <p14:creationId xmlns:p14="http://schemas.microsoft.com/office/powerpoint/2010/main" val="479886061"/>
-      </p:ext>
-    </p:extLst>
-  </p:cSld>
-  <p:clrMapOvr>
-    <a:masterClrMapping/>
-  </p:clrMapOvr>
-  <p:transition spd="med"/>
-</p:sld>
-</file>
-
-<file path=ppt/slides/slide7.xml><?xml version="1.0" encoding="utf-8"?>
-<p:sld xmlns:a="http://schemas.openxmlformats.org/drawingml/2006/main" xmlns:r="http://schemas.openxmlformats.org/officeDocument/2006/relationships" xmlns:p="http://schemas.openxmlformats.org/presentationml/2006/main">
-  <p:cSld>
-    <p:spTree>
-      <p:nvGrpSpPr>
-        <p:cNvPr id="1" name=""/>
-        <p:cNvGrpSpPr/>
-        <p:nvPr/>
-      </p:nvGrpSpPr>
-      <p:grpSpPr>
-        <a:xfrm>
-          <a:off x="0" y="0"/>
-          <a:ext cx="0" cy="0"/>
-          <a:chOff x="0" y="0"/>
-          <a:chExt cx="0" cy="0"/>
-        </a:xfrm>
-      </p:grpSpPr>
-      <p:pic>
-        <p:nvPicPr>
-          <p:cNvPr id="5" name="Picture 4"/>
-          <p:cNvPicPr>
-            <a:picLocks noChangeAspect="1"/>
-          </p:cNvPicPr>
-          <p:nvPr/>
-        </p:nvPicPr>
-        <p:blipFill>
-          <a:blip r:embed="rId2"/>
-          <a:stretch>
-            <a:fillRect/>
-          </a:stretch>
-        </p:blipFill>
-        <p:spPr>
-          <a:xfrm>
-            <a:off x="1084262" y="8025186"/>
-            <a:ext cx="17935575" cy="2962275"/>
-          </a:xfrm>
-          <a:prstGeom prst="rect">
-            <a:avLst/>
-          </a:prstGeom>
-        </p:spPr>
-      </p:pic>
-      <p:pic>
-        <p:nvPicPr>
-          <p:cNvPr id="2" name="Picture 1">
-            <a:hlinkClick r:id="rId3"/>
-          </p:cNvPr>
-          <p:cNvPicPr>
-            <a:picLocks noChangeAspect="1"/>
-          </p:cNvPicPr>
-          <p:nvPr/>
-        </p:nvPicPr>
-        <p:blipFill>
-          <a:blip r:embed="rId4">
-            <a:extLst>
-              <a:ext uri="{28A0092B-C50C-407E-A947-70E740481C1C}">
-                <a14:useLocalDpi xmlns:a14="http://schemas.microsoft.com/office/drawing/2010/main" val="0"/>
-              </a:ext>
-            </a:extLst>
-          </a:blip>
-          <a:stretch>
-            <a:fillRect/>
-          </a:stretch>
-        </p:blipFill>
-        <p:spPr>
-          <a:xfrm>
-            <a:off x="3115183" y="268677"/>
-            <a:ext cx="11497288" cy="9168723"/>
-          </a:xfrm>
-          <a:prstGeom prst="rect">
-            <a:avLst/>
-          </a:prstGeom>
-        </p:spPr>
-      </p:pic>
-      <p:pic>
-        <p:nvPicPr>
-          <p:cNvPr id="6" name="Picture 5"/>
-          <p:cNvPicPr>
-            <a:picLocks noChangeAspect="1"/>
-          </p:cNvPicPr>
-          <p:nvPr/>
-        </p:nvPicPr>
-        <p:blipFill>
-          <a:blip r:embed="rId5"/>
-          <a:stretch>
-            <a:fillRect/>
-          </a:stretch>
-        </p:blipFill>
-        <p:spPr>
-          <a:xfrm>
-            <a:off x="15876934" y="7474764"/>
-            <a:ext cx="2181661" cy="1962636"/>
-          </a:xfrm>
-          <a:prstGeom prst="rect">
-            <a:avLst/>
-          </a:prstGeom>
-        </p:spPr>
-      </p:pic>
-      <p:pic>
-        <p:nvPicPr>
-          <p:cNvPr id="7" name="Picture 6"/>
-          <p:cNvPicPr>
-            <a:picLocks noChangeAspect="1"/>
-          </p:cNvPicPr>
-          <p:nvPr/>
-        </p:nvPicPr>
-        <p:blipFill>
-          <a:blip r:embed="rId6"/>
-          <a:stretch>
-            <a:fillRect/>
-          </a:stretch>
-        </p:blipFill>
-        <p:spPr>
-          <a:xfrm>
-            <a:off x="1260170" y="3203957"/>
-            <a:ext cx="590550" cy="628650"/>
-          </a:xfrm>
-          <a:prstGeom prst="rect">
-            <a:avLst/>
-          </a:prstGeom>
-        </p:spPr>
-      </p:pic>
-    </p:spTree>
-    <p:extLst>
-      <p:ext uri="{BB962C8B-B14F-4D97-AF65-F5344CB8AC3E}">
-        <p14:creationId xmlns:p14="http://schemas.microsoft.com/office/powerpoint/2010/main" val="665310101"/>
-      </p:ext>
-    </p:extLst>
-  </p:cSld>
-  <p:clrMapOvr>
-    <a:masterClrMapping/>
-  </p:clrMapOvr>
-  <p:transition spd="med"/>
-  <p:timing>
-    <p:tnLst>
-      <p:par>
-        <p:cTn id="1" dur="indefinite" restart="never" nodeType="tmRoot"/>
-      </p:par>
-    </p:tnLst>
-  </p:timing>
-</p:sld>
-</file>
-
-<file path=ppt/slides/slide8.xml><?xml version="1.0" encoding="utf-8"?>
-<p:sld xmlns:a="http://schemas.openxmlformats.org/drawingml/2006/main" xmlns:r="http://schemas.openxmlformats.org/officeDocument/2006/relationships" xmlns:p="http://schemas.openxmlformats.org/presentationml/2006/main">
-  <p:cSld>
-    <p:spTree>
-      <p:nvGrpSpPr>
-        <p:cNvPr id="1" name=""/>
-        <p:cNvGrpSpPr/>
-        <p:nvPr/>
-      </p:nvGrpSpPr>
-      <p:grpSpPr>
-        <a:xfrm>
-          <a:off x="0" y="0"/>
-          <a:ext cx="0" cy="0"/>
-          <a:chOff x="0" y="0"/>
-          <a:chExt cx="0" cy="0"/>
-        </a:xfrm>
-      </p:grpSpPr>
-      <p:pic>
-        <p:nvPicPr>
-          <p:cNvPr id="5" name="Picture 4"/>
-          <p:cNvPicPr>
-            <a:picLocks noChangeAspect="1"/>
-          </p:cNvPicPr>
-          <p:nvPr/>
-        </p:nvPicPr>
-        <p:blipFill>
-          <a:blip r:embed="rId2"/>
-          <a:stretch>
-            <a:fillRect/>
-          </a:stretch>
-        </p:blipFill>
-        <p:spPr>
-          <a:xfrm>
-            <a:off x="1084262" y="8025186"/>
-            <a:ext cx="17935575" cy="2962275"/>
-          </a:xfrm>
-          <a:prstGeom prst="rect">
-            <a:avLst/>
-          </a:prstGeom>
-        </p:spPr>
-      </p:pic>
-      <p:pic>
-        <p:nvPicPr>
-          <p:cNvPr id="3" name="Picture 2"/>
-          <p:cNvPicPr>
-            <a:picLocks noChangeAspect="1"/>
-          </p:cNvPicPr>
-          <p:nvPr/>
-        </p:nvPicPr>
-        <p:blipFill>
-          <a:blip r:embed="rId3">
-            <a:extLst>
-              <a:ext uri="{28A0092B-C50C-407E-A947-70E740481C1C}">
-                <a14:useLocalDpi xmlns:a14="http://schemas.microsoft.com/office/drawing/2010/main" val="0"/>
-              </a:ext>
-            </a:extLst>
-          </a:blip>
-          <a:stretch>
-            <a:fillRect/>
-          </a:stretch>
-        </p:blipFill>
-        <p:spPr>
-          <a:xfrm>
-            <a:off x="4316743" y="307135"/>
-            <a:ext cx="10403304" cy="8148947"/>
-          </a:xfrm>
-          <a:prstGeom prst="rect">
-            <a:avLst/>
-          </a:prstGeom>
-        </p:spPr>
-      </p:pic>
-      <p:pic>
-        <p:nvPicPr>
-          <p:cNvPr id="7" name="Picture 6"/>
-          <p:cNvPicPr>
-            <a:picLocks noChangeAspect="1"/>
-          </p:cNvPicPr>
-          <p:nvPr/>
-        </p:nvPicPr>
-        <p:blipFill>
-          <a:blip r:embed="rId4"/>
-          <a:stretch>
-            <a:fillRect/>
-          </a:stretch>
-        </p:blipFill>
-        <p:spPr>
-          <a:xfrm>
-            <a:off x="15897931" y="7246562"/>
-            <a:ext cx="1944021" cy="1926104"/>
-          </a:xfrm>
-          <a:prstGeom prst="rect">
-            <a:avLst/>
-          </a:prstGeom>
-        </p:spPr>
-      </p:pic>
-    </p:spTree>
-    <p:extLst>
-      <p:ext uri="{BB962C8B-B14F-4D97-AF65-F5344CB8AC3E}">
-        <p14:creationId xmlns:p14="http://schemas.microsoft.com/office/powerpoint/2010/main" val="1290321715"/>
-      </p:ext>
-    </p:extLst>
-  </p:cSld>
-  <p:clrMapOvr>
-    <a:masterClrMapping/>
-  </p:clrMapOvr>
-  <p:transition spd="med"/>
-  <p:timing>
-    <p:tnLst>
-      <p:par>
-        <p:cTn id="1" dur="indefinite" restart="never" nodeType="tmRoot"/>
-      </p:par>
-    </p:tnLst>
-  </p:timing>
-</p:sld>
-</file>
-
-<file path=ppt/slides/slide9.xml><?xml version="1.0" encoding="utf-8"?>
+<file path=ppt/slides/slide14.xml><?xml version="1.0" encoding="utf-8"?>
 <p:sld xmlns:a="http://schemas.openxmlformats.org/drawingml/2006/main" xmlns:r="http://schemas.openxmlformats.org/officeDocument/2006/relationships" xmlns:p="http://schemas.openxmlformats.org/presentationml/2006/main">
   <p:cSld>
     <p:spTree>
@@ -8353,6 +7653,2502 @@
       </p:transition>
     </mc:Choice>
     <mc:Fallback xmlns:a14="http://schemas.microsoft.com/office/drawing/2010/main" xmlns:m="http://schemas.openxmlformats.org/officeDocument/2006/math" xmlns="">
+      <p:transition spd="slow">
+        <p:fade/>
+      </p:transition>
+    </mc:Fallback>
+  </mc:AlternateContent>
+  <p:timing>
+    <p:tnLst>
+      <p:par>
+        <p:cTn id="1" dur="indefinite" restart="never" nodeType="tmRoot"/>
+      </p:par>
+    </p:tnLst>
+  </p:timing>
+</p:sld>
+</file>
+
+<file path=ppt/slides/slide2.xml><?xml version="1.0" encoding="utf-8"?>
+<p:sld xmlns:a="http://schemas.openxmlformats.org/drawingml/2006/main" xmlns:r="http://schemas.openxmlformats.org/officeDocument/2006/relationships" xmlns:p="http://schemas.openxmlformats.org/presentationml/2006/main">
+  <p:cSld>
+    <p:spTree>
+      <p:nvGrpSpPr>
+        <p:cNvPr id="1" name=""/>
+        <p:cNvGrpSpPr/>
+        <p:nvPr/>
+      </p:nvGrpSpPr>
+      <p:grpSpPr>
+        <a:xfrm>
+          <a:off x="0" y="0"/>
+          <a:ext cx="0" cy="0"/>
+          <a:chOff x="0" y="0"/>
+          <a:chExt cx="0" cy="0"/>
+        </a:xfrm>
+      </p:grpSpPr>
+      <p:sp>
+        <p:nvSpPr>
+          <p:cNvPr id="161" name="object 2"/>
+          <p:cNvSpPr/>
+          <p:nvPr/>
+        </p:nvSpPr>
+        <p:spPr>
+          <a:xfrm>
+            <a:off x="0" y="-1"/>
+            <a:ext cx="20104142" cy="11308440"/>
+          </a:xfrm>
+          <a:prstGeom prst="rect">
+            <a:avLst/>
+          </a:prstGeom>
+          <a:solidFill>
+            <a:srgbClr val="000066"/>
+          </a:solidFill>
+          <a:ln w="12700">
+            <a:miter lim="400000"/>
+          </a:ln>
+        </p:spPr>
+        <p:txBody>
+          <a:bodyPr lIns="45719" rIns="45719"/>
+          <a:lstStyle/>
+          <a:p>
+            <a:pPr marR="0">
+              <a:lnSpc>
+                <a:spcPct val="100000"/>
+              </a:lnSpc>
+              <a:spcBef>
+                <a:spcPts val="0"/>
+              </a:spcBef>
+              <a:tabLst/>
+              <a:defRPr sz="1800">
+                <a:solidFill>
+                  <a:srgbClr val="000000"/>
+                </a:solidFill>
+                <a:latin typeface="+mj-lt"/>
+                <a:ea typeface="+mj-ea"/>
+                <a:cs typeface="+mj-cs"/>
+                <a:sym typeface="Roboto Thin"/>
+              </a:defRPr>
+            </a:pPr>
+            <a:endParaRPr/>
+          </a:p>
+        </p:txBody>
+      </p:sp>
+      <p:sp>
+        <p:nvSpPr>
+          <p:cNvPr id="162" name="object 3"/>
+          <p:cNvSpPr txBox="1"/>
+          <p:nvPr/>
+        </p:nvSpPr>
+        <p:spPr>
+          <a:xfrm>
+            <a:off x="669411" y="2521501"/>
+            <a:ext cx="18147137" cy="1400383"/>
+          </a:xfrm>
+          <a:prstGeom prst="rect">
+            <a:avLst/>
+          </a:prstGeom>
+          <a:ln w="12700">
+            <a:miter lim="400000"/>
+          </a:ln>
+          <a:extLst>
+            <a:ext uri="{C572A759-6A51-4108-AA02-DFA0A04FC94B}">
+              <ma14:wrappingTextBoxFlag xmlns="" xmlns:m="http://schemas.openxmlformats.org/officeDocument/2006/math" xmlns:a14="http://schemas.microsoft.com/office/drawing/2010/main" xmlns:ma14="http://schemas.microsoft.com/office/mac/drawingml/2011/main" val="1"/>
+            </a:ext>
+          </a:extLst>
+        </p:spPr>
+        <p:txBody>
+          <a:bodyPr lIns="0" tIns="0" rIns="0" bIns="0">
+            <a:spAutoFit/>
+          </a:bodyPr>
+          <a:lstStyle>
+            <a:lvl1pPr marR="0" indent="12700">
+              <a:lnSpc>
+                <a:spcPct val="100000"/>
+              </a:lnSpc>
+              <a:spcBef>
+                <a:spcPts val="0"/>
+              </a:spcBef>
+              <a:tabLst/>
+              <a:defRPr sz="9100"/>
+            </a:lvl1pPr>
+          </a:lstStyle>
+          <a:p>
+            <a:r>
+              <a:rPr dirty="0">
+                <a:latin typeface="+mj-lt"/>
+                <a:cs typeface="Calibri Light" panose="020F0302020204030204" pitchFamily="34" charset="0"/>
+              </a:rPr>
+              <a:t>Today’s Agenda</a:t>
+            </a:r>
+          </a:p>
+        </p:txBody>
+      </p:sp>
+      <p:sp>
+        <p:nvSpPr>
+          <p:cNvPr id="163" name="Line"/>
+          <p:cNvSpPr/>
+          <p:nvPr/>
+        </p:nvSpPr>
+        <p:spPr>
+          <a:xfrm>
+            <a:off x="-95250" y="3644900"/>
+            <a:ext cx="21159566" cy="0"/>
+          </a:xfrm>
+          <a:prstGeom prst="line">
+            <a:avLst/>
+          </a:prstGeom>
+          <a:ln w="6350">
+            <a:solidFill>
+              <a:srgbClr val="FFFFFF"/>
+            </a:solidFill>
+            <a:miter lim="400000"/>
+          </a:ln>
+        </p:spPr>
+        <p:txBody>
+          <a:bodyPr lIns="45719" rIns="45719"/>
+          <a:lstStyle/>
+          <a:p>
+            <a:pPr marR="0">
+              <a:lnSpc>
+                <a:spcPct val="100000"/>
+              </a:lnSpc>
+              <a:spcBef>
+                <a:spcPts val="0"/>
+              </a:spcBef>
+              <a:tabLst/>
+              <a:defRPr sz="1800">
+                <a:solidFill>
+                  <a:srgbClr val="000000"/>
+                </a:solidFill>
+                <a:latin typeface="+mj-lt"/>
+                <a:ea typeface="+mj-ea"/>
+                <a:cs typeface="+mj-cs"/>
+                <a:sym typeface="Roboto Thin"/>
+              </a:defRPr>
+            </a:pPr>
+            <a:endParaRPr/>
+          </a:p>
+        </p:txBody>
+      </p:sp>
+      <p:sp>
+        <p:nvSpPr>
+          <p:cNvPr id="164" name="object 3"/>
+          <p:cNvSpPr txBox="1"/>
+          <p:nvPr/>
+        </p:nvSpPr>
+        <p:spPr>
+          <a:xfrm>
+            <a:off x="3095033" y="5193029"/>
+            <a:ext cx="14778999" cy="711201"/>
+          </a:xfrm>
+          <a:prstGeom prst="rect">
+            <a:avLst/>
+          </a:prstGeom>
+          <a:ln w="12700">
+            <a:miter lim="400000"/>
+          </a:ln>
+        </p:spPr>
+        <p:txBody>
+          <a:bodyPr lIns="0" tIns="0" rIns="0" bIns="0" numCol="2" spcCol="738949"/>
+          <a:lstStyle/>
+          <a:p>
+            <a:pPr marR="0" indent="12700">
+              <a:lnSpc>
+                <a:spcPct val="130000"/>
+              </a:lnSpc>
+              <a:spcBef>
+                <a:spcPts val="0"/>
+              </a:spcBef>
+              <a:tabLst/>
+              <a:defRPr sz="4200"/>
+            </a:pPr>
+            <a:endParaRPr/>
+          </a:p>
+        </p:txBody>
+      </p:sp>
+      <p:pic>
+        <p:nvPicPr>
+          <p:cNvPr id="165" name="SPCS_4cRev.pdf" descr="SPCS_4cRev.pdf"/>
+          <p:cNvPicPr>
+            <a:picLocks noChangeAspect="1"/>
+          </p:cNvPicPr>
+          <p:nvPr/>
+        </p:nvPicPr>
+        <p:blipFill>
+          <a:blip r:embed="rId2">
+            <a:extLst/>
+          </a:blip>
+          <a:stretch>
+            <a:fillRect/>
+          </a:stretch>
+        </p:blipFill>
+        <p:spPr>
+          <a:xfrm>
+            <a:off x="14798259" y="9418303"/>
+            <a:ext cx="4351907" cy="1244781"/>
+          </a:xfrm>
+          <a:prstGeom prst="rect">
+            <a:avLst/>
+          </a:prstGeom>
+          <a:ln w="12700">
+            <a:miter lim="400000"/>
+          </a:ln>
+        </p:spPr>
+      </p:pic>
+      <p:sp>
+        <p:nvSpPr>
+          <p:cNvPr id="7" name="object 3"/>
+          <p:cNvSpPr txBox="1"/>
+          <p:nvPr/>
+        </p:nvSpPr>
+        <p:spPr>
+          <a:xfrm>
+            <a:off x="1887865" y="4334569"/>
+            <a:ext cx="14927687" cy="3323987"/>
+          </a:xfrm>
+          <a:prstGeom prst="rect">
+            <a:avLst/>
+          </a:prstGeom>
+          <a:ln w="12700">
+            <a:miter lim="400000"/>
+          </a:ln>
+          <a:extLst>
+            <a:ext uri="{C572A759-6A51-4108-AA02-DFA0A04FC94B}">
+              <ma14:wrappingTextBoxFlag xmlns:ma14="http://schemas.microsoft.com/office/mac/drawingml/2011/main" xmlns:a14="http://schemas.microsoft.com/office/drawing/2010/main" xmlns:m="http://schemas.openxmlformats.org/officeDocument/2006/math" xmlns="" val="1"/>
+            </a:ext>
+          </a:extLst>
+        </p:spPr>
+        <p:txBody>
+          <a:bodyPr lIns="0" tIns="0" rIns="0" bIns="0">
+            <a:spAutoFit/>
+          </a:bodyPr>
+          <a:lstStyle>
+            <a:lvl1pPr marR="0" indent="12700">
+              <a:lnSpc>
+                <a:spcPct val="100000"/>
+              </a:lnSpc>
+              <a:spcBef>
+                <a:spcPts val="0"/>
+              </a:spcBef>
+              <a:tabLst/>
+              <a:defRPr sz="12000"/>
+            </a:lvl1pPr>
+          </a:lstStyle>
+          <a:p>
+            <a:pPr marL="857250" indent="-857250">
+              <a:buFont typeface="Arial" panose="020B0604020202020204" pitchFamily="34" charset="0"/>
+              <a:buChar char="•"/>
+            </a:pPr>
+            <a:r>
+              <a:rPr lang="en-US" sz="7200" dirty="0" smtClean="0">
+                <a:latin typeface="+mj-lt"/>
+                <a:cs typeface="Calibri Light" panose="020F0302020204030204" pitchFamily="34" charset="0"/>
+              </a:rPr>
+              <a:t>Describe Data Exploration</a:t>
+            </a:r>
+          </a:p>
+          <a:p>
+            <a:pPr marL="857250" indent="-857250">
+              <a:buFont typeface="Arial" panose="020B0604020202020204" pitchFamily="34" charset="0"/>
+              <a:buChar char="•"/>
+            </a:pPr>
+            <a:r>
+              <a:rPr lang="en-US" sz="7200" dirty="0" smtClean="0">
+                <a:latin typeface="+mj-lt"/>
+                <a:cs typeface="Calibri Light" panose="020F0302020204030204" pitchFamily="34" charset="0"/>
+              </a:rPr>
+              <a:t>Showcase </a:t>
+            </a:r>
+            <a:r>
+              <a:rPr lang="en-US" sz="7200" dirty="0" smtClean="0">
+                <a:latin typeface="+mj-lt"/>
+                <a:cs typeface="Calibri Light" panose="020F0302020204030204" pitchFamily="34" charset="0"/>
+              </a:rPr>
+              <a:t>Visualizations</a:t>
+            </a:r>
+          </a:p>
+          <a:p>
+            <a:pPr marL="857250" indent="-857250">
+              <a:buFont typeface="Arial" panose="020B0604020202020204" pitchFamily="34" charset="0"/>
+              <a:buChar char="•"/>
+            </a:pPr>
+            <a:r>
+              <a:rPr lang="en-US" sz="7200" dirty="0" smtClean="0">
+                <a:latin typeface="+mj-lt"/>
+                <a:cs typeface="Calibri Light" panose="020F0302020204030204" pitchFamily="34" charset="0"/>
+              </a:rPr>
+              <a:t>Overview </a:t>
+            </a:r>
+            <a:r>
+              <a:rPr lang="en-US" sz="7200" dirty="0" smtClean="0">
+                <a:latin typeface="+mj-lt"/>
+                <a:cs typeface="Calibri Light" panose="020F0302020204030204" pitchFamily="34" charset="0"/>
+              </a:rPr>
+              <a:t>of Summary</a:t>
+            </a:r>
+          </a:p>
+        </p:txBody>
+      </p:sp>
+    </p:spTree>
+    <p:extLst>
+      <p:ext uri="{BB962C8B-B14F-4D97-AF65-F5344CB8AC3E}">
+        <p14:creationId xmlns:p14="http://schemas.microsoft.com/office/powerpoint/2010/main" val="1039262582"/>
+      </p:ext>
+    </p:extLst>
+  </p:cSld>
+  <p:clrMapOvr>
+    <a:masterClrMapping/>
+  </p:clrMapOvr>
+  <mc:AlternateContent xmlns:mc="http://schemas.openxmlformats.org/markup-compatibility/2006">
+    <mc:Choice xmlns:p14="http://schemas.microsoft.com/office/powerpoint/2010/main" Requires="p14">
+      <p:transition p14:dur="100">
+        <p:cut/>
+      </p:transition>
+    </mc:Choice>
+    <mc:Fallback>
+      <p:transition>
+        <p:cut/>
+      </p:transition>
+    </mc:Fallback>
+  </mc:AlternateContent>
+  <p:timing>
+    <p:tnLst>
+      <p:par>
+        <p:cTn id="1" dur="indefinite" restart="never" nodeType="tmRoot"/>
+      </p:par>
+    </p:tnLst>
+  </p:timing>
+</p:sld>
+</file>
+
+<file path=ppt/slides/slide3.xml><?xml version="1.0" encoding="utf-8"?>
+<p:sld xmlns:a="http://schemas.openxmlformats.org/drawingml/2006/main" xmlns:r="http://schemas.openxmlformats.org/officeDocument/2006/relationships" xmlns:p="http://schemas.openxmlformats.org/presentationml/2006/main">
+  <p:cSld>
+    <p:spTree>
+      <p:nvGrpSpPr>
+        <p:cNvPr id="1" name=""/>
+        <p:cNvGrpSpPr/>
+        <p:nvPr/>
+      </p:nvGrpSpPr>
+      <p:grpSpPr>
+        <a:xfrm>
+          <a:off x="0" y="0"/>
+          <a:ext cx="0" cy="0"/>
+          <a:chOff x="0" y="0"/>
+          <a:chExt cx="0" cy="0"/>
+        </a:xfrm>
+      </p:grpSpPr>
+      <p:pic>
+        <p:nvPicPr>
+          <p:cNvPr id="2" name="Picture 1"/>
+          <p:cNvPicPr>
+            <a:picLocks noChangeAspect="1"/>
+          </p:cNvPicPr>
+          <p:nvPr/>
+        </p:nvPicPr>
+        <p:blipFill>
+          <a:blip r:embed="rId2"/>
+          <a:stretch>
+            <a:fillRect/>
+          </a:stretch>
+        </p:blipFill>
+        <p:spPr>
+          <a:xfrm>
+            <a:off x="1084262" y="8025186"/>
+            <a:ext cx="17935575" cy="2962275"/>
+          </a:xfrm>
+          <a:prstGeom prst="rect">
+            <a:avLst/>
+          </a:prstGeom>
+        </p:spPr>
+      </p:pic>
+      <p:pic>
+        <p:nvPicPr>
+          <p:cNvPr id="3" name="Picture 2"/>
+          <p:cNvPicPr>
+            <a:picLocks noChangeAspect="1"/>
+          </p:cNvPicPr>
+          <p:nvPr/>
+        </p:nvPicPr>
+        <p:blipFill>
+          <a:blip r:embed="rId3"/>
+          <a:stretch>
+            <a:fillRect/>
+          </a:stretch>
+        </p:blipFill>
+        <p:spPr>
+          <a:xfrm>
+            <a:off x="15948586" y="8453810"/>
+            <a:ext cx="2514600" cy="885825"/>
+          </a:xfrm>
+          <a:prstGeom prst="rect">
+            <a:avLst/>
+          </a:prstGeom>
+        </p:spPr>
+      </p:pic>
+      <p:pic>
+        <p:nvPicPr>
+          <p:cNvPr id="4" name="Picture 3"/>
+          <p:cNvPicPr>
+            <a:picLocks noChangeAspect="1"/>
+          </p:cNvPicPr>
+          <p:nvPr/>
+        </p:nvPicPr>
+        <p:blipFill>
+          <a:blip r:embed="rId4" cstate="print">
+            <a:extLst>
+              <a:ext uri="{28A0092B-C50C-407E-A947-70E740481C1C}">
+                <a14:useLocalDpi xmlns:a14="http://schemas.microsoft.com/office/drawing/2010/main" val="0"/>
+              </a:ext>
+            </a:extLst>
+          </a:blip>
+          <a:stretch>
+            <a:fillRect/>
+          </a:stretch>
+        </p:blipFill>
+        <p:spPr>
+          <a:xfrm>
+            <a:off x="17845078" y="235569"/>
+            <a:ext cx="1558725" cy="2142844"/>
+          </a:xfrm>
+          <a:prstGeom prst="rect">
+            <a:avLst/>
+          </a:prstGeom>
+        </p:spPr>
+      </p:pic>
+      <p:sp>
+        <p:nvSpPr>
+          <p:cNvPr id="5" name="object 2"/>
+          <p:cNvSpPr/>
+          <p:nvPr/>
+        </p:nvSpPr>
+        <p:spPr>
+          <a:xfrm>
+            <a:off x="706" y="398"/>
+            <a:ext cx="374614" cy="11307644"/>
+          </a:xfrm>
+          <a:prstGeom prst="rect">
+            <a:avLst/>
+          </a:prstGeom>
+          <a:solidFill>
+            <a:srgbClr val="000066"/>
+          </a:solidFill>
+          <a:ln w="12700">
+            <a:miter lim="400000"/>
+          </a:ln>
+        </p:spPr>
+        <p:txBody>
+          <a:bodyPr lIns="45719" rIns="45719"/>
+          <a:lstStyle/>
+          <a:p>
+            <a:pPr marR="0">
+              <a:lnSpc>
+                <a:spcPct val="100000"/>
+              </a:lnSpc>
+              <a:spcBef>
+                <a:spcPts val="0"/>
+              </a:spcBef>
+              <a:tabLst/>
+              <a:defRPr sz="800">
+                <a:solidFill>
+                  <a:srgbClr val="000000"/>
+                </a:solidFill>
+                <a:latin typeface="+mj-lt"/>
+                <a:ea typeface="+mj-ea"/>
+                <a:cs typeface="+mj-cs"/>
+                <a:sym typeface="Roboto Thin"/>
+              </a:defRPr>
+            </a:pPr>
+            <a:endParaRPr/>
+          </a:p>
+        </p:txBody>
+      </p:sp>
+      <p:sp>
+        <p:nvSpPr>
+          <p:cNvPr id="8" name="object 3"/>
+          <p:cNvSpPr txBox="1"/>
+          <p:nvPr/>
+        </p:nvSpPr>
+        <p:spPr>
+          <a:xfrm>
+            <a:off x="1915613" y="2912740"/>
+            <a:ext cx="15929465" cy="1555939"/>
+          </a:xfrm>
+          <a:prstGeom prst="rect">
+            <a:avLst/>
+          </a:prstGeom>
+          <a:ln w="12700">
+            <a:miter lim="400000"/>
+          </a:ln>
+          <a:extLst>
+            <a:ext uri="{C572A759-6A51-4108-AA02-DFA0A04FC94B}">
+              <ma14:wrappingTextBoxFlag xmlns:ma14="http://schemas.microsoft.com/office/mac/drawingml/2011/main" xmlns:a14="http://schemas.microsoft.com/office/drawing/2010/main" xmlns:m="http://schemas.openxmlformats.org/officeDocument/2006/math" xmlns="" val="1"/>
+            </a:ext>
+          </a:extLst>
+        </p:spPr>
+        <p:txBody>
+          <a:bodyPr lIns="0" tIns="0" rIns="0" bIns="0">
+            <a:spAutoFit/>
+          </a:bodyPr>
+          <a:lstStyle/>
+          <a:p>
+            <a:pPr marL="12700" marR="1912620">
+              <a:lnSpc>
+                <a:spcPct val="104099"/>
+              </a:lnSpc>
+              <a:spcBef>
+                <a:spcPts val="1400"/>
+              </a:spcBef>
+              <a:buSzPct val="100000"/>
+              <a:defRPr sz="4300">
+                <a:solidFill>
+                  <a:srgbClr val="404040"/>
+                </a:solidFill>
+                <a:latin typeface="Roboto Light"/>
+                <a:ea typeface="Roboto Light"/>
+                <a:cs typeface="Roboto Light"/>
+                <a:sym typeface="Roboto Light"/>
+              </a:defRPr>
+            </a:pPr>
+            <a:r>
+              <a:rPr lang="en-US" dirty="0" smtClean="0">
+                <a:latin typeface="Calibri Light" panose="020F0302020204030204" pitchFamily="34" charset="0"/>
+                <a:cs typeface="Calibri Light" panose="020F0302020204030204" pitchFamily="34" charset="0"/>
+              </a:rPr>
+              <a:t>According to Daniel </a:t>
+            </a:r>
+            <a:r>
+              <a:rPr lang="en-US" dirty="0" err="1" smtClean="0">
+                <a:latin typeface="Calibri Light" panose="020F0302020204030204" pitchFamily="34" charset="0"/>
+                <a:cs typeface="Calibri Light" panose="020F0302020204030204" pitchFamily="34" charset="0"/>
+              </a:rPr>
+              <a:t>Kahneman</a:t>
+            </a:r>
+            <a:r>
+              <a:rPr lang="en-US" dirty="0" smtClean="0">
+                <a:latin typeface="Calibri Light" panose="020F0302020204030204" pitchFamily="34" charset="0"/>
+                <a:cs typeface="Calibri Light" panose="020F0302020204030204" pitchFamily="34" charset="0"/>
+              </a:rPr>
+              <a:t> &amp; Angus Deaton: </a:t>
+            </a:r>
+          </a:p>
+          <a:p>
+            <a:pPr marL="241300" marR="1912620" lvl="1" indent="-228600">
+              <a:lnSpc>
+                <a:spcPct val="104099"/>
+              </a:lnSpc>
+              <a:spcBef>
+                <a:spcPts val="1400"/>
+              </a:spcBef>
+              <a:buSzPct val="100000"/>
+              <a:buChar char="•"/>
+              <a:defRPr sz="4300">
+                <a:solidFill>
+                  <a:srgbClr val="404040"/>
+                </a:solidFill>
+                <a:latin typeface="Roboto Light"/>
+                <a:ea typeface="Roboto Light"/>
+                <a:cs typeface="Roboto Light"/>
+                <a:sym typeface="Roboto Light"/>
+              </a:defRPr>
+            </a:pPr>
+            <a:endParaRPr dirty="0">
+              <a:latin typeface="Calibri Light" panose="020F0302020204030204" pitchFamily="34" charset="0"/>
+              <a:cs typeface="Calibri Light" panose="020F0302020204030204" pitchFamily="34" charset="0"/>
+            </a:endParaRPr>
+          </a:p>
+        </p:txBody>
+      </p:sp>
+      <p:sp>
+        <p:nvSpPr>
+          <p:cNvPr id="9" name="object 2"/>
+          <p:cNvSpPr txBox="1"/>
+          <p:nvPr/>
+        </p:nvSpPr>
+        <p:spPr>
+          <a:xfrm>
+            <a:off x="1385505" y="1400282"/>
+            <a:ext cx="16989682" cy="1359411"/>
+          </a:xfrm>
+          <a:prstGeom prst="rect">
+            <a:avLst/>
+          </a:prstGeom>
+          <a:ln w="12700">
+            <a:miter lim="400000"/>
+          </a:ln>
+          <a:extLst>
+            <a:ext uri="{C572A759-6A51-4108-AA02-DFA0A04FC94B}">
+              <ma14:wrappingTextBoxFlag xmlns:ma14="http://schemas.microsoft.com/office/mac/drawingml/2011/main" xmlns:a14="http://schemas.microsoft.com/office/drawing/2010/main" xmlns:m="http://schemas.openxmlformats.org/officeDocument/2006/math" xmlns="" val="1"/>
+            </a:ext>
+          </a:extLst>
+        </p:spPr>
+        <p:txBody>
+          <a:bodyPr lIns="0" tIns="0" rIns="0" bIns="0">
+            <a:spAutoFit/>
+          </a:bodyPr>
+          <a:lstStyle>
+            <a:lvl1pPr marL="127000" marR="5080" indent="-114935">
+              <a:lnSpc>
+                <a:spcPts val="11600"/>
+              </a:lnSpc>
+              <a:spcBef>
+                <a:spcPts val="2800"/>
+              </a:spcBef>
+              <a:defRPr sz="7200">
+                <a:solidFill>
+                  <a:srgbClr val="990000"/>
+                </a:solidFill>
+              </a:defRPr>
+            </a:lvl1pPr>
+          </a:lstStyle>
+          <a:p>
+            <a:r>
+              <a:rPr lang="en-US" dirty="0" smtClean="0">
+                <a:latin typeface="+mj-lt"/>
+              </a:rPr>
+              <a:t>Princeton University Study</a:t>
+            </a:r>
+            <a:endParaRPr dirty="0">
+              <a:latin typeface="+mj-lt"/>
+            </a:endParaRPr>
+          </a:p>
+        </p:txBody>
+      </p:sp>
+      <p:pic>
+        <p:nvPicPr>
+          <p:cNvPr id="10" name="Picture 9"/>
+          <p:cNvPicPr>
+            <a:picLocks noChangeAspect="1"/>
+          </p:cNvPicPr>
+          <p:nvPr/>
+        </p:nvPicPr>
+        <p:blipFill>
+          <a:blip r:embed="rId5"/>
+          <a:stretch>
+            <a:fillRect/>
+          </a:stretch>
+        </p:blipFill>
+        <p:spPr>
+          <a:xfrm>
+            <a:off x="11275364" y="1659435"/>
+            <a:ext cx="590550" cy="628650"/>
+          </a:xfrm>
+          <a:prstGeom prst="rect">
+            <a:avLst/>
+          </a:prstGeom>
+        </p:spPr>
+      </p:pic>
+      <p:sp>
+        <p:nvSpPr>
+          <p:cNvPr id="6" name="TextBox 5"/>
+          <p:cNvSpPr txBox="1"/>
+          <p:nvPr/>
+        </p:nvSpPr>
+        <p:spPr>
+          <a:xfrm>
+            <a:off x="1639018" y="4606506"/>
+            <a:ext cx="15493041" cy="2310887"/>
+          </a:xfrm>
+          <a:prstGeom prst="rect">
+            <a:avLst/>
+          </a:prstGeom>
+          <a:noFill/>
+          <a:ln w="12700" cap="flat">
+            <a:noFill/>
+            <a:miter lim="400000"/>
+          </a:ln>
+          <a:effectLst/>
+          <a:sp3d/>
+        </p:spPr>
+        <p:style>
+          <a:lnRef idx="0">
+            <a:scrgbClr r="0" g="0" b="0"/>
+          </a:lnRef>
+          <a:fillRef idx="0">
+            <a:scrgbClr r="0" g="0" b="0"/>
+          </a:fillRef>
+          <a:effectRef idx="0">
+            <a:scrgbClr r="0" g="0" b="0"/>
+          </a:effectRef>
+          <a:fontRef idx="none"/>
+        </p:style>
+        <p:txBody>
+          <a:bodyPr rot="0" spcFirstLastPara="1" vertOverflow="overflow" horzOverflow="overflow" vert="horz" wrap="square" lIns="45719" tIns="45719" rIns="45719" bIns="45719" numCol="1" spcCol="38100" rtlCol="0" anchor="t">
+            <a:spAutoFit/>
+          </a:bodyPr>
+          <a:lstStyle/>
+          <a:p>
+            <a:pPr algn="ctr"/>
+            <a:r>
+              <a:rPr lang="en-US" i="1" dirty="0">
+                <a:solidFill>
+                  <a:schemeClr val="bg1"/>
+                </a:solidFill>
+                <a:latin typeface="Calibri Light" panose="020F0302020204030204" pitchFamily="34" charset="0"/>
+                <a:cs typeface="Calibri Light" panose="020F0302020204030204" pitchFamily="34" charset="0"/>
+              </a:rPr>
+              <a:t>“Emotional well-being also rises with log income, but there is no further progress beyond an annual income of </a:t>
+            </a:r>
+            <a:endParaRPr lang="en-US" i="1" dirty="0" smtClean="0">
+              <a:solidFill>
+                <a:schemeClr val="bg1"/>
+              </a:solidFill>
+              <a:latin typeface="Calibri Light" panose="020F0302020204030204" pitchFamily="34" charset="0"/>
+              <a:cs typeface="Calibri Light" panose="020F0302020204030204" pitchFamily="34" charset="0"/>
+            </a:endParaRPr>
+          </a:p>
+          <a:p>
+            <a:pPr algn="ctr"/>
+            <a:r>
+              <a:rPr lang="en-US" i="1" dirty="0" smtClean="0">
+                <a:solidFill>
+                  <a:schemeClr val="bg1"/>
+                </a:solidFill>
+                <a:latin typeface="Calibri Light" panose="020F0302020204030204" pitchFamily="34" charset="0"/>
+                <a:cs typeface="Calibri Light" panose="020F0302020204030204" pitchFamily="34" charset="0"/>
+              </a:rPr>
+              <a:t>~ </a:t>
+            </a:r>
+            <a:r>
+              <a:rPr lang="en-US" i="1" dirty="0">
+                <a:solidFill>
+                  <a:schemeClr val="bg1"/>
+                </a:solidFill>
+                <a:latin typeface="Calibri Light" panose="020F0302020204030204" pitchFamily="34" charset="0"/>
+                <a:cs typeface="Calibri Light" panose="020F0302020204030204" pitchFamily="34" charset="0"/>
+              </a:rPr>
+              <a:t>$75,000”</a:t>
+            </a:r>
+            <a:endParaRPr kumimoji="0" lang="en-US" sz="5200" b="0" i="1" u="none" strike="noStrike" cap="none" spc="0" normalizeH="0" baseline="0" dirty="0">
+              <a:ln>
+                <a:noFill/>
+              </a:ln>
+              <a:solidFill>
+                <a:schemeClr val="bg1"/>
+              </a:solidFill>
+              <a:effectLst/>
+              <a:uFillTx/>
+              <a:latin typeface="Calibri Light" panose="020F0302020204030204" pitchFamily="34" charset="0"/>
+              <a:cs typeface="Calibri Light" panose="020F0302020204030204" pitchFamily="34" charset="0"/>
+              <a:sym typeface="Playfair Display Bold"/>
+            </a:endParaRPr>
+          </a:p>
+        </p:txBody>
+      </p:sp>
+    </p:spTree>
+    <p:extLst>
+      <p:ext uri="{BB962C8B-B14F-4D97-AF65-F5344CB8AC3E}">
+        <p14:creationId xmlns:p14="http://schemas.microsoft.com/office/powerpoint/2010/main" val="183371827"/>
+      </p:ext>
+    </p:extLst>
+  </p:cSld>
+  <p:clrMapOvr>
+    <a:masterClrMapping/>
+  </p:clrMapOvr>
+  <p:transition spd="med"/>
+  <p:timing>
+    <p:tnLst>
+      <p:par>
+        <p:cTn id="1" dur="indefinite" restart="never" nodeType="tmRoot"/>
+      </p:par>
+    </p:tnLst>
+  </p:timing>
+</p:sld>
+</file>
+
+<file path=ppt/slides/slide4.xml><?xml version="1.0" encoding="utf-8"?>
+<p:sld xmlns:a="http://schemas.openxmlformats.org/drawingml/2006/main" xmlns:r="http://schemas.openxmlformats.org/officeDocument/2006/relationships" xmlns:p="http://schemas.openxmlformats.org/presentationml/2006/main">
+  <p:cSld>
+    <p:spTree>
+      <p:nvGrpSpPr>
+        <p:cNvPr id="1" name=""/>
+        <p:cNvGrpSpPr/>
+        <p:nvPr/>
+      </p:nvGrpSpPr>
+      <p:grpSpPr>
+        <a:xfrm>
+          <a:off x="0" y="0"/>
+          <a:ext cx="0" cy="0"/>
+          <a:chOff x="0" y="0"/>
+          <a:chExt cx="0" cy="0"/>
+        </a:xfrm>
+      </p:grpSpPr>
+      <p:pic>
+        <p:nvPicPr>
+          <p:cNvPr id="2" name="Picture 1"/>
+          <p:cNvPicPr>
+            <a:picLocks noChangeAspect="1"/>
+          </p:cNvPicPr>
+          <p:nvPr/>
+        </p:nvPicPr>
+        <p:blipFill>
+          <a:blip r:embed="rId2"/>
+          <a:stretch>
+            <a:fillRect/>
+          </a:stretch>
+        </p:blipFill>
+        <p:spPr>
+          <a:xfrm>
+            <a:off x="1084262" y="8025186"/>
+            <a:ext cx="17935575" cy="2962275"/>
+          </a:xfrm>
+          <a:prstGeom prst="rect">
+            <a:avLst/>
+          </a:prstGeom>
+        </p:spPr>
+      </p:pic>
+      <p:pic>
+        <p:nvPicPr>
+          <p:cNvPr id="3" name="Picture 2"/>
+          <p:cNvPicPr>
+            <a:picLocks noChangeAspect="1"/>
+          </p:cNvPicPr>
+          <p:nvPr/>
+        </p:nvPicPr>
+        <p:blipFill>
+          <a:blip r:embed="rId3"/>
+          <a:stretch>
+            <a:fillRect/>
+          </a:stretch>
+        </p:blipFill>
+        <p:spPr>
+          <a:xfrm>
+            <a:off x="15948586" y="8453810"/>
+            <a:ext cx="2514600" cy="885825"/>
+          </a:xfrm>
+          <a:prstGeom prst="rect">
+            <a:avLst/>
+          </a:prstGeom>
+        </p:spPr>
+      </p:pic>
+      <p:pic>
+        <p:nvPicPr>
+          <p:cNvPr id="4" name="Picture 3"/>
+          <p:cNvPicPr>
+            <a:picLocks noChangeAspect="1"/>
+          </p:cNvPicPr>
+          <p:nvPr/>
+        </p:nvPicPr>
+        <p:blipFill>
+          <a:blip r:embed="rId4" cstate="print">
+            <a:extLst>
+              <a:ext uri="{28A0092B-C50C-407E-A947-70E740481C1C}">
+                <a14:useLocalDpi xmlns:a14="http://schemas.microsoft.com/office/drawing/2010/main" val="0"/>
+              </a:ext>
+            </a:extLst>
+          </a:blip>
+          <a:stretch>
+            <a:fillRect/>
+          </a:stretch>
+        </p:blipFill>
+        <p:spPr>
+          <a:xfrm>
+            <a:off x="17845078" y="235569"/>
+            <a:ext cx="1558725" cy="2142844"/>
+          </a:xfrm>
+          <a:prstGeom prst="rect">
+            <a:avLst/>
+          </a:prstGeom>
+        </p:spPr>
+      </p:pic>
+      <p:sp>
+        <p:nvSpPr>
+          <p:cNvPr id="5" name="object 2"/>
+          <p:cNvSpPr/>
+          <p:nvPr/>
+        </p:nvSpPr>
+        <p:spPr>
+          <a:xfrm>
+            <a:off x="706" y="398"/>
+            <a:ext cx="374614" cy="11307644"/>
+          </a:xfrm>
+          <a:prstGeom prst="rect">
+            <a:avLst/>
+          </a:prstGeom>
+          <a:solidFill>
+            <a:srgbClr val="000066"/>
+          </a:solidFill>
+          <a:ln w="12700">
+            <a:miter lim="400000"/>
+          </a:ln>
+        </p:spPr>
+        <p:txBody>
+          <a:bodyPr lIns="45719" rIns="45719"/>
+          <a:lstStyle/>
+          <a:p>
+            <a:pPr marR="0">
+              <a:lnSpc>
+                <a:spcPct val="100000"/>
+              </a:lnSpc>
+              <a:spcBef>
+                <a:spcPts val="0"/>
+              </a:spcBef>
+              <a:tabLst/>
+              <a:defRPr sz="800">
+                <a:solidFill>
+                  <a:srgbClr val="000000"/>
+                </a:solidFill>
+                <a:latin typeface="+mj-lt"/>
+                <a:ea typeface="+mj-ea"/>
+                <a:cs typeface="+mj-cs"/>
+                <a:sym typeface="Roboto Thin"/>
+              </a:defRPr>
+            </a:pPr>
+            <a:endParaRPr/>
+          </a:p>
+        </p:txBody>
+      </p:sp>
+      <p:sp>
+        <p:nvSpPr>
+          <p:cNvPr id="8" name="object 3"/>
+          <p:cNvSpPr txBox="1"/>
+          <p:nvPr/>
+        </p:nvSpPr>
+        <p:spPr>
+          <a:xfrm>
+            <a:off x="1915613" y="2912740"/>
+            <a:ext cx="15929465" cy="4847353"/>
+          </a:xfrm>
+          <a:prstGeom prst="rect">
+            <a:avLst/>
+          </a:prstGeom>
+          <a:ln w="12700">
+            <a:miter lim="400000"/>
+          </a:ln>
+          <a:extLst>
+            <a:ext uri="{C572A759-6A51-4108-AA02-DFA0A04FC94B}">
+              <ma14:wrappingTextBoxFlag xmlns:ma14="http://schemas.microsoft.com/office/mac/drawingml/2011/main" xmlns:a14="http://schemas.microsoft.com/office/drawing/2010/main" xmlns:m="http://schemas.openxmlformats.org/officeDocument/2006/math" xmlns="" val="1"/>
+            </a:ext>
+          </a:extLst>
+        </p:spPr>
+        <p:txBody>
+          <a:bodyPr lIns="0" tIns="0" rIns="0" bIns="0">
+            <a:spAutoFit/>
+          </a:bodyPr>
+          <a:lstStyle/>
+          <a:p>
+            <a:pPr marL="241300" marR="1912620" indent="-228600">
+              <a:lnSpc>
+                <a:spcPct val="104099"/>
+              </a:lnSpc>
+              <a:spcBef>
+                <a:spcPts val="1400"/>
+              </a:spcBef>
+              <a:buSzPct val="100000"/>
+              <a:buChar char="•"/>
+              <a:defRPr sz="4300">
+                <a:solidFill>
+                  <a:srgbClr val="404040"/>
+                </a:solidFill>
+                <a:latin typeface="Roboto Light"/>
+                <a:ea typeface="Roboto Light"/>
+                <a:cs typeface="Roboto Light"/>
+                <a:sym typeface="Roboto Light"/>
+              </a:defRPr>
+            </a:pPr>
+            <a:r>
+              <a:rPr lang="en-US" dirty="0" smtClean="0">
+                <a:latin typeface="Calibri Light" panose="020F0302020204030204" pitchFamily="34" charset="0"/>
+                <a:cs typeface="Calibri Light" panose="020F0302020204030204" pitchFamily="34" charset="0"/>
+              </a:rPr>
+              <a:t> </a:t>
+            </a:r>
+            <a:r>
+              <a:rPr lang="en-US" dirty="0" smtClean="0">
+                <a:latin typeface="Calibri Light" panose="020F0302020204030204" pitchFamily="34" charset="0"/>
+                <a:cs typeface="Calibri Light" panose="020F0302020204030204" pitchFamily="34" charset="0"/>
+              </a:rPr>
+              <a:t>Nerd Wallet &amp; Bankrate.com recommend 36% of your gross income</a:t>
+            </a:r>
+          </a:p>
+          <a:p>
+            <a:pPr marL="241300" marR="1912620" lvl="2" indent="-228600">
+              <a:lnSpc>
+                <a:spcPct val="104099"/>
+              </a:lnSpc>
+              <a:spcBef>
+                <a:spcPts val="1400"/>
+              </a:spcBef>
+              <a:buSzPct val="100000"/>
+              <a:buChar char="•"/>
+              <a:defRPr sz="4300">
+                <a:solidFill>
+                  <a:srgbClr val="404040"/>
+                </a:solidFill>
+                <a:latin typeface="Roboto Light"/>
+                <a:ea typeface="Roboto Light"/>
+                <a:cs typeface="Roboto Light"/>
+                <a:sym typeface="Roboto Light"/>
+              </a:defRPr>
+            </a:pPr>
+            <a:r>
+              <a:rPr lang="en-US" dirty="0">
+                <a:latin typeface="Calibri Light" panose="020F0302020204030204" pitchFamily="34" charset="0"/>
+                <a:cs typeface="Calibri Light" panose="020F0302020204030204" pitchFamily="34" charset="0"/>
+              </a:rPr>
+              <a:t> </a:t>
+            </a:r>
+            <a:r>
+              <a:rPr lang="en-US" dirty="0" smtClean="0">
+                <a:latin typeface="Calibri Light" panose="020F0302020204030204" pitchFamily="34" charset="0"/>
+                <a:cs typeface="Calibri Light" panose="020F0302020204030204" pitchFamily="34" charset="0"/>
+              </a:rPr>
+              <a:t>Annual Income: $75,000</a:t>
+            </a:r>
+          </a:p>
+          <a:p>
+            <a:pPr marL="241300" marR="1912620" lvl="2" indent="-228600">
+              <a:lnSpc>
+                <a:spcPct val="104099"/>
+              </a:lnSpc>
+              <a:spcBef>
+                <a:spcPts val="1400"/>
+              </a:spcBef>
+              <a:buSzPct val="100000"/>
+              <a:buChar char="•"/>
+              <a:defRPr sz="4300">
+                <a:solidFill>
+                  <a:srgbClr val="404040"/>
+                </a:solidFill>
+                <a:latin typeface="Roboto Light"/>
+                <a:ea typeface="Roboto Light"/>
+                <a:cs typeface="Roboto Light"/>
+                <a:sym typeface="Roboto Light"/>
+              </a:defRPr>
+            </a:pPr>
+            <a:r>
+              <a:rPr lang="en-US" dirty="0" smtClean="0">
+                <a:latin typeface="Calibri Light" panose="020F0302020204030204" pitchFamily="34" charset="0"/>
+                <a:cs typeface="Calibri Light" panose="020F0302020204030204" pitchFamily="34" charset="0"/>
+              </a:rPr>
+              <a:t> Mortgage Payment: $1,750</a:t>
+            </a:r>
+          </a:p>
+          <a:p>
+            <a:pPr marL="241300" marR="1912620" indent="-228600">
+              <a:lnSpc>
+                <a:spcPct val="104099"/>
+              </a:lnSpc>
+              <a:spcBef>
+                <a:spcPts val="1400"/>
+              </a:spcBef>
+              <a:buSzPct val="100000"/>
+              <a:buChar char="•"/>
+              <a:defRPr sz="4300">
+                <a:solidFill>
+                  <a:srgbClr val="404040"/>
+                </a:solidFill>
+                <a:latin typeface="Roboto Light"/>
+                <a:ea typeface="Roboto Light"/>
+                <a:cs typeface="Roboto Light"/>
+                <a:sym typeface="Roboto Light"/>
+              </a:defRPr>
+            </a:pPr>
+            <a:r>
+              <a:rPr lang="en-US" dirty="0">
+                <a:latin typeface="Calibri Light" panose="020F0302020204030204" pitchFamily="34" charset="0"/>
+                <a:cs typeface="Calibri Light" panose="020F0302020204030204" pitchFamily="34" charset="0"/>
+              </a:rPr>
+              <a:t> </a:t>
+            </a:r>
+            <a:r>
+              <a:rPr lang="en-US" dirty="0" smtClean="0">
+                <a:latin typeface="Calibri Light" panose="020F0302020204030204" pitchFamily="34" charset="0"/>
+                <a:cs typeface="Calibri Light" panose="020F0302020204030204" pitchFamily="34" charset="0"/>
+              </a:rPr>
+              <a:t>Affordable Home Amount: $300K </a:t>
+            </a:r>
+          </a:p>
+          <a:p>
+            <a:pPr marL="241300" marR="1912620" lvl="1" indent="-228600">
+              <a:lnSpc>
+                <a:spcPct val="104099"/>
+              </a:lnSpc>
+              <a:spcBef>
+                <a:spcPts val="1400"/>
+              </a:spcBef>
+              <a:buSzPct val="100000"/>
+              <a:buChar char="•"/>
+              <a:defRPr sz="4300">
+                <a:solidFill>
+                  <a:srgbClr val="404040"/>
+                </a:solidFill>
+                <a:latin typeface="Roboto Light"/>
+                <a:ea typeface="Roboto Light"/>
+                <a:cs typeface="Roboto Light"/>
+                <a:sym typeface="Roboto Light"/>
+              </a:defRPr>
+            </a:pPr>
+            <a:endParaRPr dirty="0">
+              <a:latin typeface="Calibri Light" panose="020F0302020204030204" pitchFamily="34" charset="0"/>
+              <a:cs typeface="Calibri Light" panose="020F0302020204030204" pitchFamily="34" charset="0"/>
+            </a:endParaRPr>
+          </a:p>
+        </p:txBody>
+      </p:sp>
+      <p:sp>
+        <p:nvSpPr>
+          <p:cNvPr id="9" name="object 2"/>
+          <p:cNvSpPr txBox="1"/>
+          <p:nvPr/>
+        </p:nvSpPr>
+        <p:spPr>
+          <a:xfrm>
+            <a:off x="1385505" y="1400282"/>
+            <a:ext cx="16989682" cy="1359411"/>
+          </a:xfrm>
+          <a:prstGeom prst="rect">
+            <a:avLst/>
+          </a:prstGeom>
+          <a:ln w="12700">
+            <a:miter lim="400000"/>
+          </a:ln>
+          <a:extLst>
+            <a:ext uri="{C572A759-6A51-4108-AA02-DFA0A04FC94B}">
+              <ma14:wrappingTextBoxFlag xmlns:ma14="http://schemas.microsoft.com/office/mac/drawingml/2011/main" xmlns:a14="http://schemas.microsoft.com/office/drawing/2010/main" xmlns:m="http://schemas.openxmlformats.org/officeDocument/2006/math" xmlns="" val="1"/>
+            </a:ext>
+          </a:extLst>
+        </p:spPr>
+        <p:txBody>
+          <a:bodyPr lIns="0" tIns="0" rIns="0" bIns="0">
+            <a:spAutoFit/>
+          </a:bodyPr>
+          <a:lstStyle>
+            <a:lvl1pPr marL="127000" marR="5080" indent="-114935">
+              <a:lnSpc>
+                <a:spcPts val="11600"/>
+              </a:lnSpc>
+              <a:spcBef>
+                <a:spcPts val="2800"/>
+              </a:spcBef>
+              <a:defRPr sz="7200">
+                <a:solidFill>
+                  <a:srgbClr val="990000"/>
+                </a:solidFill>
+              </a:defRPr>
+            </a:lvl1pPr>
+          </a:lstStyle>
+          <a:p>
+            <a:r>
+              <a:rPr lang="en-US" dirty="0" smtClean="0">
+                <a:latin typeface="+mj-lt"/>
+                <a:cs typeface="Calibri Light" panose="020F0302020204030204" pitchFamily="34" charset="0"/>
+              </a:rPr>
+              <a:t>How much house can I afford?</a:t>
+            </a:r>
+            <a:endParaRPr dirty="0">
+              <a:latin typeface="+mj-lt"/>
+              <a:cs typeface="Calibri Light" panose="020F0302020204030204" pitchFamily="34" charset="0"/>
+            </a:endParaRPr>
+          </a:p>
+        </p:txBody>
+      </p:sp>
+      <p:pic>
+        <p:nvPicPr>
+          <p:cNvPr id="10" name="Picture 9"/>
+          <p:cNvPicPr>
+            <a:picLocks noChangeAspect="1"/>
+          </p:cNvPicPr>
+          <p:nvPr/>
+        </p:nvPicPr>
+        <p:blipFill>
+          <a:blip r:embed="rId5"/>
+          <a:stretch>
+            <a:fillRect/>
+          </a:stretch>
+        </p:blipFill>
+        <p:spPr>
+          <a:xfrm>
+            <a:off x="12759107" y="1590063"/>
+            <a:ext cx="590550" cy="628650"/>
+          </a:xfrm>
+          <a:prstGeom prst="rect">
+            <a:avLst/>
+          </a:prstGeom>
+        </p:spPr>
+      </p:pic>
+    </p:spTree>
+    <p:extLst>
+      <p:ext uri="{BB962C8B-B14F-4D97-AF65-F5344CB8AC3E}">
+        <p14:creationId xmlns:p14="http://schemas.microsoft.com/office/powerpoint/2010/main" val="240063659"/>
+      </p:ext>
+    </p:extLst>
+  </p:cSld>
+  <p:clrMapOvr>
+    <a:masterClrMapping/>
+  </p:clrMapOvr>
+  <p:transition spd="med"/>
+  <p:timing>
+    <p:tnLst>
+      <p:par>
+        <p:cTn id="1" dur="indefinite" restart="never" nodeType="tmRoot"/>
+      </p:par>
+    </p:tnLst>
+  </p:timing>
+</p:sld>
+</file>
+
+<file path=ppt/slides/slide5.xml><?xml version="1.0" encoding="utf-8"?>
+<p:sld xmlns:a="http://schemas.openxmlformats.org/drawingml/2006/main" xmlns:r="http://schemas.openxmlformats.org/officeDocument/2006/relationships" xmlns:p="http://schemas.openxmlformats.org/presentationml/2006/main">
+  <p:cSld>
+    <p:spTree>
+      <p:nvGrpSpPr>
+        <p:cNvPr id="1" name=""/>
+        <p:cNvGrpSpPr/>
+        <p:nvPr/>
+      </p:nvGrpSpPr>
+      <p:grpSpPr>
+        <a:xfrm>
+          <a:off x="0" y="0"/>
+          <a:ext cx="0" cy="0"/>
+          <a:chOff x="0" y="0"/>
+          <a:chExt cx="0" cy="0"/>
+        </a:xfrm>
+      </p:grpSpPr>
+      <p:pic>
+        <p:nvPicPr>
+          <p:cNvPr id="2" name="Picture 1"/>
+          <p:cNvPicPr>
+            <a:picLocks noChangeAspect="1"/>
+          </p:cNvPicPr>
+          <p:nvPr/>
+        </p:nvPicPr>
+        <p:blipFill>
+          <a:blip r:embed="rId2"/>
+          <a:stretch>
+            <a:fillRect/>
+          </a:stretch>
+        </p:blipFill>
+        <p:spPr>
+          <a:xfrm>
+            <a:off x="1084262" y="8025186"/>
+            <a:ext cx="17935575" cy="2962275"/>
+          </a:xfrm>
+          <a:prstGeom prst="rect">
+            <a:avLst/>
+          </a:prstGeom>
+        </p:spPr>
+      </p:pic>
+      <p:pic>
+        <p:nvPicPr>
+          <p:cNvPr id="3" name="Picture 2"/>
+          <p:cNvPicPr>
+            <a:picLocks noChangeAspect="1"/>
+          </p:cNvPicPr>
+          <p:nvPr/>
+        </p:nvPicPr>
+        <p:blipFill>
+          <a:blip r:embed="rId3"/>
+          <a:stretch>
+            <a:fillRect/>
+          </a:stretch>
+        </p:blipFill>
+        <p:spPr>
+          <a:xfrm>
+            <a:off x="15948586" y="8453810"/>
+            <a:ext cx="2514600" cy="885825"/>
+          </a:xfrm>
+          <a:prstGeom prst="rect">
+            <a:avLst/>
+          </a:prstGeom>
+        </p:spPr>
+      </p:pic>
+      <p:pic>
+        <p:nvPicPr>
+          <p:cNvPr id="4" name="Picture 3"/>
+          <p:cNvPicPr>
+            <a:picLocks noChangeAspect="1"/>
+          </p:cNvPicPr>
+          <p:nvPr/>
+        </p:nvPicPr>
+        <p:blipFill>
+          <a:blip r:embed="rId4" cstate="print">
+            <a:extLst>
+              <a:ext uri="{28A0092B-C50C-407E-A947-70E740481C1C}">
+                <a14:useLocalDpi xmlns:a14="http://schemas.microsoft.com/office/drawing/2010/main" val="0"/>
+              </a:ext>
+            </a:extLst>
+          </a:blip>
+          <a:stretch>
+            <a:fillRect/>
+          </a:stretch>
+        </p:blipFill>
+        <p:spPr>
+          <a:xfrm>
+            <a:off x="17845078" y="235569"/>
+            <a:ext cx="1558725" cy="2142844"/>
+          </a:xfrm>
+          <a:prstGeom prst="rect">
+            <a:avLst/>
+          </a:prstGeom>
+        </p:spPr>
+      </p:pic>
+      <p:sp>
+        <p:nvSpPr>
+          <p:cNvPr id="5" name="object 2"/>
+          <p:cNvSpPr/>
+          <p:nvPr/>
+        </p:nvSpPr>
+        <p:spPr>
+          <a:xfrm>
+            <a:off x="706" y="398"/>
+            <a:ext cx="374614" cy="11307644"/>
+          </a:xfrm>
+          <a:prstGeom prst="rect">
+            <a:avLst/>
+          </a:prstGeom>
+          <a:solidFill>
+            <a:srgbClr val="000066"/>
+          </a:solidFill>
+          <a:ln w="12700">
+            <a:miter lim="400000"/>
+          </a:ln>
+        </p:spPr>
+        <p:txBody>
+          <a:bodyPr lIns="45719" rIns="45719"/>
+          <a:lstStyle/>
+          <a:p>
+            <a:pPr marR="0">
+              <a:lnSpc>
+                <a:spcPct val="100000"/>
+              </a:lnSpc>
+              <a:spcBef>
+                <a:spcPts val="0"/>
+              </a:spcBef>
+              <a:tabLst/>
+              <a:defRPr sz="800">
+                <a:solidFill>
+                  <a:srgbClr val="000000"/>
+                </a:solidFill>
+                <a:latin typeface="+mj-lt"/>
+                <a:ea typeface="+mj-ea"/>
+                <a:cs typeface="+mj-cs"/>
+                <a:sym typeface="Roboto Thin"/>
+              </a:defRPr>
+            </a:pPr>
+            <a:endParaRPr/>
+          </a:p>
+        </p:txBody>
+      </p:sp>
+      <p:sp>
+        <p:nvSpPr>
+          <p:cNvPr id="8" name="object 3"/>
+          <p:cNvSpPr txBox="1"/>
+          <p:nvPr/>
+        </p:nvSpPr>
+        <p:spPr>
+          <a:xfrm>
+            <a:off x="1915613" y="2912740"/>
+            <a:ext cx="15929465" cy="5026889"/>
+          </a:xfrm>
+          <a:prstGeom prst="rect">
+            <a:avLst/>
+          </a:prstGeom>
+          <a:ln w="12700">
+            <a:miter lim="400000"/>
+          </a:ln>
+          <a:extLst>
+            <a:ext uri="{C572A759-6A51-4108-AA02-DFA0A04FC94B}">
+              <ma14:wrappingTextBoxFlag xmlns:ma14="http://schemas.microsoft.com/office/mac/drawingml/2011/main" xmlns:a14="http://schemas.microsoft.com/office/drawing/2010/main" xmlns:m="http://schemas.openxmlformats.org/officeDocument/2006/math" xmlns="" val="1"/>
+            </a:ext>
+          </a:extLst>
+        </p:spPr>
+        <p:txBody>
+          <a:bodyPr lIns="0" tIns="0" rIns="0" bIns="0">
+            <a:spAutoFit/>
+          </a:bodyPr>
+          <a:lstStyle/>
+          <a:p>
+            <a:pPr marL="241300" marR="1912620" indent="-228600">
+              <a:lnSpc>
+                <a:spcPct val="104099"/>
+              </a:lnSpc>
+              <a:spcBef>
+                <a:spcPts val="1400"/>
+              </a:spcBef>
+              <a:buSzPct val="100000"/>
+              <a:buChar char="•"/>
+              <a:defRPr sz="4300">
+                <a:solidFill>
+                  <a:srgbClr val="404040"/>
+                </a:solidFill>
+                <a:latin typeface="Roboto Light"/>
+                <a:ea typeface="Roboto Light"/>
+                <a:cs typeface="Roboto Light"/>
+                <a:sym typeface="Roboto Light"/>
+              </a:defRPr>
+            </a:pPr>
+            <a:r>
+              <a:rPr lang="en-US" dirty="0" smtClean="0">
+                <a:latin typeface="+mj-lt"/>
+              </a:rPr>
+              <a:t> Median Income by City/Metropolitan </a:t>
+            </a:r>
+            <a:r>
+              <a:rPr lang="en-US" dirty="0" smtClean="0">
+                <a:latin typeface="+mj-lt"/>
+              </a:rPr>
+              <a:t>Area &gt;= $75K </a:t>
+            </a:r>
+            <a:endParaRPr dirty="0">
+              <a:latin typeface="+mj-lt"/>
+            </a:endParaRPr>
+          </a:p>
+          <a:p>
+            <a:pPr marL="241300" marR="1912620" indent="-228600">
+              <a:lnSpc>
+                <a:spcPct val="104099"/>
+              </a:lnSpc>
+              <a:spcBef>
+                <a:spcPts val="1400"/>
+              </a:spcBef>
+              <a:buSzPct val="100000"/>
+              <a:buChar char="•"/>
+              <a:defRPr sz="4300">
+                <a:solidFill>
+                  <a:srgbClr val="404040"/>
+                </a:solidFill>
+                <a:latin typeface="Roboto Light"/>
+                <a:ea typeface="Roboto Light"/>
+                <a:cs typeface="Roboto Light"/>
+                <a:sym typeface="Roboto Light"/>
+              </a:defRPr>
+            </a:pPr>
+            <a:r>
+              <a:rPr lang="en-US" dirty="0" smtClean="0">
+                <a:latin typeface="+mj-lt"/>
+              </a:rPr>
+              <a:t> Home Sale Prices by City</a:t>
+            </a:r>
+            <a:endParaRPr dirty="0">
+              <a:latin typeface="+mj-lt"/>
+            </a:endParaRPr>
+          </a:p>
+          <a:p>
+            <a:pPr marL="241300" marR="1912620" indent="-228600">
+              <a:lnSpc>
+                <a:spcPct val="104099"/>
+              </a:lnSpc>
+              <a:spcBef>
+                <a:spcPts val="1400"/>
+              </a:spcBef>
+              <a:buSzPct val="100000"/>
+              <a:buChar char="•"/>
+              <a:defRPr sz="4300">
+                <a:solidFill>
+                  <a:srgbClr val="404040"/>
+                </a:solidFill>
+                <a:latin typeface="Roboto Light"/>
+                <a:ea typeface="Roboto Light"/>
+                <a:cs typeface="Roboto Light"/>
+                <a:sym typeface="Roboto Light"/>
+              </a:defRPr>
+            </a:pPr>
+            <a:r>
+              <a:rPr lang="en-US" dirty="0" smtClean="0">
+                <a:latin typeface="+mj-lt"/>
+              </a:rPr>
+              <a:t> Home Sale Price to Income Ratio by City</a:t>
+            </a:r>
+            <a:endParaRPr dirty="0">
+              <a:latin typeface="+mj-lt"/>
+            </a:endParaRPr>
+          </a:p>
+          <a:p>
+            <a:pPr marL="241300" marR="1912620" indent="-228600">
+              <a:lnSpc>
+                <a:spcPct val="104099"/>
+              </a:lnSpc>
+              <a:spcBef>
+                <a:spcPts val="1400"/>
+              </a:spcBef>
+              <a:buSzPct val="100000"/>
+              <a:buChar char="•"/>
+              <a:defRPr sz="4300">
+                <a:solidFill>
+                  <a:srgbClr val="404040"/>
+                </a:solidFill>
+                <a:latin typeface="Roboto Light"/>
+                <a:ea typeface="Roboto Light"/>
+                <a:cs typeface="Roboto Light"/>
+                <a:sym typeface="Roboto Light"/>
+              </a:defRPr>
+            </a:pPr>
+            <a:r>
+              <a:rPr lang="en-US" dirty="0" smtClean="0">
+                <a:latin typeface="+mj-lt"/>
+              </a:rPr>
+              <a:t> Rent to Income Ratio by City</a:t>
+            </a:r>
+          </a:p>
+          <a:p>
+            <a:pPr marL="241300" marR="1912620" indent="-228600">
+              <a:lnSpc>
+                <a:spcPct val="104099"/>
+              </a:lnSpc>
+              <a:spcBef>
+                <a:spcPts val="1400"/>
+              </a:spcBef>
+              <a:buSzPct val="100000"/>
+              <a:buChar char="•"/>
+              <a:defRPr sz="4300">
+                <a:solidFill>
+                  <a:srgbClr val="404040"/>
+                </a:solidFill>
+                <a:latin typeface="Roboto Light"/>
+                <a:ea typeface="Roboto Light"/>
+                <a:cs typeface="Roboto Light"/>
+                <a:sym typeface="Roboto Light"/>
+              </a:defRPr>
+            </a:pPr>
+            <a:r>
+              <a:rPr lang="en-US" dirty="0">
+                <a:latin typeface="+mj-lt"/>
+              </a:rPr>
+              <a:t> </a:t>
+            </a:r>
+            <a:r>
+              <a:rPr lang="en-US" dirty="0" smtClean="0">
+                <a:latin typeface="+mj-lt"/>
+              </a:rPr>
+              <a:t>Mortgage to Income Ratio by City</a:t>
+            </a:r>
+          </a:p>
+          <a:p>
+            <a:pPr marL="241300" marR="1912620" indent="-228600">
+              <a:lnSpc>
+                <a:spcPct val="104099"/>
+              </a:lnSpc>
+              <a:spcBef>
+                <a:spcPts val="1400"/>
+              </a:spcBef>
+              <a:buSzPct val="100000"/>
+              <a:buChar char="•"/>
+              <a:defRPr sz="4300">
+                <a:solidFill>
+                  <a:srgbClr val="404040"/>
+                </a:solidFill>
+                <a:latin typeface="Roboto Light"/>
+                <a:ea typeface="Roboto Light"/>
+                <a:cs typeface="Roboto Light"/>
+                <a:sym typeface="Roboto Light"/>
+              </a:defRPr>
+            </a:pPr>
+            <a:r>
+              <a:rPr lang="en-US" dirty="0">
+                <a:latin typeface="+mj-lt"/>
+              </a:rPr>
+              <a:t> </a:t>
+            </a:r>
+            <a:r>
+              <a:rPr lang="en-US" b="1" dirty="0" smtClean="0">
+                <a:latin typeface="+mj-lt"/>
+              </a:rPr>
+              <a:t>March Data (most recent is March 2018)</a:t>
+            </a:r>
+            <a:endParaRPr b="1" dirty="0">
+              <a:latin typeface="+mj-lt"/>
+            </a:endParaRPr>
+          </a:p>
+        </p:txBody>
+      </p:sp>
+      <p:sp>
+        <p:nvSpPr>
+          <p:cNvPr id="9" name="object 2"/>
+          <p:cNvSpPr txBox="1"/>
+          <p:nvPr/>
+        </p:nvSpPr>
+        <p:spPr>
+          <a:xfrm>
+            <a:off x="1385505" y="1400282"/>
+            <a:ext cx="16989682" cy="1359411"/>
+          </a:xfrm>
+          <a:prstGeom prst="rect">
+            <a:avLst/>
+          </a:prstGeom>
+          <a:ln w="12700">
+            <a:miter lim="400000"/>
+          </a:ln>
+          <a:extLst>
+            <a:ext uri="{C572A759-6A51-4108-AA02-DFA0A04FC94B}">
+              <ma14:wrappingTextBoxFlag xmlns:ma14="http://schemas.microsoft.com/office/mac/drawingml/2011/main" xmlns:a14="http://schemas.microsoft.com/office/drawing/2010/main" xmlns:m="http://schemas.openxmlformats.org/officeDocument/2006/math" xmlns="" val="1"/>
+            </a:ext>
+          </a:extLst>
+        </p:spPr>
+        <p:txBody>
+          <a:bodyPr lIns="0" tIns="0" rIns="0" bIns="0">
+            <a:spAutoFit/>
+          </a:bodyPr>
+          <a:lstStyle>
+            <a:lvl1pPr marL="127000" marR="5080" indent="-114935">
+              <a:lnSpc>
+                <a:spcPts val="11600"/>
+              </a:lnSpc>
+              <a:spcBef>
+                <a:spcPts val="2800"/>
+              </a:spcBef>
+              <a:defRPr sz="7200">
+                <a:solidFill>
+                  <a:srgbClr val="990000"/>
+                </a:solidFill>
+              </a:defRPr>
+            </a:lvl1pPr>
+          </a:lstStyle>
+          <a:p>
+            <a:r>
+              <a:rPr lang="en-US" dirty="0" smtClean="0">
+                <a:latin typeface="+mj-lt"/>
+              </a:rPr>
+              <a:t>Data Used</a:t>
+            </a:r>
+            <a:endParaRPr dirty="0">
+              <a:latin typeface="+mj-lt"/>
+            </a:endParaRPr>
+          </a:p>
+        </p:txBody>
+      </p:sp>
+      <p:pic>
+        <p:nvPicPr>
+          <p:cNvPr id="10" name="Picture 9"/>
+          <p:cNvPicPr>
+            <a:picLocks noChangeAspect="1"/>
+          </p:cNvPicPr>
+          <p:nvPr/>
+        </p:nvPicPr>
+        <p:blipFill>
+          <a:blip r:embed="rId5"/>
+          <a:stretch>
+            <a:fillRect/>
+          </a:stretch>
+        </p:blipFill>
+        <p:spPr>
+          <a:xfrm>
+            <a:off x="17203710" y="2681534"/>
+            <a:ext cx="2181661" cy="1962636"/>
+          </a:xfrm>
+          <a:prstGeom prst="rect">
+            <a:avLst/>
+          </a:prstGeom>
+        </p:spPr>
+      </p:pic>
+      <p:pic>
+        <p:nvPicPr>
+          <p:cNvPr id="12" name="Picture 11"/>
+          <p:cNvPicPr>
+            <a:picLocks noChangeAspect="1"/>
+          </p:cNvPicPr>
+          <p:nvPr/>
+        </p:nvPicPr>
+        <p:blipFill>
+          <a:blip r:embed="rId6"/>
+          <a:stretch>
+            <a:fillRect/>
+          </a:stretch>
+        </p:blipFill>
+        <p:spPr>
+          <a:xfrm>
+            <a:off x="17322529" y="4879880"/>
+            <a:ext cx="1944021" cy="1926104"/>
+          </a:xfrm>
+          <a:prstGeom prst="rect">
+            <a:avLst/>
+          </a:prstGeom>
+        </p:spPr>
+      </p:pic>
+      <p:pic>
+        <p:nvPicPr>
+          <p:cNvPr id="14" name="Picture 13"/>
+          <p:cNvPicPr>
+            <a:picLocks noChangeAspect="1"/>
+          </p:cNvPicPr>
+          <p:nvPr/>
+        </p:nvPicPr>
+        <p:blipFill>
+          <a:blip r:embed="rId7"/>
+          <a:stretch>
+            <a:fillRect/>
+          </a:stretch>
+        </p:blipFill>
+        <p:spPr>
+          <a:xfrm>
+            <a:off x="5181974" y="1822812"/>
+            <a:ext cx="533400" cy="514350"/>
+          </a:xfrm>
+          <a:prstGeom prst="rect">
+            <a:avLst/>
+          </a:prstGeom>
+        </p:spPr>
+      </p:pic>
+    </p:spTree>
+    <p:extLst>
+      <p:ext uri="{BB962C8B-B14F-4D97-AF65-F5344CB8AC3E}">
+        <p14:creationId xmlns:p14="http://schemas.microsoft.com/office/powerpoint/2010/main" val="2306889675"/>
+      </p:ext>
+    </p:extLst>
+  </p:cSld>
+  <p:clrMapOvr>
+    <a:masterClrMapping/>
+  </p:clrMapOvr>
+  <p:transition spd="med"/>
+  <p:timing>
+    <p:tnLst>
+      <p:par>
+        <p:cTn id="1" dur="indefinite" restart="never" nodeType="tmRoot"/>
+      </p:par>
+    </p:tnLst>
+  </p:timing>
+</p:sld>
+</file>
+
+<file path=ppt/slides/slide6.xml><?xml version="1.0" encoding="utf-8"?>
+<p:sld xmlns:a="http://schemas.openxmlformats.org/drawingml/2006/main" xmlns:r="http://schemas.openxmlformats.org/officeDocument/2006/relationships" xmlns:p="http://schemas.openxmlformats.org/presentationml/2006/main">
+  <p:cSld>
+    <p:spTree>
+      <p:nvGrpSpPr>
+        <p:cNvPr id="1" name=""/>
+        <p:cNvGrpSpPr/>
+        <p:nvPr/>
+      </p:nvGrpSpPr>
+      <p:grpSpPr>
+        <a:xfrm>
+          <a:off x="0" y="0"/>
+          <a:ext cx="0" cy="0"/>
+          <a:chOff x="0" y="0"/>
+          <a:chExt cx="0" cy="0"/>
+        </a:xfrm>
+      </p:grpSpPr>
+      <p:pic>
+        <p:nvPicPr>
+          <p:cNvPr id="2" name="Picture 1"/>
+          <p:cNvPicPr>
+            <a:picLocks noChangeAspect="1"/>
+          </p:cNvPicPr>
+          <p:nvPr/>
+        </p:nvPicPr>
+        <p:blipFill>
+          <a:blip r:embed="rId2">
+            <a:extLst>
+              <a:ext uri="{28A0092B-C50C-407E-A947-70E740481C1C}">
+                <a14:useLocalDpi xmlns:a14="http://schemas.microsoft.com/office/drawing/2010/main" val="0"/>
+              </a:ext>
+            </a:extLst>
+          </a:blip>
+          <a:stretch>
+            <a:fillRect/>
+          </a:stretch>
+        </p:blipFill>
+        <p:spPr>
+          <a:xfrm>
+            <a:off x="2483929" y="2050831"/>
+            <a:ext cx="13867693" cy="9095270"/>
+          </a:xfrm>
+          <a:prstGeom prst="rect">
+            <a:avLst/>
+          </a:prstGeom>
+        </p:spPr>
+      </p:pic>
+      <p:sp>
+        <p:nvSpPr>
+          <p:cNvPr id="3" name="object 2"/>
+          <p:cNvSpPr/>
+          <p:nvPr/>
+        </p:nvSpPr>
+        <p:spPr>
+          <a:xfrm>
+            <a:off x="706" y="398"/>
+            <a:ext cx="374614" cy="11307644"/>
+          </a:xfrm>
+          <a:prstGeom prst="rect">
+            <a:avLst/>
+          </a:prstGeom>
+          <a:solidFill>
+            <a:srgbClr val="000066"/>
+          </a:solidFill>
+          <a:ln w="12700">
+            <a:miter lim="400000"/>
+          </a:ln>
+        </p:spPr>
+        <p:txBody>
+          <a:bodyPr lIns="45719" rIns="45719"/>
+          <a:lstStyle/>
+          <a:p>
+            <a:pPr marR="0">
+              <a:lnSpc>
+                <a:spcPct val="100000"/>
+              </a:lnSpc>
+              <a:spcBef>
+                <a:spcPts val="0"/>
+              </a:spcBef>
+              <a:tabLst/>
+              <a:defRPr sz="800">
+                <a:solidFill>
+                  <a:srgbClr val="000000"/>
+                </a:solidFill>
+                <a:latin typeface="+mj-lt"/>
+                <a:ea typeface="+mj-ea"/>
+                <a:cs typeface="+mj-cs"/>
+                <a:sym typeface="Roboto Thin"/>
+              </a:defRPr>
+            </a:pPr>
+            <a:endParaRPr/>
+          </a:p>
+        </p:txBody>
+      </p:sp>
+      <p:sp>
+        <p:nvSpPr>
+          <p:cNvPr id="4" name="Rectangle 3"/>
+          <p:cNvSpPr/>
+          <p:nvPr/>
+        </p:nvSpPr>
+        <p:spPr>
+          <a:xfrm>
+            <a:off x="1533629" y="854350"/>
+            <a:ext cx="17603217" cy="797654"/>
+          </a:xfrm>
+          <a:prstGeom prst="rect">
+            <a:avLst/>
+          </a:prstGeom>
+        </p:spPr>
+        <p:txBody>
+          <a:bodyPr wrap="none">
+            <a:spAutoFit/>
+          </a:bodyPr>
+          <a:lstStyle/>
+          <a:p>
+            <a:r>
+              <a:rPr lang="en-US" dirty="0" smtClean="0">
+                <a:solidFill>
+                  <a:srgbClr val="C00000"/>
+                </a:solidFill>
+              </a:rPr>
+              <a:t>26 US Cities have average annual income of $75K or more</a:t>
+            </a:r>
+            <a:endParaRPr lang="en-US" dirty="0">
+              <a:solidFill>
+                <a:srgbClr val="C00000"/>
+              </a:solidFill>
+            </a:endParaRPr>
+          </a:p>
+        </p:txBody>
+      </p:sp>
+    </p:spTree>
+    <p:extLst>
+      <p:ext uri="{BB962C8B-B14F-4D97-AF65-F5344CB8AC3E}">
+        <p14:creationId xmlns:p14="http://schemas.microsoft.com/office/powerpoint/2010/main" val="479886061"/>
+      </p:ext>
+    </p:extLst>
+  </p:cSld>
+  <p:clrMapOvr>
+    <a:masterClrMapping/>
+  </p:clrMapOvr>
+  <p:transition spd="med"/>
+  <p:timing>
+    <p:tnLst>
+      <p:par>
+        <p:cTn id="1" dur="indefinite" restart="never" nodeType="tmRoot"/>
+      </p:par>
+    </p:tnLst>
+  </p:timing>
+</p:sld>
+</file>
+
+<file path=ppt/slides/slide7.xml><?xml version="1.0" encoding="utf-8"?>
+<p:sld xmlns:a="http://schemas.openxmlformats.org/drawingml/2006/main" xmlns:r="http://schemas.openxmlformats.org/officeDocument/2006/relationships" xmlns:p="http://schemas.openxmlformats.org/presentationml/2006/main">
+  <p:cSld>
+    <p:spTree>
+      <p:nvGrpSpPr>
+        <p:cNvPr id="1" name=""/>
+        <p:cNvGrpSpPr/>
+        <p:nvPr/>
+      </p:nvGrpSpPr>
+      <p:grpSpPr>
+        <a:xfrm>
+          <a:off x="0" y="0"/>
+          <a:ext cx="0" cy="0"/>
+          <a:chOff x="0" y="0"/>
+          <a:chExt cx="0" cy="0"/>
+        </a:xfrm>
+      </p:grpSpPr>
+      <p:pic>
+        <p:nvPicPr>
+          <p:cNvPr id="2" name="Picture 1"/>
+          <p:cNvPicPr>
+            <a:picLocks noChangeAspect="1"/>
+          </p:cNvPicPr>
+          <p:nvPr/>
+        </p:nvPicPr>
+        <p:blipFill>
+          <a:blip r:embed="rId2"/>
+          <a:stretch>
+            <a:fillRect/>
+          </a:stretch>
+        </p:blipFill>
+        <p:spPr>
+          <a:xfrm>
+            <a:off x="1084262" y="8025186"/>
+            <a:ext cx="17935575" cy="2962275"/>
+          </a:xfrm>
+          <a:prstGeom prst="rect">
+            <a:avLst/>
+          </a:prstGeom>
+        </p:spPr>
+      </p:pic>
+      <p:pic>
+        <p:nvPicPr>
+          <p:cNvPr id="3" name="Picture 2"/>
+          <p:cNvPicPr>
+            <a:picLocks noChangeAspect="1"/>
+          </p:cNvPicPr>
+          <p:nvPr/>
+        </p:nvPicPr>
+        <p:blipFill>
+          <a:blip r:embed="rId3"/>
+          <a:stretch>
+            <a:fillRect/>
+          </a:stretch>
+        </p:blipFill>
+        <p:spPr>
+          <a:xfrm>
+            <a:off x="15948586" y="8453810"/>
+            <a:ext cx="2514600" cy="885825"/>
+          </a:xfrm>
+          <a:prstGeom prst="rect">
+            <a:avLst/>
+          </a:prstGeom>
+        </p:spPr>
+      </p:pic>
+      <p:pic>
+        <p:nvPicPr>
+          <p:cNvPr id="4" name="Picture 3"/>
+          <p:cNvPicPr>
+            <a:picLocks noChangeAspect="1"/>
+          </p:cNvPicPr>
+          <p:nvPr/>
+        </p:nvPicPr>
+        <p:blipFill>
+          <a:blip r:embed="rId4" cstate="print">
+            <a:extLst>
+              <a:ext uri="{28A0092B-C50C-407E-A947-70E740481C1C}">
+                <a14:useLocalDpi xmlns:a14="http://schemas.microsoft.com/office/drawing/2010/main" val="0"/>
+              </a:ext>
+            </a:extLst>
+          </a:blip>
+          <a:stretch>
+            <a:fillRect/>
+          </a:stretch>
+        </p:blipFill>
+        <p:spPr>
+          <a:xfrm>
+            <a:off x="17845078" y="235569"/>
+            <a:ext cx="1558725" cy="2142844"/>
+          </a:xfrm>
+          <a:prstGeom prst="rect">
+            <a:avLst/>
+          </a:prstGeom>
+        </p:spPr>
+      </p:pic>
+      <p:sp>
+        <p:nvSpPr>
+          <p:cNvPr id="5" name="object 2"/>
+          <p:cNvSpPr/>
+          <p:nvPr/>
+        </p:nvSpPr>
+        <p:spPr>
+          <a:xfrm>
+            <a:off x="706" y="398"/>
+            <a:ext cx="374614" cy="11307644"/>
+          </a:xfrm>
+          <a:prstGeom prst="rect">
+            <a:avLst/>
+          </a:prstGeom>
+          <a:solidFill>
+            <a:srgbClr val="000066"/>
+          </a:solidFill>
+          <a:ln w="12700">
+            <a:miter lim="400000"/>
+          </a:ln>
+        </p:spPr>
+        <p:txBody>
+          <a:bodyPr lIns="45719" rIns="45719"/>
+          <a:lstStyle/>
+          <a:p>
+            <a:pPr marR="0">
+              <a:lnSpc>
+                <a:spcPct val="100000"/>
+              </a:lnSpc>
+              <a:spcBef>
+                <a:spcPts val="0"/>
+              </a:spcBef>
+              <a:tabLst/>
+              <a:defRPr sz="800">
+                <a:solidFill>
+                  <a:srgbClr val="000000"/>
+                </a:solidFill>
+                <a:latin typeface="+mj-lt"/>
+                <a:ea typeface="+mj-ea"/>
+                <a:cs typeface="+mj-cs"/>
+                <a:sym typeface="Roboto Thin"/>
+              </a:defRPr>
+            </a:pPr>
+            <a:endParaRPr/>
+          </a:p>
+        </p:txBody>
+      </p:sp>
+      <p:sp>
+        <p:nvSpPr>
+          <p:cNvPr id="8" name="object 3"/>
+          <p:cNvSpPr txBox="1"/>
+          <p:nvPr/>
+        </p:nvSpPr>
+        <p:spPr>
+          <a:xfrm>
+            <a:off x="1915613" y="2912740"/>
+            <a:ext cx="15929465" cy="661784"/>
+          </a:xfrm>
+          <a:prstGeom prst="rect">
+            <a:avLst/>
+          </a:prstGeom>
+          <a:ln w="12700">
+            <a:miter lim="400000"/>
+          </a:ln>
+          <a:extLst>
+            <a:ext uri="{C572A759-6A51-4108-AA02-DFA0A04FC94B}">
+              <ma14:wrappingTextBoxFlag xmlns:ma14="http://schemas.microsoft.com/office/mac/drawingml/2011/main" xmlns:a14="http://schemas.microsoft.com/office/drawing/2010/main" xmlns:m="http://schemas.openxmlformats.org/officeDocument/2006/math" xmlns="" val="1"/>
+            </a:ext>
+          </a:extLst>
+        </p:spPr>
+        <p:txBody>
+          <a:bodyPr lIns="0" tIns="0" rIns="0" bIns="0">
+            <a:spAutoFit/>
+          </a:bodyPr>
+          <a:lstStyle/>
+          <a:p>
+            <a:pPr marL="241300" marR="1912620" lvl="1" indent="-228600">
+              <a:lnSpc>
+                <a:spcPct val="104099"/>
+              </a:lnSpc>
+              <a:spcBef>
+                <a:spcPts val="1400"/>
+              </a:spcBef>
+              <a:buSzPct val="100000"/>
+              <a:buChar char="•"/>
+              <a:defRPr sz="4300">
+                <a:solidFill>
+                  <a:srgbClr val="404040"/>
+                </a:solidFill>
+                <a:latin typeface="Roboto Light"/>
+                <a:ea typeface="Roboto Light"/>
+                <a:cs typeface="Roboto Light"/>
+                <a:sym typeface="Roboto Light"/>
+              </a:defRPr>
+            </a:pPr>
+            <a:endParaRPr dirty="0">
+              <a:latin typeface="Calibri Light" panose="020F0302020204030204" pitchFamily="34" charset="0"/>
+              <a:cs typeface="Calibri Light" panose="020F0302020204030204" pitchFamily="34" charset="0"/>
+            </a:endParaRPr>
+          </a:p>
+        </p:txBody>
+      </p:sp>
+      <p:sp>
+        <p:nvSpPr>
+          <p:cNvPr id="9" name="object 2"/>
+          <p:cNvSpPr txBox="1"/>
+          <p:nvPr/>
+        </p:nvSpPr>
+        <p:spPr>
+          <a:xfrm>
+            <a:off x="2747377" y="4001648"/>
+            <a:ext cx="16989682" cy="1789401"/>
+          </a:xfrm>
+          <a:prstGeom prst="rect">
+            <a:avLst/>
+          </a:prstGeom>
+          <a:ln w="12700">
+            <a:miter lim="400000"/>
+          </a:ln>
+          <a:extLst>
+            <a:ext uri="{C572A759-6A51-4108-AA02-DFA0A04FC94B}">
+              <ma14:wrappingTextBoxFlag xmlns:ma14="http://schemas.microsoft.com/office/mac/drawingml/2011/main" xmlns:a14="http://schemas.microsoft.com/office/drawing/2010/main" xmlns:m="http://schemas.openxmlformats.org/officeDocument/2006/math" xmlns="" val="1"/>
+            </a:ext>
+          </a:extLst>
+        </p:spPr>
+        <p:txBody>
+          <a:bodyPr lIns="0" tIns="0" rIns="0" bIns="0">
+            <a:spAutoFit/>
+          </a:bodyPr>
+          <a:lstStyle>
+            <a:lvl1pPr marL="127000" marR="5080" indent="-114935">
+              <a:lnSpc>
+                <a:spcPts val="11600"/>
+              </a:lnSpc>
+              <a:spcBef>
+                <a:spcPts val="2800"/>
+              </a:spcBef>
+              <a:defRPr sz="7200">
+                <a:solidFill>
+                  <a:srgbClr val="990000"/>
+                </a:solidFill>
+              </a:defRPr>
+            </a:lvl1pPr>
+          </a:lstStyle>
+          <a:p>
+            <a:r>
+              <a:rPr lang="en-US" sz="19900" dirty="0" smtClean="0">
+                <a:latin typeface="+mj-lt"/>
+                <a:cs typeface="Calibri Light" panose="020F0302020204030204" pitchFamily="34" charset="0"/>
+              </a:rPr>
+              <a:t>Rent vs. Buy?</a:t>
+            </a:r>
+            <a:endParaRPr sz="19900" dirty="0">
+              <a:latin typeface="+mj-lt"/>
+              <a:cs typeface="Calibri Light" panose="020F0302020204030204" pitchFamily="34" charset="0"/>
+            </a:endParaRPr>
+          </a:p>
+        </p:txBody>
+      </p:sp>
+    </p:spTree>
+    <p:extLst>
+      <p:ext uri="{BB962C8B-B14F-4D97-AF65-F5344CB8AC3E}">
+        <p14:creationId xmlns:p14="http://schemas.microsoft.com/office/powerpoint/2010/main" val="1851512041"/>
+      </p:ext>
+    </p:extLst>
+  </p:cSld>
+  <p:clrMapOvr>
+    <a:masterClrMapping/>
+  </p:clrMapOvr>
+  <mc:AlternateContent xmlns:mc="http://schemas.openxmlformats.org/markup-compatibility/2006">
+    <mc:Choice xmlns:p15="http://schemas.microsoft.com/office/powerpoint/2012/main" Requires="p15">
+      <p:transition xmlns:p14="http://schemas.microsoft.com/office/powerpoint/2010/main" spd="slow" p14:dur="2000">
+        <p15:prstTrans prst="crush"/>
+      </p:transition>
+    </mc:Choice>
+    <mc:Fallback>
+      <p:transition spd="slow">
+        <p:fade/>
+      </p:transition>
+    </mc:Fallback>
+  </mc:AlternateContent>
+  <p:timing>
+    <p:tnLst>
+      <p:par>
+        <p:cTn id="1" dur="indefinite" restart="never" nodeType="tmRoot"/>
+      </p:par>
+    </p:tnLst>
+  </p:timing>
+</p:sld>
+</file>
+
+<file path=ppt/slides/slide8.xml><?xml version="1.0" encoding="utf-8"?>
+<p:sld xmlns:a="http://schemas.openxmlformats.org/drawingml/2006/main" xmlns:r="http://schemas.openxmlformats.org/officeDocument/2006/relationships" xmlns:p="http://schemas.openxmlformats.org/presentationml/2006/main">
+  <p:cSld>
+    <p:spTree>
+      <p:nvGrpSpPr>
+        <p:cNvPr id="1" name=""/>
+        <p:cNvGrpSpPr/>
+        <p:nvPr/>
+      </p:nvGrpSpPr>
+      <p:grpSpPr>
+        <a:xfrm>
+          <a:off x="0" y="0"/>
+          <a:ext cx="0" cy="0"/>
+          <a:chOff x="0" y="0"/>
+          <a:chExt cx="0" cy="0"/>
+        </a:xfrm>
+      </p:grpSpPr>
+      <p:pic>
+        <p:nvPicPr>
+          <p:cNvPr id="5" name="Picture 4"/>
+          <p:cNvPicPr>
+            <a:picLocks noChangeAspect="1"/>
+          </p:cNvPicPr>
+          <p:nvPr/>
+        </p:nvPicPr>
+        <p:blipFill>
+          <a:blip r:embed="rId2"/>
+          <a:stretch>
+            <a:fillRect/>
+          </a:stretch>
+        </p:blipFill>
+        <p:spPr>
+          <a:xfrm>
+            <a:off x="1084262" y="8025186"/>
+            <a:ext cx="17935575" cy="2962275"/>
+          </a:xfrm>
+          <a:prstGeom prst="rect">
+            <a:avLst/>
+          </a:prstGeom>
+        </p:spPr>
+      </p:pic>
+      <p:pic>
+        <p:nvPicPr>
+          <p:cNvPr id="3" name="Picture 2"/>
+          <p:cNvPicPr>
+            <a:picLocks noChangeAspect="1"/>
+          </p:cNvPicPr>
+          <p:nvPr/>
+        </p:nvPicPr>
+        <p:blipFill>
+          <a:blip r:embed="rId3">
+            <a:extLst>
+              <a:ext uri="{28A0092B-C50C-407E-A947-70E740481C1C}">
+                <a14:useLocalDpi xmlns:a14="http://schemas.microsoft.com/office/drawing/2010/main" val="0"/>
+              </a:ext>
+            </a:extLst>
+          </a:blip>
+          <a:stretch>
+            <a:fillRect/>
+          </a:stretch>
+        </p:blipFill>
+        <p:spPr>
+          <a:xfrm>
+            <a:off x="3168879" y="365501"/>
+            <a:ext cx="12395375" cy="9709344"/>
+          </a:xfrm>
+          <a:prstGeom prst="rect">
+            <a:avLst/>
+          </a:prstGeom>
+        </p:spPr>
+      </p:pic>
+      <p:pic>
+        <p:nvPicPr>
+          <p:cNvPr id="7" name="Picture 6"/>
+          <p:cNvPicPr>
+            <a:picLocks noChangeAspect="1"/>
+          </p:cNvPicPr>
+          <p:nvPr/>
+        </p:nvPicPr>
+        <p:blipFill>
+          <a:blip r:embed="rId4"/>
+          <a:stretch>
+            <a:fillRect/>
+          </a:stretch>
+        </p:blipFill>
+        <p:spPr>
+          <a:xfrm>
+            <a:off x="16320035" y="1526699"/>
+            <a:ext cx="1944021" cy="1926104"/>
+          </a:xfrm>
+          <a:prstGeom prst="rect">
+            <a:avLst/>
+          </a:prstGeom>
+        </p:spPr>
+      </p:pic>
+      <p:sp>
+        <p:nvSpPr>
+          <p:cNvPr id="2" name="Striped Right Arrow 1"/>
+          <p:cNvSpPr/>
+          <p:nvPr/>
+        </p:nvSpPr>
+        <p:spPr>
+          <a:xfrm>
+            <a:off x="531235" y="6918954"/>
+            <a:ext cx="3190672" cy="992221"/>
+          </a:xfrm>
+          <a:prstGeom prst="stripedRightArrow">
+            <a:avLst/>
+          </a:prstGeom>
+          <a:solidFill>
+            <a:srgbClr val="FFFFFF"/>
+          </a:solidFill>
+          <a:ln w="25400" cap="flat">
+            <a:solidFill>
+              <a:schemeClr val="accent1"/>
+            </a:solidFill>
+            <a:prstDash val="solid"/>
+            <a:round/>
+          </a:ln>
+          <a:effectLst>
+            <a:outerShdw blurRad="38100" dist="23000" dir="5400000" rotWithShape="0">
+              <a:srgbClr val="000000">
+                <a:alpha val="35000"/>
+              </a:srgbClr>
+            </a:outerShdw>
+          </a:effectLst>
+          <a:sp3d/>
+        </p:spPr>
+        <p:style>
+          <a:lnRef idx="0">
+            <a:scrgbClr r="0" g="0" b="0"/>
+          </a:lnRef>
+          <a:fillRef idx="0">
+            <a:scrgbClr r="0" g="0" b="0"/>
+          </a:fillRef>
+          <a:effectRef idx="0">
+            <a:scrgbClr r="0" g="0" b="0"/>
+          </a:effectRef>
+          <a:fontRef idx="none"/>
+        </p:style>
+        <p:txBody>
+          <a:bodyPr rot="0" spcFirstLastPara="1" vertOverflow="overflow" horzOverflow="overflow" vert="horz" wrap="square" lIns="45719" tIns="45719" rIns="45719" bIns="45719" numCol="1" spcCol="38100" rtlCol="0" anchor="ctr">
+            <a:spAutoFit/>
+          </a:bodyPr>
+          <a:lstStyle/>
+          <a:p>
+            <a:pPr marL="0" marR="0" indent="0" algn="l" defTabSz="914400" rtl="0" fontAlgn="auto" latinLnBrk="0" hangingPunct="0">
+              <a:lnSpc>
+                <a:spcPct val="100000"/>
+              </a:lnSpc>
+              <a:spcBef>
+                <a:spcPts val="0"/>
+              </a:spcBef>
+              <a:spcAft>
+                <a:spcPts val="0"/>
+              </a:spcAft>
+              <a:buClrTx/>
+              <a:buSzTx/>
+              <a:buFontTx/>
+              <a:buNone/>
+              <a:tabLst/>
+            </a:pPr>
+            <a:endParaRPr kumimoji="0" lang="en-US" sz="1800" b="0" i="0" u="none" strike="noStrike" cap="none" spc="0" normalizeH="0" baseline="0">
+              <a:ln>
+                <a:noFill/>
+              </a:ln>
+              <a:solidFill>
+                <a:srgbClr val="000000"/>
+              </a:solidFill>
+              <a:effectLst/>
+              <a:uFillTx/>
+              <a:latin typeface="+mj-lt"/>
+              <a:ea typeface="+mj-ea"/>
+              <a:cs typeface="+mj-cs"/>
+              <a:sym typeface="Roboto Thin"/>
+            </a:endParaRPr>
+          </a:p>
+        </p:txBody>
+      </p:sp>
+    </p:spTree>
+    <p:extLst>
+      <p:ext uri="{BB962C8B-B14F-4D97-AF65-F5344CB8AC3E}">
+        <p14:creationId xmlns:p14="http://schemas.microsoft.com/office/powerpoint/2010/main" val="1290321715"/>
+      </p:ext>
+    </p:extLst>
+  </p:cSld>
+  <p:clrMapOvr>
+    <a:masterClrMapping/>
+  </p:clrMapOvr>
+  <p:transition spd="med"/>
+  <p:timing>
+    <p:tnLst>
+      <p:par>
+        <p:cTn id="1" dur="indefinite" restart="never" nodeType="tmRoot"/>
+      </p:par>
+    </p:tnLst>
+  </p:timing>
+</p:sld>
+</file>
+
+<file path=ppt/slides/slide9.xml><?xml version="1.0" encoding="utf-8"?>
+<p:sld xmlns:a="http://schemas.openxmlformats.org/drawingml/2006/main" xmlns:r="http://schemas.openxmlformats.org/officeDocument/2006/relationships" xmlns:p="http://schemas.openxmlformats.org/presentationml/2006/main">
+  <p:cSld>
+    <p:spTree>
+      <p:nvGrpSpPr>
+        <p:cNvPr id="1" name=""/>
+        <p:cNvGrpSpPr/>
+        <p:nvPr/>
+      </p:nvGrpSpPr>
+      <p:grpSpPr>
+        <a:xfrm>
+          <a:off x="0" y="0"/>
+          <a:ext cx="0" cy="0"/>
+          <a:chOff x="0" y="0"/>
+          <a:chExt cx="0" cy="0"/>
+        </a:xfrm>
+      </p:grpSpPr>
+      <p:pic>
+        <p:nvPicPr>
+          <p:cNvPr id="5" name="Picture 4"/>
+          <p:cNvPicPr>
+            <a:picLocks noChangeAspect="1"/>
+          </p:cNvPicPr>
+          <p:nvPr/>
+        </p:nvPicPr>
+        <p:blipFill>
+          <a:blip r:embed="rId2"/>
+          <a:stretch>
+            <a:fillRect/>
+          </a:stretch>
+        </p:blipFill>
+        <p:spPr>
+          <a:xfrm>
+            <a:off x="1084262" y="8025186"/>
+            <a:ext cx="17935575" cy="2962275"/>
+          </a:xfrm>
+          <a:prstGeom prst="rect">
+            <a:avLst/>
+          </a:prstGeom>
+        </p:spPr>
+      </p:pic>
+      <p:pic>
+        <p:nvPicPr>
+          <p:cNvPr id="7" name="Picture 6"/>
+          <p:cNvPicPr>
+            <a:picLocks noChangeAspect="1"/>
+          </p:cNvPicPr>
+          <p:nvPr/>
+        </p:nvPicPr>
+        <p:blipFill>
+          <a:blip r:embed="rId3"/>
+          <a:stretch>
+            <a:fillRect/>
+          </a:stretch>
+        </p:blipFill>
+        <p:spPr>
+          <a:xfrm>
+            <a:off x="16418779" y="1254324"/>
+            <a:ext cx="1944021" cy="1926104"/>
+          </a:xfrm>
+          <a:prstGeom prst="rect">
+            <a:avLst/>
+          </a:prstGeom>
+        </p:spPr>
+      </p:pic>
+      <p:pic>
+        <p:nvPicPr>
+          <p:cNvPr id="4" name="Picture 3"/>
+          <p:cNvPicPr>
+            <a:picLocks noChangeAspect="1"/>
+          </p:cNvPicPr>
+          <p:nvPr/>
+        </p:nvPicPr>
+        <p:blipFill>
+          <a:blip r:embed="rId4">
+            <a:extLst>
+              <a:ext uri="{28A0092B-C50C-407E-A947-70E740481C1C}">
+                <a14:useLocalDpi xmlns:a14="http://schemas.microsoft.com/office/drawing/2010/main" val="0"/>
+              </a:ext>
+            </a:extLst>
+          </a:blip>
+          <a:stretch>
+            <a:fillRect/>
+          </a:stretch>
+        </p:blipFill>
+        <p:spPr>
+          <a:xfrm>
+            <a:off x="2676784" y="762953"/>
+            <a:ext cx="13084959" cy="9048804"/>
+          </a:xfrm>
+          <a:prstGeom prst="rect">
+            <a:avLst/>
+          </a:prstGeom>
+        </p:spPr>
+      </p:pic>
+    </p:spTree>
+    <p:extLst>
+      <p:ext uri="{BB962C8B-B14F-4D97-AF65-F5344CB8AC3E}">
+        <p14:creationId xmlns:p14="http://schemas.microsoft.com/office/powerpoint/2010/main" val="2875720002"/>
+      </p:ext>
+    </p:extLst>
+  </p:cSld>
+  <p:clrMapOvr>
+    <a:masterClrMapping/>
+  </p:clrMapOvr>
+  <mc:AlternateContent xmlns:mc="http://schemas.openxmlformats.org/markup-compatibility/2006">
+    <mc:Choice xmlns:p14="http://schemas.microsoft.com/office/powerpoint/2010/main" Requires="p14">
+      <p:transition spd="slow" p14:dur="800">
+        <p14:flythrough/>
+      </p:transition>
+    </mc:Choice>
+    <mc:Fallback>
       <p:transition spd="slow">
         <p:fade/>
       </p:transition>
@@ -8409,16 +10205,76 @@
         <a:srgbClr val="FF00FF"/>
       </a:folHlink>
     </a:clrScheme>
-    <a:fontScheme name="Office Theme">
+    <a:fontScheme name="Calibri">
       <a:majorFont>
-        <a:latin typeface="Roboto Thin"/>
-        <a:ea typeface="Roboto Thin"/>
-        <a:cs typeface="Roboto Thin"/>
+        <a:latin typeface="Calibri" panose="020F0502020204030204"/>
+        <a:ea typeface=""/>
+        <a:cs typeface=""/>
+        <a:font script="Jpan" typeface="メイリオ"/>
+        <a:font script="Hang" typeface="맑은 고딕"/>
+        <a:font script="Hans" typeface="宋体"/>
+        <a:font script="Hant" typeface="新細明體"/>
+        <a:font script="Arab" typeface="Arial"/>
+        <a:font script="Hebr" typeface="Arial"/>
+        <a:font script="Thai" typeface="Cordia New"/>
+        <a:font script="Ethi" typeface="Nyala"/>
+        <a:font script="Beng" typeface="Vrinda"/>
+        <a:font script="Gujr" typeface="Shruti"/>
+        <a:font script="Khmr" typeface="DaunPenh"/>
+        <a:font script="Knda" typeface="Tunga"/>
+        <a:font script="Guru" typeface="Raavi"/>
+        <a:font script="Cans" typeface="Euphemia"/>
+        <a:font script="Cher" typeface="Plantagenet Cherokee"/>
+        <a:font script="Yiii" typeface="Microsoft Yi Baiti"/>
+        <a:font script="Tibt" typeface="Microsoft Himalaya"/>
+        <a:font script="Thaa" typeface="MV Boli"/>
+        <a:font script="Deva" typeface="Mangal"/>
+        <a:font script="Telu" typeface="Gautami"/>
+        <a:font script="Taml" typeface="Latha"/>
+        <a:font script="Syrc" typeface="Estrangelo Edessa"/>
+        <a:font script="Orya" typeface="Kalinga"/>
+        <a:font script="Mlym" typeface="Kartika"/>
+        <a:font script="Laoo" typeface="DokChampa"/>
+        <a:font script="Sinh" typeface="Iskoola Pota"/>
+        <a:font script="Mong" typeface="Mongolian Baiti"/>
+        <a:font script="Viet" typeface="Tahoma"/>
+        <a:font script="Uigh" typeface="Microsoft Uighur"/>
+        <a:font script="Geor" typeface="Sylfaen"/>
       </a:majorFont>
       <a:minorFont>
-        <a:latin typeface="Helvetica"/>
-        <a:ea typeface="Helvetica"/>
-        <a:cs typeface="Helvetica"/>
+        <a:latin typeface="Calibri" panose="020F0502020204030204"/>
+        <a:ea typeface=""/>
+        <a:cs typeface=""/>
+        <a:font script="Jpan" typeface="メイリオ"/>
+        <a:font script="Hang" typeface="맑은 고딕"/>
+        <a:font script="Hans" typeface="宋体"/>
+        <a:font script="Hant" typeface="新細明體"/>
+        <a:font script="Arab" typeface="Arial"/>
+        <a:font script="Hebr" typeface="Arial"/>
+        <a:font script="Thai" typeface="Cordia New"/>
+        <a:font script="Ethi" typeface="Nyala"/>
+        <a:font script="Beng" typeface="Vrinda"/>
+        <a:font script="Gujr" typeface="Shruti"/>
+        <a:font script="Khmr" typeface="DaunPenh"/>
+        <a:font script="Knda" typeface="Tunga"/>
+        <a:font script="Guru" typeface="Raavi"/>
+        <a:font script="Cans" typeface="Euphemia"/>
+        <a:font script="Cher" typeface="Plantagenet Cherokee"/>
+        <a:font script="Yiii" typeface="Microsoft Yi Baiti"/>
+        <a:font script="Tibt" typeface="Microsoft Himalaya"/>
+        <a:font script="Thaa" typeface="MV Boli"/>
+        <a:font script="Deva" typeface="Mangal"/>
+        <a:font script="Telu" typeface="Gautami"/>
+        <a:font script="Taml" typeface="Latha"/>
+        <a:font script="Syrc" typeface="Estrangelo Edessa"/>
+        <a:font script="Orya" typeface="Kalinga"/>
+        <a:font script="Mlym" typeface="Kartika"/>
+        <a:font script="Laoo" typeface="DokChampa"/>
+        <a:font script="Sinh" typeface="Iskoola Pota"/>
+        <a:font script="Mong" typeface="Mongolian Baiti"/>
+        <a:font script="Viet" typeface="Tahoma"/>
+        <a:font script="Uigh" typeface="Microsoft Uighur"/>
+        <a:font script="Geor" typeface="Sylfaen"/>
       </a:minorFont>
     </a:fontScheme>
     <a:fmtScheme name="Office Theme">

--- a/RealEstate_Presentation.pptx
+++ b/RealEstate_Presentation.pptx
@@ -619,7 +619,7 @@
           </a:ln>
           <a:extLst>
             <a:ext uri="{C572A759-6A51-4108-AA02-DFA0A04FC94B}">
-              <ma14:wrappingTextBoxFlag xmlns:ma14="http://schemas.microsoft.com/office/mac/drawingml/2011/main" xmlns:a14="http://schemas.microsoft.com/office/drawing/2010/main" xmlns:m="http://schemas.openxmlformats.org/officeDocument/2006/math" xmlns="" val="1"/>
+              <ma14:wrappingTextBoxFlag xmlns="" xmlns:m="http://schemas.openxmlformats.org/officeDocument/2006/math" xmlns:a14="http://schemas.microsoft.com/office/drawing/2010/main" xmlns:ma14="http://schemas.microsoft.com/office/mac/drawingml/2011/main" val="1"/>
             </a:ext>
           </a:extLst>
         </p:spPr>
@@ -3036,7 +3036,7 @@
           </a:ln>
           <a:extLst>
             <a:ext uri="{C572A759-6A51-4108-AA02-DFA0A04FC94B}">
-              <ma14:wrappingTextBoxFlag xmlns:ma14="http://schemas.microsoft.com/office/mac/drawingml/2011/main" xmlns:a14="http://schemas.microsoft.com/office/drawing/2010/main" xmlns:m="http://schemas.openxmlformats.org/officeDocument/2006/math" xmlns="" val="1"/>
+              <ma14:wrappingTextBoxFlag xmlns="" xmlns:m="http://schemas.openxmlformats.org/officeDocument/2006/math" xmlns:a14="http://schemas.microsoft.com/office/drawing/2010/main" xmlns:ma14="http://schemas.microsoft.com/office/mac/drawingml/2011/main" val="1"/>
             </a:ext>
           </a:extLst>
         </p:spPr>
@@ -3079,7 +3079,7 @@
           </a:ln>
           <a:extLst>
             <a:ext uri="{C572A759-6A51-4108-AA02-DFA0A04FC94B}">
-              <ma14:wrappingTextBoxFlag xmlns:ma14="http://schemas.microsoft.com/office/mac/drawingml/2011/main" xmlns:a14="http://schemas.microsoft.com/office/drawing/2010/main" xmlns:m="http://schemas.openxmlformats.org/officeDocument/2006/math" xmlns="" val="1"/>
+              <ma14:wrappingTextBoxFlag xmlns="" xmlns:m="http://schemas.openxmlformats.org/officeDocument/2006/math" xmlns:a14="http://schemas.microsoft.com/office/drawing/2010/main" xmlns:ma14="http://schemas.microsoft.com/office/mac/drawingml/2011/main" val="1"/>
             </a:ext>
           </a:extLst>
         </p:spPr>
@@ -3122,7 +3122,7 @@
           </a:ln>
           <a:extLst>
             <a:ext uri="{C572A759-6A51-4108-AA02-DFA0A04FC94B}">
-              <ma14:wrappingTextBoxFlag xmlns:ma14="http://schemas.microsoft.com/office/mac/drawingml/2011/main" xmlns:a14="http://schemas.microsoft.com/office/drawing/2010/main" xmlns:m="http://schemas.openxmlformats.org/officeDocument/2006/math" xmlns="" val="1"/>
+              <ma14:wrappingTextBoxFlag xmlns="" xmlns:m="http://schemas.openxmlformats.org/officeDocument/2006/math" xmlns:a14="http://schemas.microsoft.com/office/drawing/2010/main" xmlns:ma14="http://schemas.microsoft.com/office/mac/drawingml/2011/main" val="1"/>
             </a:ext>
           </a:extLst>
         </p:spPr>
@@ -3172,7 +3172,7 @@
           </a:ln>
           <a:extLst>
             <a:ext uri="{C572A759-6A51-4108-AA02-DFA0A04FC94B}">
-              <ma14:wrappingTextBoxFlag xmlns:ma14="http://schemas.microsoft.com/office/mac/drawingml/2011/main" xmlns:a14="http://schemas.microsoft.com/office/drawing/2010/main" xmlns:m="http://schemas.openxmlformats.org/officeDocument/2006/math" xmlns="" val="1"/>
+              <ma14:wrappingTextBoxFlag xmlns="" xmlns:m="http://schemas.openxmlformats.org/officeDocument/2006/math" xmlns:a14="http://schemas.microsoft.com/office/drawing/2010/main" xmlns:ma14="http://schemas.microsoft.com/office/mac/drawingml/2011/main" val="1"/>
             </a:ext>
           </a:extLst>
         </p:spPr>
@@ -3430,7 +3430,7 @@
             <a:effectLst/>
             <a:extLst>
               <a:ext uri="{C572A759-6A51-4108-AA02-DFA0A04FC94B}">
-                <ma14:wrappingTextBoxFlag xmlns:ma14="http://schemas.microsoft.com/office/mac/drawingml/2011/main" xmlns:a14="http://schemas.microsoft.com/office/drawing/2010/main" xmlns:m="http://schemas.openxmlformats.org/officeDocument/2006/math" xmlns="" val="1"/>
+                <ma14:wrappingTextBoxFlag xmlns="" xmlns:m="http://schemas.openxmlformats.org/officeDocument/2006/math" xmlns:a14="http://schemas.microsoft.com/office/drawing/2010/main" xmlns:ma14="http://schemas.microsoft.com/office/mac/drawingml/2011/main" val="1"/>
               </a:ext>
             </a:extLst>
           </p:spPr>
@@ -3690,7 +3690,7 @@
             <a:effectLst/>
             <a:extLst>
               <a:ext uri="{C572A759-6A51-4108-AA02-DFA0A04FC94B}">
-                <ma14:wrappingTextBoxFlag xmlns:ma14="http://schemas.microsoft.com/office/mac/drawingml/2011/main" xmlns:a14="http://schemas.microsoft.com/office/drawing/2010/main" xmlns:m="http://schemas.openxmlformats.org/officeDocument/2006/math" xmlns="" val="1"/>
+                <ma14:wrappingTextBoxFlag xmlns="" xmlns:m="http://schemas.openxmlformats.org/officeDocument/2006/math" xmlns:a14="http://schemas.microsoft.com/office/drawing/2010/main" xmlns:ma14="http://schemas.microsoft.com/office/mac/drawingml/2011/main" val="1"/>
               </a:ext>
             </a:extLst>
           </p:spPr>
@@ -3812,7 +3812,7 @@
             <a:effectLst/>
             <a:extLst>
               <a:ext uri="{C572A759-6A51-4108-AA02-DFA0A04FC94B}">
-                <ma14:wrappingTextBoxFlag xmlns:ma14="http://schemas.microsoft.com/office/mac/drawingml/2011/main" xmlns:a14="http://schemas.microsoft.com/office/drawing/2010/main" xmlns:m="http://schemas.openxmlformats.org/officeDocument/2006/math" xmlns="" val="1"/>
+                <ma14:wrappingTextBoxFlag xmlns="" xmlns:m="http://schemas.openxmlformats.org/officeDocument/2006/math" xmlns:a14="http://schemas.microsoft.com/office/drawing/2010/main" xmlns:ma14="http://schemas.microsoft.com/office/mac/drawingml/2011/main" val="1"/>
               </a:ext>
             </a:extLst>
           </p:spPr>
@@ -4103,7 +4103,7 @@
           </a:ln>
           <a:extLst>
             <a:ext uri="{C572A759-6A51-4108-AA02-DFA0A04FC94B}">
-              <ma14:wrappingTextBoxFlag xmlns:ma14="http://schemas.microsoft.com/office/mac/drawingml/2011/main" xmlns:a14="http://schemas.microsoft.com/office/drawing/2010/main" xmlns:m="http://schemas.openxmlformats.org/officeDocument/2006/math" xmlns="" val="1"/>
+              <ma14:wrappingTextBoxFlag xmlns="" xmlns:m="http://schemas.openxmlformats.org/officeDocument/2006/math" xmlns:a14="http://schemas.microsoft.com/office/drawing/2010/main" xmlns:ma14="http://schemas.microsoft.com/office/mac/drawingml/2011/main" val="1"/>
             </a:ext>
           </a:extLst>
         </p:spPr>
@@ -4267,7 +4267,7 @@
           </a:ln>
           <a:extLst>
             <a:ext uri="{C572A759-6A51-4108-AA02-DFA0A04FC94B}">
-              <ma14:wrappingTextBoxFlag xmlns:ma14="http://schemas.microsoft.com/office/mac/drawingml/2011/main" xmlns:a14="http://schemas.microsoft.com/office/drawing/2010/main" xmlns:m="http://schemas.openxmlformats.org/officeDocument/2006/math" xmlns="" val="1"/>
+              <ma14:wrappingTextBoxFlag xmlns="" xmlns:m="http://schemas.openxmlformats.org/officeDocument/2006/math" xmlns:a14="http://schemas.microsoft.com/office/drawing/2010/main" xmlns:ma14="http://schemas.microsoft.com/office/mac/drawingml/2011/main" val="1"/>
             </a:ext>
           </a:extLst>
         </p:spPr>
@@ -4304,7 +4304,7 @@
           </a:ln>
           <a:extLst>
             <a:ext uri="{C572A759-6A51-4108-AA02-DFA0A04FC94B}">
-              <ma14:wrappingTextBoxFlag xmlns:ma14="http://schemas.microsoft.com/office/mac/drawingml/2011/main" xmlns:a14="http://schemas.microsoft.com/office/drawing/2010/main" xmlns:m="http://schemas.openxmlformats.org/officeDocument/2006/math" xmlns="" val="1"/>
+              <ma14:wrappingTextBoxFlag xmlns="" xmlns:m="http://schemas.openxmlformats.org/officeDocument/2006/math" xmlns:a14="http://schemas.microsoft.com/office/drawing/2010/main" xmlns:ma14="http://schemas.microsoft.com/office/mac/drawingml/2011/main" val="1"/>
             </a:ext>
           </a:extLst>
         </p:spPr>
@@ -5286,7 +5286,7 @@
           </a:ln>
           <a:extLst>
             <a:ext uri="{C572A759-6A51-4108-AA02-DFA0A04FC94B}">
-              <ma14:wrappingTextBoxFlag xmlns:ma14="http://schemas.microsoft.com/office/mac/drawingml/2011/main" xmlns:a14="http://schemas.microsoft.com/office/drawing/2010/main" xmlns:m="http://schemas.openxmlformats.org/officeDocument/2006/math" xmlns="" val="1"/>
+              <ma14:wrappingTextBoxFlag xmlns="" xmlns:m="http://schemas.openxmlformats.org/officeDocument/2006/math" xmlns:a14="http://schemas.microsoft.com/office/drawing/2010/main" xmlns:ma14="http://schemas.microsoft.com/office/mac/drawingml/2011/main" val="1"/>
             </a:ext>
           </a:extLst>
         </p:spPr>
@@ -5773,7 +5773,7 @@
           </a:ln>
           <a:extLst>
             <a:ext uri="{C572A759-6A51-4108-AA02-DFA0A04FC94B}">
-              <ma14:wrappingTextBoxFlag xmlns:ma14="http://schemas.microsoft.com/office/mac/drawingml/2011/main" xmlns:a14="http://schemas.microsoft.com/office/drawing/2010/main" xmlns:m="http://schemas.openxmlformats.org/officeDocument/2006/math" xmlns="" val="1"/>
+              <ma14:wrappingTextBoxFlag xmlns="" xmlns:m="http://schemas.openxmlformats.org/officeDocument/2006/math" xmlns:a14="http://schemas.microsoft.com/office/drawing/2010/main" xmlns:ma14="http://schemas.microsoft.com/office/mac/drawingml/2011/main" val="1"/>
             </a:ext>
           </a:extLst>
         </p:spPr>
@@ -5955,13 +5955,13 @@
   <p:clrMapOvr>
     <a:masterClrMapping/>
   </p:clrMapOvr>
-  <mc:AlternateContent xmlns:mc="http://schemas.openxmlformats.org/markup-compatibility/2006">
-    <mc:Choice xmlns:p14="http://schemas.microsoft.com/office/powerpoint/2010/main" Requires="p14">
+  <mc:AlternateContent xmlns:mc="http://schemas.openxmlformats.org/markup-compatibility/2006" xmlns:p14="http://schemas.microsoft.com/office/powerpoint/2010/main">
+    <mc:Choice Requires="p14">
       <p:transition p14:dur="100">
         <p:cut/>
       </p:transition>
     </mc:Choice>
-    <mc:Fallback>
+    <mc:Fallback xmlns="">
       <p:transition>
         <p:cut/>
       </p:transition>
@@ -6284,13 +6284,13 @@
   <p:clrMapOvr>
     <a:masterClrMapping/>
   </p:clrMapOvr>
-  <mc:AlternateContent xmlns:mc="http://schemas.openxmlformats.org/markup-compatibility/2006">
-    <mc:Choice xmlns:p14="http://schemas.microsoft.com/office/powerpoint/2010/main" Requires="p14">
+  <mc:AlternateContent xmlns:mc="http://schemas.openxmlformats.org/markup-compatibility/2006" xmlns:p14="http://schemas.microsoft.com/office/powerpoint/2010/main">
+    <mc:Choice Requires="p14">
       <p:transition spd="slow" p14:dur="800">
         <p14:flythrough/>
       </p:transition>
     </mc:Choice>
-    <mc:Fallback>
+    <mc:Fallback xmlns="">
       <p:transition spd="slow">
         <p:fade/>
       </p:transition>
@@ -6467,7 +6467,7 @@
           </a:ln>
           <a:extLst>
             <a:ext uri="{C572A759-6A51-4108-AA02-DFA0A04FC94B}">
-              <ma14:wrappingTextBoxFlag xmlns:ma14="http://schemas.microsoft.com/office/mac/drawingml/2011/main" xmlns:a14="http://schemas.microsoft.com/office/drawing/2010/main" xmlns:m="http://schemas.openxmlformats.org/officeDocument/2006/math" xmlns="" val="1"/>
+              <ma14:wrappingTextBoxFlag xmlns="" xmlns:m="http://schemas.openxmlformats.org/officeDocument/2006/math" xmlns:a14="http://schemas.microsoft.com/office/drawing/2010/main" xmlns:ma14="http://schemas.microsoft.com/office/mac/drawingml/2011/main" val="1"/>
             </a:ext>
           </a:extLst>
         </p:spPr>
@@ -6593,7 +6593,7 @@
           </a:ln>
           <a:extLst>
             <a:ext uri="{C572A759-6A51-4108-AA02-DFA0A04FC94B}">
-              <ma14:wrappingTextBoxFlag xmlns:ma14="http://schemas.microsoft.com/office/mac/drawingml/2011/main" xmlns:a14="http://schemas.microsoft.com/office/drawing/2010/main" xmlns:m="http://schemas.openxmlformats.org/officeDocument/2006/math" xmlns="" val="1"/>
+              <ma14:wrappingTextBoxFlag xmlns="" xmlns:m="http://schemas.openxmlformats.org/officeDocument/2006/math" xmlns:a14="http://schemas.microsoft.com/office/drawing/2010/main" xmlns:ma14="http://schemas.microsoft.com/office/mac/drawingml/2011/main" val="1"/>
             </a:ext>
           </a:extLst>
         </p:spPr>
@@ -6835,7 +6835,7 @@
           </a:ln>
           <a:extLst>
             <a:ext uri="{C572A759-6A51-4108-AA02-DFA0A04FC94B}">
-              <ma14:wrappingTextBoxFlag xmlns:ma14="http://schemas.microsoft.com/office/mac/drawingml/2011/main" xmlns:a14="http://schemas.microsoft.com/office/drawing/2010/main" xmlns:m="http://schemas.openxmlformats.org/officeDocument/2006/math" xmlns="" val="1"/>
+              <ma14:wrappingTextBoxFlag xmlns="" xmlns:m="http://schemas.openxmlformats.org/officeDocument/2006/math" xmlns:a14="http://schemas.microsoft.com/office/drawing/2010/main" xmlns:ma14="http://schemas.microsoft.com/office/mac/drawingml/2011/main" val="1"/>
             </a:ext>
           </a:extLst>
         </p:spPr>
@@ -6948,7 +6948,7 @@
           </a:ln>
           <a:extLst>
             <a:ext uri="{C572A759-6A51-4108-AA02-DFA0A04FC94B}">
-              <ma14:wrappingTextBoxFlag xmlns:ma14="http://schemas.microsoft.com/office/mac/drawingml/2011/main" xmlns:a14="http://schemas.microsoft.com/office/drawing/2010/main" xmlns:m="http://schemas.openxmlformats.org/officeDocument/2006/math" xmlns="" val="1"/>
+              <ma14:wrappingTextBoxFlag xmlns="" xmlns:m="http://schemas.openxmlformats.org/officeDocument/2006/math" xmlns:a14="http://schemas.microsoft.com/office/drawing/2010/main" xmlns:ma14="http://schemas.microsoft.com/office/mac/drawingml/2011/main" val="1"/>
             </a:ext>
           </a:extLst>
         </p:spPr>
@@ -7587,7 +7587,7 @@
           </a:ln>
           <a:extLst>
             <a:ext uri="{C572A759-6A51-4108-AA02-DFA0A04FC94B}">
-              <ma14:wrappingTextBoxFlag xmlns:ma14="http://schemas.microsoft.com/office/mac/drawingml/2011/main" xmlns:a14="http://schemas.microsoft.com/office/drawing/2010/main" xmlns:m="http://schemas.openxmlformats.org/officeDocument/2006/math" xmlns="" val="1"/>
+              <ma14:wrappingTextBoxFlag xmlns="" xmlns:m="http://schemas.openxmlformats.org/officeDocument/2006/math" xmlns:a14="http://schemas.microsoft.com/office/drawing/2010/main" xmlns:ma14="http://schemas.microsoft.com/office/mac/drawingml/2011/main" val="1"/>
             </a:ext>
           </a:extLst>
         </p:spPr>
@@ -7652,7 +7652,7 @@
         <p:dissolve/>
       </p:transition>
     </mc:Choice>
-    <mc:Fallback xmlns:a14="http://schemas.microsoft.com/office/drawing/2010/main" xmlns:m="http://schemas.openxmlformats.org/officeDocument/2006/math" xmlns="">
+    <mc:Fallback xmlns="" xmlns:m="http://schemas.openxmlformats.org/officeDocument/2006/math" xmlns:a14="http://schemas.microsoft.com/office/drawing/2010/main">
       <p:transition spd="slow">
         <p:fade/>
       </p:transition>
@@ -7751,7 +7751,7 @@
           </a:ln>
           <a:extLst>
             <a:ext uri="{C572A759-6A51-4108-AA02-DFA0A04FC94B}">
-              <ma14:wrappingTextBoxFlag xmlns="" xmlns:m="http://schemas.openxmlformats.org/officeDocument/2006/math" xmlns:a14="http://schemas.microsoft.com/office/drawing/2010/main" xmlns:ma14="http://schemas.microsoft.com/office/mac/drawingml/2011/main" val="1"/>
+              <ma14:wrappingTextBoxFlag xmlns:ma14="http://schemas.microsoft.com/office/mac/drawingml/2011/main" xmlns:a14="http://schemas.microsoft.com/office/drawing/2010/main" xmlns:m="http://schemas.openxmlformats.org/officeDocument/2006/math" xmlns="" val="1"/>
             </a:ext>
           </a:extLst>
         </p:spPr>
@@ -7913,7 +7913,7 @@
           </a:ln>
           <a:extLst>
             <a:ext uri="{C572A759-6A51-4108-AA02-DFA0A04FC94B}">
-              <ma14:wrappingTextBoxFlag xmlns:ma14="http://schemas.microsoft.com/office/mac/drawingml/2011/main" xmlns:a14="http://schemas.microsoft.com/office/drawing/2010/main" xmlns:m="http://schemas.openxmlformats.org/officeDocument/2006/math" xmlns="" val="1"/>
+              <ma14:wrappingTextBoxFlag xmlns="" xmlns:m="http://schemas.openxmlformats.org/officeDocument/2006/math" xmlns:a14="http://schemas.microsoft.com/office/drawing/2010/main" xmlns:ma14="http://schemas.microsoft.com/office/mac/drawingml/2011/main" val="1"/>
             </a:ext>
           </a:extLst>
         </p:spPr>
@@ -7956,14 +7956,7 @@
                 <a:latin typeface="+mj-lt"/>
                 <a:cs typeface="Calibri Light" panose="020F0302020204030204" pitchFamily="34" charset="0"/>
               </a:rPr>
-              <a:t>Showcase </a:t>
-            </a:r>
-            <a:r>
-              <a:rPr lang="en-US" sz="7200" dirty="0" smtClean="0">
-                <a:latin typeface="+mj-lt"/>
-                <a:cs typeface="Calibri Light" panose="020F0302020204030204" pitchFamily="34" charset="0"/>
-              </a:rPr>
-              <a:t>Visualizations</a:t>
+              <a:t>Showcase Visualizations</a:t>
             </a:r>
           </a:p>
           <a:p>
@@ -7976,14 +7969,7 @@
                 <a:latin typeface="+mj-lt"/>
                 <a:cs typeface="Calibri Light" panose="020F0302020204030204" pitchFamily="34" charset="0"/>
               </a:rPr>
-              <a:t>Overview </a:t>
-            </a:r>
-            <a:r>
-              <a:rPr lang="en-US" sz="7200" dirty="0" smtClean="0">
-                <a:latin typeface="+mj-lt"/>
-                <a:cs typeface="Calibri Light" panose="020F0302020204030204" pitchFamily="34" charset="0"/>
-              </a:rPr>
-              <a:t>of Summary</a:t>
+              <a:t>Overview of Summary</a:t>
             </a:r>
           </a:p>
         </p:txBody>
@@ -7998,13 +7984,13 @@
   <p:clrMapOvr>
     <a:masterClrMapping/>
   </p:clrMapOvr>
-  <mc:AlternateContent xmlns:mc="http://schemas.openxmlformats.org/markup-compatibility/2006">
-    <mc:Choice xmlns:p14="http://schemas.microsoft.com/office/powerpoint/2010/main" Requires="p14">
+  <mc:AlternateContent xmlns:mc="http://schemas.openxmlformats.org/markup-compatibility/2006" xmlns:p14="http://schemas.microsoft.com/office/powerpoint/2010/main">
+    <mc:Choice Requires="p14">
       <p:transition p14:dur="100">
         <p:cut/>
       </p:transition>
     </mc:Choice>
-    <mc:Fallback>
+    <mc:Fallback xmlns="">
       <p:transition>
         <p:cut/>
       </p:transition>
@@ -8181,7 +8167,7 @@
           </a:ln>
           <a:extLst>
             <a:ext uri="{C572A759-6A51-4108-AA02-DFA0A04FC94B}">
-              <ma14:wrappingTextBoxFlag xmlns:ma14="http://schemas.microsoft.com/office/mac/drawingml/2011/main" xmlns:a14="http://schemas.microsoft.com/office/drawing/2010/main" xmlns:m="http://schemas.openxmlformats.org/officeDocument/2006/math" xmlns="" val="1"/>
+              <ma14:wrappingTextBoxFlag xmlns="" xmlns:m="http://schemas.openxmlformats.org/officeDocument/2006/math" xmlns:a14="http://schemas.microsoft.com/office/drawing/2010/main" xmlns:ma14="http://schemas.microsoft.com/office/mac/drawingml/2011/main" val="1"/>
             </a:ext>
           </a:extLst>
         </p:spPr>
@@ -8277,7 +8263,7 @@
           </a:ln>
           <a:extLst>
             <a:ext uri="{C572A759-6A51-4108-AA02-DFA0A04FC94B}">
-              <ma14:wrappingTextBoxFlag xmlns:ma14="http://schemas.microsoft.com/office/mac/drawingml/2011/main" xmlns:a14="http://schemas.microsoft.com/office/drawing/2010/main" xmlns:m="http://schemas.openxmlformats.org/officeDocument/2006/math" xmlns="" val="1"/>
+              <ma14:wrappingTextBoxFlag xmlns="" xmlns:m="http://schemas.openxmlformats.org/officeDocument/2006/math" xmlns:a14="http://schemas.microsoft.com/office/drawing/2010/main" xmlns:ma14="http://schemas.microsoft.com/office/mac/drawingml/2011/main" val="1"/>
             </a:ext>
           </a:extLst>
         </p:spPr>
@@ -8616,7 +8602,7 @@
           </a:ln>
           <a:extLst>
             <a:ext uri="{C572A759-6A51-4108-AA02-DFA0A04FC94B}">
-              <ma14:wrappingTextBoxFlag xmlns:ma14="http://schemas.microsoft.com/office/mac/drawingml/2011/main" xmlns:a14="http://schemas.microsoft.com/office/drawing/2010/main" xmlns:m="http://schemas.openxmlformats.org/officeDocument/2006/math" xmlns="" val="1"/>
+              <ma14:wrappingTextBoxFlag xmlns="" xmlns:m="http://schemas.openxmlformats.org/officeDocument/2006/math" xmlns:a14="http://schemas.microsoft.com/office/drawing/2010/main" xmlns:ma14="http://schemas.microsoft.com/office/mac/drawingml/2011/main" val="1"/>
             </a:ext>
           </a:extLst>
         </p:spPr>
@@ -8650,14 +8636,7 @@
                 <a:latin typeface="Calibri Light" panose="020F0302020204030204" pitchFamily="34" charset="0"/>
                 <a:cs typeface="Calibri Light" panose="020F0302020204030204" pitchFamily="34" charset="0"/>
               </a:rPr>
-              <a:t> </a:t>
-            </a:r>
-            <a:r>
-              <a:rPr lang="en-US" dirty="0" smtClean="0">
-                <a:latin typeface="Calibri Light" panose="020F0302020204030204" pitchFamily="34" charset="0"/>
-                <a:cs typeface="Calibri Light" panose="020F0302020204030204" pitchFamily="34" charset="0"/>
-              </a:rPr>
-              <a:t>Nerd Wallet &amp; Bankrate.com recommend 36% of your gross income</a:t>
+              <a:t> Nerd Wallet &amp; Bankrate.com recommend 36% of your gross income</a:t>
             </a:r>
           </a:p>
           <a:p>
@@ -8692,7 +8671,21 @@
                 <a:latin typeface="Calibri Light" panose="020F0302020204030204" pitchFamily="34" charset="0"/>
                 <a:cs typeface="Calibri Light" panose="020F0302020204030204" pitchFamily="34" charset="0"/>
               </a:rPr>
-              <a:t>Annual Income: $75,000</a:t>
+              <a:t>Annual </a:t>
+            </a:r>
+            <a:r>
+              <a:rPr lang="en-US" dirty="0" smtClean="0">
+                <a:latin typeface="Calibri Light" panose="020F0302020204030204" pitchFamily="34" charset="0"/>
+                <a:cs typeface="Calibri Light" panose="020F0302020204030204" pitchFamily="34" charset="0"/>
+              </a:rPr>
+              <a:t>Income</a:t>
+            </a:r>
+            <a:r>
+              <a:rPr lang="en-US" dirty="0" smtClean="0">
+                <a:latin typeface="Calibri Light" panose="020F0302020204030204" pitchFamily="34" charset="0"/>
+                <a:cs typeface="Calibri Light" panose="020F0302020204030204" pitchFamily="34" charset="0"/>
+              </a:rPr>
+              <a:t>: $75,000</a:t>
             </a:r>
           </a:p>
           <a:p>
@@ -8804,7 +8797,7 @@
           </a:ln>
           <a:extLst>
             <a:ext uri="{C572A759-6A51-4108-AA02-DFA0A04FC94B}">
-              <ma14:wrappingTextBoxFlag xmlns:ma14="http://schemas.microsoft.com/office/mac/drawingml/2011/main" xmlns:a14="http://schemas.microsoft.com/office/drawing/2010/main" xmlns:m="http://schemas.openxmlformats.org/officeDocument/2006/math" xmlns="" val="1"/>
+              <ma14:wrappingTextBoxFlag xmlns="" xmlns:m="http://schemas.openxmlformats.org/officeDocument/2006/math" xmlns:a14="http://schemas.microsoft.com/office/drawing/2010/main" xmlns:ma14="http://schemas.microsoft.com/office/mac/drawingml/2011/main" val="1"/>
             </a:ext>
           </a:extLst>
         </p:spPr>
@@ -9048,7 +9041,7 @@
           </a:ln>
           <a:extLst>
             <a:ext uri="{C572A759-6A51-4108-AA02-DFA0A04FC94B}">
-              <ma14:wrappingTextBoxFlag xmlns:ma14="http://schemas.microsoft.com/office/mac/drawingml/2011/main" xmlns:a14="http://schemas.microsoft.com/office/drawing/2010/main" xmlns:m="http://schemas.openxmlformats.org/officeDocument/2006/math" xmlns="" val="1"/>
+              <ma14:wrappingTextBoxFlag xmlns="" xmlns:m="http://schemas.openxmlformats.org/officeDocument/2006/math" xmlns:a14="http://schemas.microsoft.com/office/drawing/2010/main" xmlns:ma14="http://schemas.microsoft.com/office/mac/drawingml/2011/main" val="1"/>
             </a:ext>
           </a:extLst>
         </p:spPr>
@@ -9081,13 +9074,7 @@
               <a:rPr lang="en-US" dirty="0" smtClean="0">
                 <a:latin typeface="+mj-lt"/>
               </a:rPr>
-              <a:t> Median Income by City/Metropolitan </a:t>
-            </a:r>
-            <a:r>
-              <a:rPr lang="en-US" dirty="0" smtClean="0">
-                <a:latin typeface="+mj-lt"/>
-              </a:rPr>
-              <a:t>Area &gt;= $75K </a:t>
+              <a:t> Median Income by City/Metropolitan Area &gt;= $75K </a:t>
             </a:r>
             <a:endParaRPr dirty="0">
               <a:latin typeface="+mj-lt"/>
@@ -9270,7 +9257,7 @@
           </a:ln>
           <a:extLst>
             <a:ext uri="{C572A759-6A51-4108-AA02-DFA0A04FC94B}">
-              <ma14:wrappingTextBoxFlag xmlns:ma14="http://schemas.microsoft.com/office/mac/drawingml/2011/main" xmlns:a14="http://schemas.microsoft.com/office/drawing/2010/main" xmlns:m="http://schemas.openxmlformats.org/officeDocument/2006/math" xmlns="" val="1"/>
+              <ma14:wrappingTextBoxFlag xmlns="" xmlns:m="http://schemas.openxmlformats.org/officeDocument/2006/math" xmlns:a14="http://schemas.microsoft.com/office/drawing/2010/main" xmlns:ma14="http://schemas.microsoft.com/office/mac/drawingml/2011/main" val="1"/>
             </a:ext>
           </a:extLst>
         </p:spPr>
@@ -9712,7 +9699,7 @@
           </a:ln>
           <a:extLst>
             <a:ext uri="{C572A759-6A51-4108-AA02-DFA0A04FC94B}">
-              <ma14:wrappingTextBoxFlag xmlns:ma14="http://schemas.microsoft.com/office/mac/drawingml/2011/main" xmlns:a14="http://schemas.microsoft.com/office/drawing/2010/main" xmlns:m="http://schemas.openxmlformats.org/officeDocument/2006/math" xmlns="" val="1"/>
+              <ma14:wrappingTextBoxFlag xmlns="" xmlns:m="http://schemas.openxmlformats.org/officeDocument/2006/math" xmlns:a14="http://schemas.microsoft.com/office/drawing/2010/main" xmlns:ma14="http://schemas.microsoft.com/office/mac/drawingml/2011/main" val="1"/>
             </a:ext>
           </a:extLst>
         </p:spPr>
@@ -9767,7 +9754,7 @@
           </a:ln>
           <a:extLst>
             <a:ext uri="{C572A759-6A51-4108-AA02-DFA0A04FC94B}">
-              <ma14:wrappingTextBoxFlag xmlns:ma14="http://schemas.microsoft.com/office/mac/drawingml/2011/main" xmlns:a14="http://schemas.microsoft.com/office/drawing/2010/main" xmlns:m="http://schemas.openxmlformats.org/officeDocument/2006/math" xmlns="" val="1"/>
+              <ma14:wrappingTextBoxFlag xmlns="" xmlns:m="http://schemas.openxmlformats.org/officeDocument/2006/math" xmlns:a14="http://schemas.microsoft.com/office/drawing/2010/main" xmlns:ma14="http://schemas.microsoft.com/office/mac/drawingml/2011/main" val="1"/>
             </a:ext>
           </a:extLst>
         </p:spPr>
@@ -9815,13 +9802,13 @@
   <p:clrMapOvr>
     <a:masterClrMapping/>
   </p:clrMapOvr>
-  <mc:AlternateContent xmlns:mc="http://schemas.openxmlformats.org/markup-compatibility/2006">
-    <mc:Choice xmlns:p15="http://schemas.microsoft.com/office/powerpoint/2012/main" Requires="p15">
+  <mc:AlternateContent xmlns:mc="http://schemas.openxmlformats.org/markup-compatibility/2006" xmlns:p15="http://schemas.microsoft.com/office/powerpoint/2012/main">
+    <mc:Choice Requires="p15">
       <p:transition xmlns:p14="http://schemas.microsoft.com/office/powerpoint/2010/main" spd="slow" p14:dur="2000">
         <p15:prstTrans prst="crush"/>
       </p:transition>
     </mc:Choice>
-    <mc:Fallback>
+    <mc:Fallback xmlns="">
       <p:transition spd="slow">
         <p:fade/>
       </p:transition>
@@ -10142,13 +10129,13 @@
   <p:clrMapOvr>
     <a:masterClrMapping/>
   </p:clrMapOvr>
-  <mc:AlternateContent xmlns:mc="http://schemas.openxmlformats.org/markup-compatibility/2006">
-    <mc:Choice xmlns:p14="http://schemas.microsoft.com/office/powerpoint/2010/main" Requires="p14">
+  <mc:AlternateContent xmlns:mc="http://schemas.openxmlformats.org/markup-compatibility/2006" xmlns:p14="http://schemas.microsoft.com/office/powerpoint/2010/main">
+    <mc:Choice Requires="p14">
       <p:transition spd="slow" p14:dur="800">
         <p14:flythrough/>
       </p:transition>
     </mc:Choice>
-    <mc:Fallback>
+    <mc:Fallback xmlns="">
       <p:transition spd="slow">
         <p:fade/>
       </p:transition>

--- a/RealEstate_Presentation.pptx
+++ b/RealEstate_Presentation.pptx
@@ -5,23 +5,24 @@
     <p:sldMasterId id="2147483648" r:id="rId1"/>
   </p:sldMasterIdLst>
   <p:notesMasterIdLst>
-    <p:notesMasterId r:id="rId16"/>
+    <p:notesMasterId r:id="rId17"/>
   </p:notesMasterIdLst>
   <p:sldIdLst>
     <p:sldId id="257" r:id="rId2"/>
     <p:sldId id="306" r:id="rId3"/>
-    <p:sldId id="307" r:id="rId4"/>
-    <p:sldId id="308" r:id="rId5"/>
-    <p:sldId id="297" r:id="rId6"/>
-    <p:sldId id="304" r:id="rId7"/>
-    <p:sldId id="309" r:id="rId8"/>
-    <p:sldId id="303" r:id="rId9"/>
-    <p:sldId id="311" r:id="rId10"/>
-    <p:sldId id="302" r:id="rId11"/>
-    <p:sldId id="310" r:id="rId12"/>
-    <p:sldId id="298" r:id="rId13"/>
-    <p:sldId id="301" r:id="rId14"/>
-    <p:sldId id="264" r:id="rId15"/>
+    <p:sldId id="312" r:id="rId4"/>
+    <p:sldId id="307" r:id="rId5"/>
+    <p:sldId id="308" r:id="rId6"/>
+    <p:sldId id="297" r:id="rId7"/>
+    <p:sldId id="304" r:id="rId8"/>
+    <p:sldId id="309" r:id="rId9"/>
+    <p:sldId id="303" r:id="rId10"/>
+    <p:sldId id="311" r:id="rId11"/>
+    <p:sldId id="302" r:id="rId12"/>
+    <p:sldId id="310" r:id="rId13"/>
+    <p:sldId id="298" r:id="rId14"/>
+    <p:sldId id="301" r:id="rId15"/>
+    <p:sldId id="264" r:id="rId16"/>
   </p:sldIdLst>
   <p:sldSz cx="20104100" cy="11303000"/>
   <p:notesSz cx="6858000" cy="9144000"/>
@@ -619,7 +620,7 @@
           </a:ln>
           <a:extLst>
             <a:ext uri="{C572A759-6A51-4108-AA02-DFA0A04FC94B}">
-              <ma14:wrappingTextBoxFlag xmlns="" xmlns:m="http://schemas.openxmlformats.org/officeDocument/2006/math" xmlns:a14="http://schemas.microsoft.com/office/drawing/2010/main" xmlns:ma14="http://schemas.microsoft.com/office/mac/drawingml/2011/main" val="1"/>
+              <ma14:wrappingTextBoxFlag xmlns:ma14="http://schemas.microsoft.com/office/mac/drawingml/2011/main" xmlns:a14="http://schemas.microsoft.com/office/drawing/2010/main" xmlns:m="http://schemas.openxmlformats.org/officeDocument/2006/math" xmlns="" val="1"/>
             </a:ext>
           </a:extLst>
         </p:spPr>
@@ -3036,7 +3037,7 @@
           </a:ln>
           <a:extLst>
             <a:ext uri="{C572A759-6A51-4108-AA02-DFA0A04FC94B}">
-              <ma14:wrappingTextBoxFlag xmlns="" xmlns:m="http://schemas.openxmlformats.org/officeDocument/2006/math" xmlns:a14="http://schemas.microsoft.com/office/drawing/2010/main" xmlns:ma14="http://schemas.microsoft.com/office/mac/drawingml/2011/main" val="1"/>
+              <ma14:wrappingTextBoxFlag xmlns:ma14="http://schemas.microsoft.com/office/mac/drawingml/2011/main" xmlns:a14="http://schemas.microsoft.com/office/drawing/2010/main" xmlns:m="http://schemas.openxmlformats.org/officeDocument/2006/math" xmlns="" val="1"/>
             </a:ext>
           </a:extLst>
         </p:spPr>
@@ -3079,7 +3080,7 @@
           </a:ln>
           <a:extLst>
             <a:ext uri="{C572A759-6A51-4108-AA02-DFA0A04FC94B}">
-              <ma14:wrappingTextBoxFlag xmlns="" xmlns:m="http://schemas.openxmlformats.org/officeDocument/2006/math" xmlns:a14="http://schemas.microsoft.com/office/drawing/2010/main" xmlns:ma14="http://schemas.microsoft.com/office/mac/drawingml/2011/main" val="1"/>
+              <ma14:wrappingTextBoxFlag xmlns:ma14="http://schemas.microsoft.com/office/mac/drawingml/2011/main" xmlns:a14="http://schemas.microsoft.com/office/drawing/2010/main" xmlns:m="http://schemas.openxmlformats.org/officeDocument/2006/math" xmlns="" val="1"/>
             </a:ext>
           </a:extLst>
         </p:spPr>
@@ -3122,7 +3123,7 @@
           </a:ln>
           <a:extLst>
             <a:ext uri="{C572A759-6A51-4108-AA02-DFA0A04FC94B}">
-              <ma14:wrappingTextBoxFlag xmlns="" xmlns:m="http://schemas.openxmlformats.org/officeDocument/2006/math" xmlns:a14="http://schemas.microsoft.com/office/drawing/2010/main" xmlns:ma14="http://schemas.microsoft.com/office/mac/drawingml/2011/main" val="1"/>
+              <ma14:wrappingTextBoxFlag xmlns:ma14="http://schemas.microsoft.com/office/mac/drawingml/2011/main" xmlns:a14="http://schemas.microsoft.com/office/drawing/2010/main" xmlns:m="http://schemas.openxmlformats.org/officeDocument/2006/math" xmlns="" val="1"/>
             </a:ext>
           </a:extLst>
         </p:spPr>
@@ -3172,7 +3173,7 @@
           </a:ln>
           <a:extLst>
             <a:ext uri="{C572A759-6A51-4108-AA02-DFA0A04FC94B}">
-              <ma14:wrappingTextBoxFlag xmlns="" xmlns:m="http://schemas.openxmlformats.org/officeDocument/2006/math" xmlns:a14="http://schemas.microsoft.com/office/drawing/2010/main" xmlns:ma14="http://schemas.microsoft.com/office/mac/drawingml/2011/main" val="1"/>
+              <ma14:wrappingTextBoxFlag xmlns:ma14="http://schemas.microsoft.com/office/mac/drawingml/2011/main" xmlns:a14="http://schemas.microsoft.com/office/drawing/2010/main" xmlns:m="http://schemas.openxmlformats.org/officeDocument/2006/math" xmlns="" val="1"/>
             </a:ext>
           </a:extLst>
         </p:spPr>
@@ -3430,7 +3431,7 @@
             <a:effectLst/>
             <a:extLst>
               <a:ext uri="{C572A759-6A51-4108-AA02-DFA0A04FC94B}">
-                <ma14:wrappingTextBoxFlag xmlns="" xmlns:m="http://schemas.openxmlformats.org/officeDocument/2006/math" xmlns:a14="http://schemas.microsoft.com/office/drawing/2010/main" xmlns:ma14="http://schemas.microsoft.com/office/mac/drawingml/2011/main" val="1"/>
+                <ma14:wrappingTextBoxFlag xmlns:ma14="http://schemas.microsoft.com/office/mac/drawingml/2011/main" xmlns:a14="http://schemas.microsoft.com/office/drawing/2010/main" xmlns:m="http://schemas.openxmlformats.org/officeDocument/2006/math" xmlns="" val="1"/>
               </a:ext>
             </a:extLst>
           </p:spPr>
@@ -3690,7 +3691,7 @@
             <a:effectLst/>
             <a:extLst>
               <a:ext uri="{C572A759-6A51-4108-AA02-DFA0A04FC94B}">
-                <ma14:wrappingTextBoxFlag xmlns="" xmlns:m="http://schemas.openxmlformats.org/officeDocument/2006/math" xmlns:a14="http://schemas.microsoft.com/office/drawing/2010/main" xmlns:ma14="http://schemas.microsoft.com/office/mac/drawingml/2011/main" val="1"/>
+                <ma14:wrappingTextBoxFlag xmlns:ma14="http://schemas.microsoft.com/office/mac/drawingml/2011/main" xmlns:a14="http://schemas.microsoft.com/office/drawing/2010/main" xmlns:m="http://schemas.openxmlformats.org/officeDocument/2006/math" xmlns="" val="1"/>
               </a:ext>
             </a:extLst>
           </p:spPr>
@@ -3812,7 +3813,7 @@
             <a:effectLst/>
             <a:extLst>
               <a:ext uri="{C572A759-6A51-4108-AA02-DFA0A04FC94B}">
-                <ma14:wrappingTextBoxFlag xmlns="" xmlns:m="http://schemas.openxmlformats.org/officeDocument/2006/math" xmlns:a14="http://schemas.microsoft.com/office/drawing/2010/main" xmlns:ma14="http://schemas.microsoft.com/office/mac/drawingml/2011/main" val="1"/>
+                <ma14:wrappingTextBoxFlag xmlns:ma14="http://schemas.microsoft.com/office/mac/drawingml/2011/main" xmlns:a14="http://schemas.microsoft.com/office/drawing/2010/main" xmlns:m="http://schemas.openxmlformats.org/officeDocument/2006/math" xmlns="" val="1"/>
               </a:ext>
             </a:extLst>
           </p:spPr>
@@ -4103,7 +4104,7 @@
           </a:ln>
           <a:extLst>
             <a:ext uri="{C572A759-6A51-4108-AA02-DFA0A04FC94B}">
-              <ma14:wrappingTextBoxFlag xmlns="" xmlns:m="http://schemas.openxmlformats.org/officeDocument/2006/math" xmlns:a14="http://schemas.microsoft.com/office/drawing/2010/main" xmlns:ma14="http://schemas.microsoft.com/office/mac/drawingml/2011/main" val="1"/>
+              <ma14:wrappingTextBoxFlag xmlns:ma14="http://schemas.microsoft.com/office/mac/drawingml/2011/main" xmlns:a14="http://schemas.microsoft.com/office/drawing/2010/main" xmlns:m="http://schemas.openxmlformats.org/officeDocument/2006/math" xmlns="" val="1"/>
             </a:ext>
           </a:extLst>
         </p:spPr>
@@ -4267,7 +4268,7 @@
           </a:ln>
           <a:extLst>
             <a:ext uri="{C572A759-6A51-4108-AA02-DFA0A04FC94B}">
-              <ma14:wrappingTextBoxFlag xmlns="" xmlns:m="http://schemas.openxmlformats.org/officeDocument/2006/math" xmlns:a14="http://schemas.microsoft.com/office/drawing/2010/main" xmlns:ma14="http://schemas.microsoft.com/office/mac/drawingml/2011/main" val="1"/>
+              <ma14:wrappingTextBoxFlag xmlns:ma14="http://schemas.microsoft.com/office/mac/drawingml/2011/main" xmlns:a14="http://schemas.microsoft.com/office/drawing/2010/main" xmlns:m="http://schemas.openxmlformats.org/officeDocument/2006/math" xmlns="" val="1"/>
             </a:ext>
           </a:extLst>
         </p:spPr>
@@ -4304,7 +4305,7 @@
           </a:ln>
           <a:extLst>
             <a:ext uri="{C572A759-6A51-4108-AA02-DFA0A04FC94B}">
-              <ma14:wrappingTextBoxFlag xmlns="" xmlns:m="http://schemas.openxmlformats.org/officeDocument/2006/math" xmlns:a14="http://schemas.microsoft.com/office/drawing/2010/main" xmlns:ma14="http://schemas.microsoft.com/office/mac/drawingml/2011/main" val="1"/>
+              <ma14:wrappingTextBoxFlag xmlns:ma14="http://schemas.microsoft.com/office/mac/drawingml/2011/main" xmlns:a14="http://schemas.microsoft.com/office/drawing/2010/main" xmlns:m="http://schemas.openxmlformats.org/officeDocument/2006/math" xmlns="" val="1"/>
             </a:ext>
           </a:extLst>
         </p:spPr>
@@ -5275,8 +5276,8 @@
         </p:nvSpPr>
         <p:spPr>
           <a:xfrm>
-            <a:off x="2925910" y="6615586"/>
-            <a:ext cx="14927687" cy="1846659"/>
+            <a:off x="5876144" y="2796405"/>
+            <a:ext cx="14927687" cy="3693319"/>
           </a:xfrm>
           <a:prstGeom prst="rect">
             <a:avLst/>
@@ -5286,7 +5287,7 @@
           </a:ln>
           <a:extLst>
             <a:ext uri="{C572A759-6A51-4108-AA02-DFA0A04FC94B}">
-              <ma14:wrappingTextBoxFlag xmlns="" xmlns:m="http://schemas.openxmlformats.org/officeDocument/2006/math" xmlns:a14="http://schemas.microsoft.com/office/drawing/2010/main" xmlns:ma14="http://schemas.microsoft.com/office/mac/drawingml/2011/main" val="1"/>
+              <ma14:wrappingTextBoxFlag xmlns:ma14="http://schemas.microsoft.com/office/mac/drawingml/2011/main" xmlns:a14="http://schemas.microsoft.com/office/drawing/2010/main" xmlns:m="http://schemas.openxmlformats.org/officeDocument/2006/math" xmlns="" val="1"/>
             </a:ext>
           </a:extLst>
         </p:spPr>
@@ -5312,7 +5313,14 @@
                 <a:latin typeface="+mj-lt"/>
                 <a:cs typeface="Calibri Light" panose="020F0302020204030204" pitchFamily="34" charset="0"/>
               </a:rPr>
-              <a:t>Real Estate Analysis</a:t>
+              <a:t>Real Estate </a:t>
+            </a:r>
+            <a:r>
+              <a:rPr lang="en-US" dirty="0" smtClean="0">
+                <a:latin typeface="+mj-lt"/>
+                <a:cs typeface="Calibri Light" panose="020F0302020204030204" pitchFamily="34" charset="0"/>
+              </a:rPr>
+              <a:t>Market Analysis</a:t>
             </a:r>
             <a:endParaRPr dirty="0">
               <a:latin typeface="+mj-lt"/>
@@ -5773,7 +5781,7 @@
           </a:ln>
           <a:extLst>
             <a:ext uri="{C572A759-6A51-4108-AA02-DFA0A04FC94B}">
-              <ma14:wrappingTextBoxFlag xmlns="" xmlns:m="http://schemas.openxmlformats.org/officeDocument/2006/math" xmlns:a14="http://schemas.microsoft.com/office/drawing/2010/main" xmlns:ma14="http://schemas.microsoft.com/office/mac/drawingml/2011/main" val="1"/>
+              <ma14:wrappingTextBoxFlag xmlns:ma14="http://schemas.microsoft.com/office/mac/drawingml/2011/main" xmlns:a14="http://schemas.microsoft.com/office/drawing/2010/main" xmlns:m="http://schemas.openxmlformats.org/officeDocument/2006/math" xmlns="" val="1"/>
             </a:ext>
           </a:extLst>
         </p:spPr>
@@ -6020,6 +6028,133 @@
       </p:pic>
       <p:pic>
         <p:nvPicPr>
+          <p:cNvPr id="7" name="Picture 6"/>
+          <p:cNvPicPr>
+            <a:picLocks noChangeAspect="1"/>
+          </p:cNvPicPr>
+          <p:nvPr/>
+        </p:nvPicPr>
+        <p:blipFill>
+          <a:blip r:embed="rId3"/>
+          <a:stretch>
+            <a:fillRect/>
+          </a:stretch>
+        </p:blipFill>
+        <p:spPr>
+          <a:xfrm>
+            <a:off x="16418779" y="1254324"/>
+            <a:ext cx="1944021" cy="1926104"/>
+          </a:xfrm>
+          <a:prstGeom prst="rect">
+            <a:avLst/>
+          </a:prstGeom>
+        </p:spPr>
+      </p:pic>
+      <p:pic>
+        <p:nvPicPr>
+          <p:cNvPr id="4" name="Picture 3"/>
+          <p:cNvPicPr>
+            <a:picLocks noChangeAspect="1"/>
+          </p:cNvPicPr>
+          <p:nvPr/>
+        </p:nvPicPr>
+        <p:blipFill>
+          <a:blip r:embed="rId4">
+            <a:extLst>
+              <a:ext uri="{28A0092B-C50C-407E-A947-70E740481C1C}">
+                <a14:useLocalDpi xmlns:a14="http://schemas.microsoft.com/office/drawing/2010/main" val="0"/>
+              </a:ext>
+            </a:extLst>
+          </a:blip>
+          <a:stretch>
+            <a:fillRect/>
+          </a:stretch>
+        </p:blipFill>
+        <p:spPr>
+          <a:xfrm>
+            <a:off x="2676784" y="762953"/>
+            <a:ext cx="13084959" cy="9048804"/>
+          </a:xfrm>
+          <a:prstGeom prst="rect">
+            <a:avLst/>
+          </a:prstGeom>
+        </p:spPr>
+      </p:pic>
+    </p:spTree>
+    <p:extLst>
+      <p:ext uri="{BB962C8B-B14F-4D97-AF65-F5344CB8AC3E}">
+        <p14:creationId xmlns:p14="http://schemas.microsoft.com/office/powerpoint/2010/main" val="2875720002"/>
+      </p:ext>
+    </p:extLst>
+  </p:cSld>
+  <p:clrMapOvr>
+    <a:masterClrMapping/>
+  </p:clrMapOvr>
+  <mc:AlternateContent xmlns:mc="http://schemas.openxmlformats.org/markup-compatibility/2006" xmlns:p14="http://schemas.microsoft.com/office/powerpoint/2010/main">
+    <mc:Choice Requires="p14">
+      <p:transition spd="slow" p14:dur="800">
+        <p14:flythrough/>
+      </p:transition>
+    </mc:Choice>
+    <mc:Fallback xmlns="">
+      <p:transition spd="slow">
+        <p:fade/>
+      </p:transition>
+    </mc:Fallback>
+  </mc:AlternateContent>
+  <p:timing>
+    <p:tnLst>
+      <p:par>
+        <p:cTn id="1" dur="indefinite" restart="never" nodeType="tmRoot"/>
+      </p:par>
+    </p:tnLst>
+  </p:timing>
+</p:sld>
+</file>
+
+<file path=ppt/slides/slide11.xml><?xml version="1.0" encoding="utf-8"?>
+<p:sld xmlns:a="http://schemas.openxmlformats.org/drawingml/2006/main" xmlns:r="http://schemas.openxmlformats.org/officeDocument/2006/relationships" xmlns:p="http://schemas.openxmlformats.org/presentationml/2006/main">
+  <p:cSld>
+    <p:spTree>
+      <p:nvGrpSpPr>
+        <p:cNvPr id="1" name=""/>
+        <p:cNvGrpSpPr/>
+        <p:nvPr/>
+      </p:nvGrpSpPr>
+      <p:grpSpPr>
+        <a:xfrm>
+          <a:off x="0" y="0"/>
+          <a:ext cx="0" cy="0"/>
+          <a:chOff x="0" y="0"/>
+          <a:chExt cx="0" cy="0"/>
+        </a:xfrm>
+      </p:grpSpPr>
+      <p:pic>
+        <p:nvPicPr>
+          <p:cNvPr id="5" name="Picture 4"/>
+          <p:cNvPicPr>
+            <a:picLocks noChangeAspect="1"/>
+          </p:cNvPicPr>
+          <p:nvPr/>
+        </p:nvPicPr>
+        <p:blipFill>
+          <a:blip r:embed="rId2"/>
+          <a:stretch>
+            <a:fillRect/>
+          </a:stretch>
+        </p:blipFill>
+        <p:spPr>
+          <a:xfrm>
+            <a:off x="1084262" y="8025186"/>
+            <a:ext cx="17935575" cy="2962275"/>
+          </a:xfrm>
+          <a:prstGeom prst="rect">
+            <a:avLst/>
+          </a:prstGeom>
+        </p:spPr>
+      </p:pic>
+      <p:pic>
+        <p:nvPicPr>
           <p:cNvPr id="2" name="Picture 1">
             <a:hlinkClick r:id="rId3"/>
           </p:cNvPr>
@@ -6179,7 +6314,7 @@
 </p:sld>
 </file>
 
-<file path=ppt/slides/slide11.xml><?xml version="1.0" encoding="utf-8"?>
+<file path=ppt/slides/slide12.xml><?xml version="1.0" encoding="utf-8"?>
 <p:sld xmlns:a="http://schemas.openxmlformats.org/drawingml/2006/main" xmlns:r="http://schemas.openxmlformats.org/officeDocument/2006/relationships" xmlns:p="http://schemas.openxmlformats.org/presentationml/2006/main">
   <p:cSld>
     <p:spTree>
@@ -6306,7 +6441,7 @@
 </p:sld>
 </file>
 
-<file path=ppt/slides/slide12.xml><?xml version="1.0" encoding="utf-8"?>
+<file path=ppt/slides/slide13.xml><?xml version="1.0" encoding="utf-8"?>
 <p:sld xmlns:a="http://schemas.openxmlformats.org/drawingml/2006/main" xmlns:r="http://schemas.openxmlformats.org/officeDocument/2006/relationships" xmlns:p="http://schemas.openxmlformats.org/presentationml/2006/main">
   <p:cSld>
     <p:spTree>
@@ -6467,7 +6602,7 @@
           </a:ln>
           <a:extLst>
             <a:ext uri="{C572A759-6A51-4108-AA02-DFA0A04FC94B}">
-              <ma14:wrappingTextBoxFlag xmlns="" xmlns:m="http://schemas.openxmlformats.org/officeDocument/2006/math" xmlns:a14="http://schemas.microsoft.com/office/drawing/2010/main" xmlns:ma14="http://schemas.microsoft.com/office/mac/drawingml/2011/main" val="1"/>
+              <ma14:wrappingTextBoxFlag xmlns:ma14="http://schemas.microsoft.com/office/mac/drawingml/2011/main" xmlns:a14="http://schemas.microsoft.com/office/drawing/2010/main" xmlns:m="http://schemas.openxmlformats.org/officeDocument/2006/math" xmlns="" val="1"/>
             </a:ext>
           </a:extLst>
         </p:spPr>
@@ -6593,7 +6728,7 @@
           </a:ln>
           <a:extLst>
             <a:ext uri="{C572A759-6A51-4108-AA02-DFA0A04FC94B}">
-              <ma14:wrappingTextBoxFlag xmlns="" xmlns:m="http://schemas.openxmlformats.org/officeDocument/2006/math" xmlns:a14="http://schemas.microsoft.com/office/drawing/2010/main" xmlns:ma14="http://schemas.microsoft.com/office/mac/drawingml/2011/main" val="1"/>
+              <ma14:wrappingTextBoxFlag xmlns:ma14="http://schemas.microsoft.com/office/mac/drawingml/2011/main" xmlns:a14="http://schemas.microsoft.com/office/drawing/2010/main" xmlns:m="http://schemas.openxmlformats.org/officeDocument/2006/math" xmlns="" val="1"/>
             </a:ext>
           </a:extLst>
         </p:spPr>
@@ -6674,7 +6809,7 @@
 </p:sld>
 </file>
 
-<file path=ppt/slides/slide13.xml><?xml version="1.0" encoding="utf-8"?>
+<file path=ppt/slides/slide14.xml><?xml version="1.0" encoding="utf-8"?>
 <p:sld xmlns:a="http://schemas.openxmlformats.org/drawingml/2006/main" xmlns:r="http://schemas.openxmlformats.org/officeDocument/2006/relationships" xmlns:p="http://schemas.openxmlformats.org/presentationml/2006/main">
   <p:cSld>
     <p:spTree>
@@ -6835,7 +6970,7 @@
           </a:ln>
           <a:extLst>
             <a:ext uri="{C572A759-6A51-4108-AA02-DFA0A04FC94B}">
-              <ma14:wrappingTextBoxFlag xmlns="" xmlns:m="http://schemas.openxmlformats.org/officeDocument/2006/math" xmlns:a14="http://schemas.microsoft.com/office/drawing/2010/main" xmlns:ma14="http://schemas.microsoft.com/office/mac/drawingml/2011/main" val="1"/>
+              <ma14:wrappingTextBoxFlag xmlns:ma14="http://schemas.microsoft.com/office/mac/drawingml/2011/main" xmlns:a14="http://schemas.microsoft.com/office/drawing/2010/main" xmlns:m="http://schemas.openxmlformats.org/officeDocument/2006/math" xmlns="" val="1"/>
             </a:ext>
           </a:extLst>
         </p:spPr>
@@ -6948,7 +7083,7 @@
           </a:ln>
           <a:extLst>
             <a:ext uri="{C572A759-6A51-4108-AA02-DFA0A04FC94B}">
-              <ma14:wrappingTextBoxFlag xmlns="" xmlns:m="http://schemas.openxmlformats.org/officeDocument/2006/math" xmlns:a14="http://schemas.microsoft.com/office/drawing/2010/main" xmlns:ma14="http://schemas.microsoft.com/office/mac/drawingml/2011/main" val="1"/>
+              <ma14:wrappingTextBoxFlag xmlns:ma14="http://schemas.microsoft.com/office/mac/drawingml/2011/main" xmlns:a14="http://schemas.microsoft.com/office/drawing/2010/main" xmlns:m="http://schemas.openxmlformats.org/officeDocument/2006/math" xmlns="" val="1"/>
             </a:ext>
           </a:extLst>
         </p:spPr>
@@ -7001,7 +7136,7 @@
 </p:sld>
 </file>
 
-<file path=ppt/slides/slide14.xml><?xml version="1.0" encoding="utf-8"?>
+<file path=ppt/slides/slide15.xml><?xml version="1.0" encoding="utf-8"?>
 <p:sld xmlns:a="http://schemas.openxmlformats.org/drawingml/2006/main" xmlns:r="http://schemas.openxmlformats.org/officeDocument/2006/relationships" xmlns:p="http://schemas.openxmlformats.org/presentationml/2006/main">
   <p:cSld>
     <p:spTree>
@@ -7587,7 +7722,7 @@
           </a:ln>
           <a:extLst>
             <a:ext uri="{C572A759-6A51-4108-AA02-DFA0A04FC94B}">
-              <ma14:wrappingTextBoxFlag xmlns="" xmlns:m="http://schemas.openxmlformats.org/officeDocument/2006/math" xmlns:a14="http://schemas.microsoft.com/office/drawing/2010/main" xmlns:ma14="http://schemas.microsoft.com/office/mac/drawingml/2011/main" val="1"/>
+              <ma14:wrappingTextBoxFlag xmlns:ma14="http://schemas.microsoft.com/office/mac/drawingml/2011/main" xmlns:a14="http://schemas.microsoft.com/office/drawing/2010/main" xmlns:m="http://schemas.openxmlformats.org/officeDocument/2006/math" xmlns="" val="1"/>
             </a:ext>
           </a:extLst>
         </p:spPr>
@@ -7652,7 +7787,7 @@
         <p:dissolve/>
       </p:transition>
     </mc:Choice>
-    <mc:Fallback xmlns="" xmlns:m="http://schemas.openxmlformats.org/officeDocument/2006/math" xmlns:a14="http://schemas.microsoft.com/office/drawing/2010/main">
+    <mc:Fallback xmlns:a14="http://schemas.microsoft.com/office/drawing/2010/main" xmlns:m="http://schemas.openxmlformats.org/officeDocument/2006/math" xmlns="">
       <p:transition spd="slow">
         <p:fade/>
       </p:transition>
@@ -7751,7 +7886,7 @@
           </a:ln>
           <a:extLst>
             <a:ext uri="{C572A759-6A51-4108-AA02-DFA0A04FC94B}">
-              <ma14:wrappingTextBoxFlag xmlns:ma14="http://schemas.microsoft.com/office/mac/drawingml/2011/main" xmlns:a14="http://schemas.microsoft.com/office/drawing/2010/main" xmlns:m="http://schemas.openxmlformats.org/officeDocument/2006/math" xmlns="" val="1"/>
+              <ma14:wrappingTextBoxFlag xmlns="" xmlns:m="http://schemas.openxmlformats.org/officeDocument/2006/math" xmlns:a14="http://schemas.microsoft.com/office/drawing/2010/main" xmlns:ma14="http://schemas.microsoft.com/office/mac/drawingml/2011/main" val="1"/>
             </a:ext>
           </a:extLst>
         </p:spPr>
@@ -7913,7 +8048,7 @@
           </a:ln>
           <a:extLst>
             <a:ext uri="{C572A759-6A51-4108-AA02-DFA0A04FC94B}">
-              <ma14:wrappingTextBoxFlag xmlns="" xmlns:m="http://schemas.openxmlformats.org/officeDocument/2006/math" xmlns:a14="http://schemas.microsoft.com/office/drawing/2010/main" xmlns:ma14="http://schemas.microsoft.com/office/mac/drawingml/2011/main" val="1"/>
+              <ma14:wrappingTextBoxFlag xmlns:ma14="http://schemas.microsoft.com/office/mac/drawingml/2011/main" xmlns:a14="http://schemas.microsoft.com/office/drawing/2010/main" xmlns:m="http://schemas.openxmlformats.org/officeDocument/2006/math" xmlns="" val="1"/>
             </a:ext>
           </a:extLst>
         </p:spPr>
@@ -8023,6 +8158,395 @@
           <a:chExt cx="0" cy="0"/>
         </a:xfrm>
       </p:grpSpPr>
+      <p:sp>
+        <p:nvSpPr>
+          <p:cNvPr id="2" name="object 2"/>
+          <p:cNvSpPr/>
+          <p:nvPr/>
+        </p:nvSpPr>
+        <p:spPr>
+          <a:xfrm>
+            <a:off x="706" y="398"/>
+            <a:ext cx="374614" cy="11307644"/>
+          </a:xfrm>
+          <a:prstGeom prst="rect">
+            <a:avLst/>
+          </a:prstGeom>
+          <a:solidFill>
+            <a:srgbClr val="000066"/>
+          </a:solidFill>
+          <a:ln w="12700">
+            <a:miter lim="400000"/>
+          </a:ln>
+        </p:spPr>
+        <p:txBody>
+          <a:bodyPr lIns="45719" rIns="45719"/>
+          <a:lstStyle/>
+          <a:p>
+            <a:pPr marR="0">
+              <a:lnSpc>
+                <a:spcPct val="100000"/>
+              </a:lnSpc>
+              <a:spcBef>
+                <a:spcPts val="0"/>
+              </a:spcBef>
+              <a:tabLst/>
+              <a:defRPr sz="800">
+                <a:solidFill>
+                  <a:srgbClr val="000000"/>
+                </a:solidFill>
+                <a:latin typeface="+mj-lt"/>
+                <a:ea typeface="+mj-ea"/>
+                <a:cs typeface="+mj-cs"/>
+                <a:sym typeface="Roboto Thin"/>
+              </a:defRPr>
+            </a:pPr>
+            <a:endParaRPr/>
+          </a:p>
+        </p:txBody>
+      </p:sp>
+      <p:pic>
+        <p:nvPicPr>
+          <p:cNvPr id="3" name="Picture 2"/>
+          <p:cNvPicPr>
+            <a:picLocks noChangeAspect="1"/>
+          </p:cNvPicPr>
+          <p:nvPr/>
+        </p:nvPicPr>
+        <p:blipFill>
+          <a:blip r:embed="rId2"/>
+          <a:stretch>
+            <a:fillRect/>
+          </a:stretch>
+        </p:blipFill>
+        <p:spPr>
+          <a:xfrm>
+            <a:off x="1084262" y="8025186"/>
+            <a:ext cx="17935575" cy="2962275"/>
+          </a:xfrm>
+          <a:prstGeom prst="rect">
+            <a:avLst/>
+          </a:prstGeom>
+        </p:spPr>
+      </p:pic>
+      <p:pic>
+        <p:nvPicPr>
+          <p:cNvPr id="4" name="Picture 3"/>
+          <p:cNvPicPr>
+            <a:picLocks noChangeAspect="1"/>
+          </p:cNvPicPr>
+          <p:nvPr/>
+        </p:nvPicPr>
+        <p:blipFill>
+          <a:blip r:embed="rId3" cstate="print">
+            <a:extLst>
+              <a:ext uri="{28A0092B-C50C-407E-A947-70E740481C1C}">
+                <a14:useLocalDpi xmlns:a14="http://schemas.microsoft.com/office/drawing/2010/main" val="0"/>
+              </a:ext>
+            </a:extLst>
+          </a:blip>
+          <a:stretch>
+            <a:fillRect/>
+          </a:stretch>
+        </p:blipFill>
+        <p:spPr>
+          <a:xfrm>
+            <a:off x="17845078" y="235569"/>
+            <a:ext cx="1558725" cy="2142844"/>
+          </a:xfrm>
+          <a:prstGeom prst="rect">
+            <a:avLst/>
+          </a:prstGeom>
+        </p:spPr>
+      </p:pic>
+      <p:pic>
+        <p:nvPicPr>
+          <p:cNvPr id="5" name="Picture 4"/>
+          <p:cNvPicPr>
+            <a:picLocks noChangeAspect="1"/>
+          </p:cNvPicPr>
+          <p:nvPr/>
+        </p:nvPicPr>
+        <p:blipFill>
+          <a:blip r:embed="rId4"/>
+          <a:stretch>
+            <a:fillRect/>
+          </a:stretch>
+        </p:blipFill>
+        <p:spPr>
+          <a:xfrm>
+            <a:off x="16109840" y="8408464"/>
+            <a:ext cx="2514600" cy="885825"/>
+          </a:xfrm>
+          <a:prstGeom prst="rect">
+            <a:avLst/>
+          </a:prstGeom>
+        </p:spPr>
+      </p:pic>
+      <p:sp>
+        <p:nvSpPr>
+          <p:cNvPr id="6" name="object 2"/>
+          <p:cNvSpPr txBox="1"/>
+          <p:nvPr/>
+        </p:nvSpPr>
+        <p:spPr>
+          <a:xfrm>
+            <a:off x="1385505" y="1400282"/>
+            <a:ext cx="16989682" cy="1359411"/>
+          </a:xfrm>
+          <a:prstGeom prst="rect">
+            <a:avLst/>
+          </a:prstGeom>
+          <a:ln w="12700">
+            <a:miter lim="400000"/>
+          </a:ln>
+          <a:extLst>
+            <a:ext uri="{C572A759-6A51-4108-AA02-DFA0A04FC94B}">
+              <ma14:wrappingTextBoxFlag xmlns:ma14="http://schemas.microsoft.com/office/mac/drawingml/2011/main" xmlns:a14="http://schemas.microsoft.com/office/drawing/2010/main" xmlns:m="http://schemas.openxmlformats.org/officeDocument/2006/math" xmlns="" val="1"/>
+            </a:ext>
+          </a:extLst>
+        </p:spPr>
+        <p:txBody>
+          <a:bodyPr lIns="0" tIns="0" rIns="0" bIns="0">
+            <a:spAutoFit/>
+          </a:bodyPr>
+          <a:lstStyle>
+            <a:lvl1pPr marL="127000" marR="5080" indent="-114935">
+              <a:lnSpc>
+                <a:spcPts val="11600"/>
+              </a:lnSpc>
+              <a:spcBef>
+                <a:spcPts val="2800"/>
+              </a:spcBef>
+              <a:defRPr sz="7200">
+                <a:solidFill>
+                  <a:srgbClr val="990000"/>
+                </a:solidFill>
+              </a:defRPr>
+            </a:lvl1pPr>
+          </a:lstStyle>
+          <a:p>
+            <a:r>
+              <a:rPr lang="en-US" dirty="0" smtClean="0">
+                <a:latin typeface="+mj-lt"/>
+              </a:rPr>
+              <a:t>Where in the United States</a:t>
+            </a:r>
+            <a:endParaRPr dirty="0">
+              <a:latin typeface="+mj-lt"/>
+            </a:endParaRPr>
+          </a:p>
+        </p:txBody>
+      </p:sp>
+      <p:sp>
+        <p:nvSpPr>
+          <p:cNvPr id="7" name="object 3"/>
+          <p:cNvSpPr txBox="1"/>
+          <p:nvPr/>
+        </p:nvSpPr>
+        <p:spPr>
+          <a:xfrm>
+            <a:off x="1915613" y="2912740"/>
+            <a:ext cx="15929465" cy="4132734"/>
+          </a:xfrm>
+          <a:prstGeom prst="rect">
+            <a:avLst/>
+          </a:prstGeom>
+          <a:ln w="12700">
+            <a:miter lim="400000"/>
+          </a:ln>
+          <a:extLst>
+            <a:ext uri="{C572A759-6A51-4108-AA02-DFA0A04FC94B}">
+              <ma14:wrappingTextBoxFlag xmlns:ma14="http://schemas.microsoft.com/office/mac/drawingml/2011/main" xmlns:a14="http://schemas.microsoft.com/office/drawing/2010/main" xmlns:m="http://schemas.openxmlformats.org/officeDocument/2006/math" xmlns="" val="1"/>
+            </a:ext>
+          </a:extLst>
+        </p:spPr>
+        <p:txBody>
+          <a:bodyPr lIns="0" tIns="0" rIns="0" bIns="0">
+            <a:spAutoFit/>
+          </a:bodyPr>
+          <a:lstStyle/>
+          <a:p>
+            <a:pPr marL="241300" marR="1912620" indent="-228600">
+              <a:lnSpc>
+                <a:spcPct val="104099"/>
+              </a:lnSpc>
+              <a:spcBef>
+                <a:spcPts val="1400"/>
+              </a:spcBef>
+              <a:buSzPct val="100000"/>
+              <a:buChar char="•"/>
+              <a:defRPr sz="4300">
+                <a:solidFill>
+                  <a:srgbClr val="404040"/>
+                </a:solidFill>
+                <a:latin typeface="Roboto Light"/>
+                <a:ea typeface="Roboto Light"/>
+                <a:cs typeface="Roboto Light"/>
+                <a:sym typeface="Roboto Light"/>
+              </a:defRPr>
+            </a:pPr>
+            <a:r>
+              <a:rPr lang="en-US" dirty="0" smtClean="0">
+                <a:latin typeface="Calibri Light" panose="020F0302020204030204" pitchFamily="34" charset="0"/>
+                <a:cs typeface="Calibri Light" panose="020F0302020204030204" pitchFamily="34" charset="0"/>
+              </a:rPr>
+              <a:t> Earn a decent living?</a:t>
+            </a:r>
+          </a:p>
+          <a:p>
+            <a:pPr marL="241300" marR="1912620" lvl="1" indent="-228600">
+              <a:lnSpc>
+                <a:spcPct val="104099"/>
+              </a:lnSpc>
+              <a:spcBef>
+                <a:spcPts val="1400"/>
+              </a:spcBef>
+              <a:buSzPct val="100000"/>
+              <a:buChar char="•"/>
+              <a:defRPr sz="4300">
+                <a:solidFill>
+                  <a:srgbClr val="404040"/>
+                </a:solidFill>
+                <a:latin typeface="Roboto Light"/>
+                <a:ea typeface="Roboto Light"/>
+                <a:cs typeface="Roboto Light"/>
+                <a:sym typeface="Roboto Light"/>
+              </a:defRPr>
+            </a:pPr>
+            <a:r>
+              <a:rPr lang="en-US" dirty="0" smtClean="0">
+                <a:latin typeface="Calibri Light" panose="020F0302020204030204" pitchFamily="34" charset="0"/>
+                <a:cs typeface="Calibri Light" panose="020F0302020204030204" pitchFamily="34" charset="0"/>
+              </a:rPr>
+              <a:t> Afford to Rent?</a:t>
+            </a:r>
+          </a:p>
+          <a:p>
+            <a:pPr marL="241300" marR="1912620" lvl="1" indent="-228600">
+              <a:lnSpc>
+                <a:spcPct val="104099"/>
+              </a:lnSpc>
+              <a:spcBef>
+                <a:spcPts val="1400"/>
+              </a:spcBef>
+              <a:buSzPct val="100000"/>
+              <a:buChar char="•"/>
+              <a:defRPr sz="4300">
+                <a:solidFill>
+                  <a:srgbClr val="404040"/>
+                </a:solidFill>
+                <a:latin typeface="Roboto Light"/>
+                <a:ea typeface="Roboto Light"/>
+                <a:cs typeface="Roboto Light"/>
+                <a:sym typeface="Roboto Light"/>
+              </a:defRPr>
+            </a:pPr>
+            <a:r>
+              <a:rPr lang="en-US" dirty="0" smtClean="0">
+                <a:latin typeface="Calibri Light" panose="020F0302020204030204" pitchFamily="34" charset="0"/>
+                <a:cs typeface="Calibri Light" panose="020F0302020204030204" pitchFamily="34" charset="0"/>
+              </a:rPr>
+              <a:t> Afford to Buy?</a:t>
+            </a:r>
+          </a:p>
+          <a:p>
+            <a:pPr marL="241300" marR="1912620" lvl="1" indent="-228600">
+              <a:lnSpc>
+                <a:spcPct val="104099"/>
+              </a:lnSpc>
+              <a:spcBef>
+                <a:spcPts val="1400"/>
+              </a:spcBef>
+              <a:buSzPct val="100000"/>
+              <a:buChar char="•"/>
+              <a:defRPr sz="4300">
+                <a:solidFill>
+                  <a:srgbClr val="404040"/>
+                </a:solidFill>
+                <a:latin typeface="Roboto Light"/>
+                <a:ea typeface="Roboto Light"/>
+                <a:cs typeface="Roboto Light"/>
+                <a:sym typeface="Roboto Light"/>
+              </a:defRPr>
+            </a:pPr>
+            <a:r>
+              <a:rPr lang="en-US" dirty="0">
+                <a:latin typeface="Calibri Light" panose="020F0302020204030204" pitchFamily="34" charset="0"/>
+                <a:cs typeface="Calibri Light" panose="020F0302020204030204" pitchFamily="34" charset="0"/>
+              </a:rPr>
+              <a:t> </a:t>
+            </a:r>
+            <a:r>
+              <a:rPr lang="en-US" dirty="0" smtClean="0">
+                <a:latin typeface="Calibri Light" panose="020F0302020204030204" pitchFamily="34" charset="0"/>
+                <a:cs typeface="Calibri Light" panose="020F0302020204030204" pitchFamily="34" charset="0"/>
+              </a:rPr>
+              <a:t>Or, Afford to Rent or Buy?</a:t>
+            </a:r>
+            <a:endParaRPr lang="en-US" dirty="0" smtClean="0">
+              <a:latin typeface="Calibri Light" panose="020F0302020204030204" pitchFamily="34" charset="0"/>
+              <a:cs typeface="Calibri Light" panose="020F0302020204030204" pitchFamily="34" charset="0"/>
+            </a:endParaRPr>
+          </a:p>
+          <a:p>
+            <a:pPr marL="241300" marR="1912620" lvl="1" indent="-228600">
+              <a:lnSpc>
+                <a:spcPct val="104099"/>
+              </a:lnSpc>
+              <a:spcBef>
+                <a:spcPts val="1400"/>
+              </a:spcBef>
+              <a:buSzPct val="100000"/>
+              <a:buChar char="•"/>
+              <a:defRPr sz="4300">
+                <a:solidFill>
+                  <a:srgbClr val="404040"/>
+                </a:solidFill>
+                <a:latin typeface="Roboto Light"/>
+                <a:ea typeface="Roboto Light"/>
+                <a:cs typeface="Roboto Light"/>
+                <a:sym typeface="Roboto Light"/>
+              </a:defRPr>
+            </a:pPr>
+            <a:endParaRPr dirty="0">
+              <a:latin typeface="Calibri Light" panose="020F0302020204030204" pitchFamily="34" charset="0"/>
+              <a:cs typeface="Calibri Light" panose="020F0302020204030204" pitchFamily="34" charset="0"/>
+            </a:endParaRPr>
+          </a:p>
+        </p:txBody>
+      </p:sp>
+    </p:spTree>
+    <p:extLst>
+      <p:ext uri="{BB962C8B-B14F-4D97-AF65-F5344CB8AC3E}">
+        <p14:creationId xmlns:p14="http://schemas.microsoft.com/office/powerpoint/2010/main" val="491683669"/>
+      </p:ext>
+    </p:extLst>
+  </p:cSld>
+  <p:clrMapOvr>
+    <a:masterClrMapping/>
+  </p:clrMapOvr>
+  <p:transition spd="med"/>
+</p:sld>
+</file>
+
+<file path=ppt/slides/slide4.xml><?xml version="1.0" encoding="utf-8"?>
+<p:sld xmlns:a="http://schemas.openxmlformats.org/drawingml/2006/main" xmlns:r="http://schemas.openxmlformats.org/officeDocument/2006/relationships" xmlns:p="http://schemas.openxmlformats.org/presentationml/2006/main">
+  <p:cSld>
+    <p:spTree>
+      <p:nvGrpSpPr>
+        <p:cNvPr id="1" name=""/>
+        <p:cNvGrpSpPr/>
+        <p:nvPr/>
+      </p:nvGrpSpPr>
+      <p:grpSpPr>
+        <a:xfrm>
+          <a:off x="0" y="0"/>
+          <a:ext cx="0" cy="0"/>
+          <a:chOff x="0" y="0"/>
+          <a:chExt cx="0" cy="0"/>
+        </a:xfrm>
+      </p:grpSpPr>
       <p:pic>
         <p:nvPicPr>
           <p:cNvPr id="2" name="Picture 1"/>
@@ -8167,7 +8691,7 @@
           </a:ln>
           <a:extLst>
             <a:ext uri="{C572A759-6A51-4108-AA02-DFA0A04FC94B}">
-              <ma14:wrappingTextBoxFlag xmlns="" xmlns:m="http://schemas.openxmlformats.org/officeDocument/2006/math" xmlns:a14="http://schemas.microsoft.com/office/drawing/2010/main" xmlns:ma14="http://schemas.microsoft.com/office/mac/drawingml/2011/main" val="1"/>
+              <ma14:wrappingTextBoxFlag xmlns:ma14="http://schemas.microsoft.com/office/mac/drawingml/2011/main" xmlns:a14="http://schemas.microsoft.com/office/drawing/2010/main" xmlns:m="http://schemas.openxmlformats.org/officeDocument/2006/math" xmlns="" val="1"/>
             </a:ext>
           </a:extLst>
         </p:spPr>
@@ -8263,7 +8787,7 @@
           </a:ln>
           <a:extLst>
             <a:ext uri="{C572A759-6A51-4108-AA02-DFA0A04FC94B}">
-              <ma14:wrappingTextBoxFlag xmlns="" xmlns:m="http://schemas.openxmlformats.org/officeDocument/2006/math" xmlns:a14="http://schemas.microsoft.com/office/drawing/2010/main" xmlns:ma14="http://schemas.microsoft.com/office/mac/drawingml/2011/main" val="1"/>
+              <ma14:wrappingTextBoxFlag xmlns:ma14="http://schemas.microsoft.com/office/mac/drawingml/2011/main" xmlns:a14="http://schemas.microsoft.com/office/drawing/2010/main" xmlns:m="http://schemas.openxmlformats.org/officeDocument/2006/math" xmlns="" val="1"/>
             </a:ext>
           </a:extLst>
         </p:spPr>
@@ -8331,8 +8855,8 @@
         </p:nvSpPr>
         <p:spPr>
           <a:xfrm>
-            <a:off x="1639018" y="4606506"/>
-            <a:ext cx="15493041" cy="2310887"/>
+            <a:off x="1639018" y="4123426"/>
+            <a:ext cx="15493041" cy="3772826"/>
           </a:xfrm>
           <a:prstGeom prst="rect">
             <a:avLst/>
@@ -8402,7 +8926,40 @@
                 <a:latin typeface="Calibri Light" panose="020F0302020204030204" pitchFamily="34" charset="0"/>
                 <a:cs typeface="Calibri Light" panose="020F0302020204030204" pitchFamily="34" charset="0"/>
               </a:rPr>
-              <a:t>$75,000”</a:t>
+              <a:t>$</a:t>
+            </a:r>
+            <a:r>
+              <a:rPr lang="en-US" i="1" dirty="0" smtClean="0">
+                <a:solidFill>
+                  <a:schemeClr val="bg1"/>
+                </a:solidFill>
+                <a:latin typeface="Calibri Light" panose="020F0302020204030204" pitchFamily="34" charset="0"/>
+                <a:cs typeface="Calibri Light" panose="020F0302020204030204" pitchFamily="34" charset="0"/>
+              </a:rPr>
+              <a:t>75,000….</a:t>
+            </a:r>
+          </a:p>
+          <a:p>
+            <a:pPr algn="ctr"/>
+            <a:r>
+              <a:rPr lang="en-US" i="1" dirty="0" smtClean="0">
+                <a:solidFill>
+                  <a:schemeClr val="bg1"/>
+                </a:solidFill>
+                <a:latin typeface="Calibri Light" panose="020F0302020204030204" pitchFamily="34" charset="0"/>
+                <a:cs typeface="Calibri Light" panose="020F0302020204030204" pitchFamily="34" charset="0"/>
+              </a:rPr>
+              <a:t>High incomes don’t bring you happiness, but they do bring you a life you think is better</a:t>
+            </a:r>
+            <a:r>
+              <a:rPr lang="en-US" i="1" dirty="0" smtClean="0">
+                <a:solidFill>
+                  <a:schemeClr val="bg1"/>
+                </a:solidFill>
+                <a:latin typeface="Calibri Light" panose="020F0302020204030204" pitchFamily="34" charset="0"/>
+                <a:cs typeface="Calibri Light" panose="020F0302020204030204" pitchFamily="34" charset="0"/>
+              </a:rPr>
+              <a:t>”</a:t>
             </a:r>
             <a:endParaRPr kumimoji="0" lang="en-US" sz="5200" b="0" i="1" u="none" strike="noStrike" cap="none" spc="0" normalizeH="0" baseline="0" dirty="0">
               <a:ln>
@@ -8441,7 +8998,7 @@
 </p:sld>
 </file>
 
-<file path=ppt/slides/slide4.xml><?xml version="1.0" encoding="utf-8"?>
+<file path=ppt/slides/slide5.xml><?xml version="1.0" encoding="utf-8"?>
 <p:sld xmlns:a="http://schemas.openxmlformats.org/drawingml/2006/main" xmlns:r="http://schemas.openxmlformats.org/officeDocument/2006/relationships" xmlns:p="http://schemas.openxmlformats.org/presentationml/2006/main">
   <p:cSld>
     <p:spTree>
@@ -8592,7 +9149,7 @@
         <p:spPr>
           <a:xfrm>
             <a:off x="1915613" y="2912740"/>
-            <a:ext cx="15929465" cy="4847353"/>
+            <a:ext cx="15929465" cy="3979616"/>
           </a:xfrm>
           <a:prstGeom prst="rect">
             <a:avLst/>
@@ -8602,7 +9159,7 @@
           </a:ln>
           <a:extLst>
             <a:ext uri="{C572A759-6A51-4108-AA02-DFA0A04FC94B}">
-              <ma14:wrappingTextBoxFlag xmlns="" xmlns:m="http://schemas.openxmlformats.org/officeDocument/2006/math" xmlns:a14="http://schemas.microsoft.com/office/drawing/2010/main" xmlns:ma14="http://schemas.microsoft.com/office/mac/drawingml/2011/main" val="1"/>
+              <ma14:wrappingTextBoxFlag xmlns:ma14="http://schemas.microsoft.com/office/mac/drawingml/2011/main" xmlns:a14="http://schemas.microsoft.com/office/drawing/2010/main" xmlns:m="http://schemas.openxmlformats.org/officeDocument/2006/math" xmlns="" val="1"/>
             </a:ext>
           </a:extLst>
         </p:spPr>
@@ -8671,21 +9228,7 @@
                 <a:latin typeface="Calibri Light" panose="020F0302020204030204" pitchFamily="34" charset="0"/>
                 <a:cs typeface="Calibri Light" panose="020F0302020204030204" pitchFamily="34" charset="0"/>
               </a:rPr>
-              <a:t>Annual </a:t>
-            </a:r>
-            <a:r>
-              <a:rPr lang="en-US" dirty="0" smtClean="0">
-                <a:latin typeface="Calibri Light" panose="020F0302020204030204" pitchFamily="34" charset="0"/>
-                <a:cs typeface="Calibri Light" panose="020F0302020204030204" pitchFamily="34" charset="0"/>
-              </a:rPr>
-              <a:t>Income</a:t>
-            </a:r>
-            <a:r>
-              <a:rPr lang="en-US" dirty="0" smtClean="0">
-                <a:latin typeface="Calibri Light" panose="020F0302020204030204" pitchFamily="34" charset="0"/>
-                <a:cs typeface="Calibri Light" panose="020F0302020204030204" pitchFamily="34" charset="0"/>
-              </a:rPr>
-              <a:t>: $75,000</a:t>
+              <a:t>Annual Income: $75,000</a:t>
             </a:r>
           </a:p>
           <a:p>
@@ -8713,42 +9256,14 @@
                 <a:latin typeface="Calibri Light" panose="020F0302020204030204" pitchFamily="34" charset="0"/>
                 <a:cs typeface="Calibri Light" panose="020F0302020204030204" pitchFamily="34" charset="0"/>
               </a:rPr>
-              <a:t> Mortgage Payment: $1,750</a:t>
-            </a:r>
-          </a:p>
-          <a:p>
-            <a:pPr marL="241300" marR="1912620" indent="-228600">
-              <a:lnSpc>
-                <a:spcPct val="104099"/>
-              </a:lnSpc>
-              <a:spcBef>
-                <a:spcPts val="1400"/>
-              </a:spcBef>
-              <a:buSzPct val="100000"/>
-              <a:buChar char="•"/>
-              <a:defRPr sz="4300">
-                <a:solidFill>
-                  <a:srgbClr val="404040"/>
-                </a:solidFill>
-                <a:latin typeface="Roboto Light"/>
-                <a:ea typeface="Roboto Light"/>
-                <a:cs typeface="Roboto Light"/>
-                <a:sym typeface="Roboto Light"/>
-              </a:defRPr>
-            </a:pPr>
-            <a:r>
-              <a:rPr lang="en-US" dirty="0">
-                <a:latin typeface="Calibri Light" panose="020F0302020204030204" pitchFamily="34" charset="0"/>
-                <a:cs typeface="Calibri Light" panose="020F0302020204030204" pitchFamily="34" charset="0"/>
-              </a:rPr>
-              <a:t> </a:t>
+              <a:t> Affordable </a:t>
             </a:r>
             <a:r>
               <a:rPr lang="en-US" dirty="0" smtClean="0">
                 <a:latin typeface="Calibri Light" panose="020F0302020204030204" pitchFamily="34" charset="0"/>
                 <a:cs typeface="Calibri Light" panose="020F0302020204030204" pitchFamily="34" charset="0"/>
               </a:rPr>
-              <a:t>Affordable Home Amount: $300K </a:t>
+              <a:t>Home Amount: $300K </a:t>
             </a:r>
           </a:p>
           <a:p>
@@ -8797,7 +9312,7 @@
           </a:ln>
           <a:extLst>
             <a:ext uri="{C572A759-6A51-4108-AA02-DFA0A04FC94B}">
-              <ma14:wrappingTextBoxFlag xmlns="" xmlns:m="http://schemas.openxmlformats.org/officeDocument/2006/math" xmlns:a14="http://schemas.microsoft.com/office/drawing/2010/main" xmlns:ma14="http://schemas.microsoft.com/office/mac/drawingml/2011/main" val="1"/>
+              <ma14:wrappingTextBoxFlag xmlns:ma14="http://schemas.microsoft.com/office/mac/drawingml/2011/main" xmlns:a14="http://schemas.microsoft.com/office/drawing/2010/main" xmlns:m="http://schemas.openxmlformats.org/officeDocument/2006/math" xmlns="" val="1"/>
             </a:ext>
           </a:extLst>
         </p:spPr>
@@ -8880,7 +9395,7 @@
 </p:sld>
 </file>
 
-<file path=ppt/slides/slide5.xml><?xml version="1.0" encoding="utf-8"?>
+<file path=ppt/slides/slide6.xml><?xml version="1.0" encoding="utf-8"?>
 <p:sld xmlns:a="http://schemas.openxmlformats.org/drawingml/2006/main" xmlns:r="http://schemas.openxmlformats.org/officeDocument/2006/relationships" xmlns:p="http://schemas.openxmlformats.org/presentationml/2006/main">
   <p:cSld>
     <p:spTree>
@@ -9041,7 +9556,7 @@
           </a:ln>
           <a:extLst>
             <a:ext uri="{C572A759-6A51-4108-AA02-DFA0A04FC94B}">
-              <ma14:wrappingTextBoxFlag xmlns="" xmlns:m="http://schemas.openxmlformats.org/officeDocument/2006/math" xmlns:a14="http://schemas.microsoft.com/office/drawing/2010/main" xmlns:ma14="http://schemas.microsoft.com/office/mac/drawingml/2011/main" val="1"/>
+              <ma14:wrappingTextBoxFlag xmlns:ma14="http://schemas.microsoft.com/office/mac/drawingml/2011/main" xmlns:a14="http://schemas.microsoft.com/office/drawing/2010/main" xmlns:m="http://schemas.openxmlformats.org/officeDocument/2006/math" xmlns="" val="1"/>
             </a:ext>
           </a:extLst>
         </p:spPr>
@@ -9257,7 +9772,7 @@
           </a:ln>
           <a:extLst>
             <a:ext uri="{C572A759-6A51-4108-AA02-DFA0A04FC94B}">
-              <ma14:wrappingTextBoxFlag xmlns="" xmlns:m="http://schemas.openxmlformats.org/officeDocument/2006/math" xmlns:a14="http://schemas.microsoft.com/office/drawing/2010/main" xmlns:ma14="http://schemas.microsoft.com/office/mac/drawingml/2011/main" val="1"/>
+              <ma14:wrappingTextBoxFlag xmlns:ma14="http://schemas.microsoft.com/office/mac/drawingml/2011/main" xmlns:a14="http://schemas.microsoft.com/office/drawing/2010/main" xmlns:m="http://schemas.openxmlformats.org/officeDocument/2006/math" xmlns="" val="1"/>
             </a:ext>
           </a:extLst>
         </p:spPr>
@@ -9386,7 +9901,7 @@
 </p:sld>
 </file>
 
-<file path=ppt/slides/slide6.xml><?xml version="1.0" encoding="utf-8"?>
+<file path=ppt/slides/slide7.xml><?xml version="1.0" encoding="utf-8"?>
 <p:sld xmlns:a="http://schemas.openxmlformats.org/drawingml/2006/main" xmlns:r="http://schemas.openxmlformats.org/officeDocument/2006/relationships" xmlns:p="http://schemas.openxmlformats.org/presentationml/2006/main">
   <p:cSld>
     <p:spTree>
@@ -9538,7 +10053,7 @@
 </p:sld>
 </file>
 
-<file path=ppt/slides/slide7.xml><?xml version="1.0" encoding="utf-8"?>
+<file path=ppt/slides/slide8.xml><?xml version="1.0" encoding="utf-8"?>
 <p:sld xmlns:a="http://schemas.openxmlformats.org/drawingml/2006/main" xmlns:r="http://schemas.openxmlformats.org/officeDocument/2006/relationships" xmlns:p="http://schemas.openxmlformats.org/presentationml/2006/main">
   <p:cSld>
     <p:spTree>
@@ -9699,7 +10214,7 @@
           </a:ln>
           <a:extLst>
             <a:ext uri="{C572A759-6A51-4108-AA02-DFA0A04FC94B}">
-              <ma14:wrappingTextBoxFlag xmlns="" xmlns:m="http://schemas.openxmlformats.org/officeDocument/2006/math" xmlns:a14="http://schemas.microsoft.com/office/drawing/2010/main" xmlns:ma14="http://schemas.microsoft.com/office/mac/drawingml/2011/main" val="1"/>
+              <ma14:wrappingTextBoxFlag xmlns:ma14="http://schemas.microsoft.com/office/mac/drawingml/2011/main" xmlns:a14="http://schemas.microsoft.com/office/drawing/2010/main" xmlns:m="http://schemas.openxmlformats.org/officeDocument/2006/math" xmlns="" val="1"/>
             </a:ext>
           </a:extLst>
         </p:spPr>
@@ -9754,7 +10269,7 @@
           </a:ln>
           <a:extLst>
             <a:ext uri="{C572A759-6A51-4108-AA02-DFA0A04FC94B}">
-              <ma14:wrappingTextBoxFlag xmlns="" xmlns:m="http://schemas.openxmlformats.org/officeDocument/2006/math" xmlns:a14="http://schemas.microsoft.com/office/drawing/2010/main" xmlns:ma14="http://schemas.microsoft.com/office/mac/drawingml/2011/main" val="1"/>
+              <ma14:wrappingTextBoxFlag xmlns:ma14="http://schemas.microsoft.com/office/mac/drawingml/2011/main" xmlns:a14="http://schemas.microsoft.com/office/drawing/2010/main" xmlns:m="http://schemas.openxmlformats.org/officeDocument/2006/math" xmlns="" val="1"/>
             </a:ext>
           </a:extLst>
         </p:spPr>
@@ -9824,7 +10339,7 @@
 </p:sld>
 </file>
 
-<file path=ppt/slides/slide8.xml><?xml version="1.0" encoding="utf-8"?>
+<file path=ppt/slides/slide9.xml><?xml version="1.0" encoding="utf-8"?>
 <p:sld xmlns:a="http://schemas.openxmlformats.org/drawingml/2006/main" xmlns:r="http://schemas.openxmlformats.org/officeDocument/2006/relationships" xmlns:p="http://schemas.openxmlformats.org/presentationml/2006/main">
   <p:cSld>
     <p:spTree>
@@ -10014,133 +10529,6 @@
     <a:masterClrMapping/>
   </p:clrMapOvr>
   <p:transition spd="med"/>
-  <p:timing>
-    <p:tnLst>
-      <p:par>
-        <p:cTn id="1" dur="indefinite" restart="never" nodeType="tmRoot"/>
-      </p:par>
-    </p:tnLst>
-  </p:timing>
-</p:sld>
-</file>
-
-<file path=ppt/slides/slide9.xml><?xml version="1.0" encoding="utf-8"?>
-<p:sld xmlns:a="http://schemas.openxmlformats.org/drawingml/2006/main" xmlns:r="http://schemas.openxmlformats.org/officeDocument/2006/relationships" xmlns:p="http://schemas.openxmlformats.org/presentationml/2006/main">
-  <p:cSld>
-    <p:spTree>
-      <p:nvGrpSpPr>
-        <p:cNvPr id="1" name=""/>
-        <p:cNvGrpSpPr/>
-        <p:nvPr/>
-      </p:nvGrpSpPr>
-      <p:grpSpPr>
-        <a:xfrm>
-          <a:off x="0" y="0"/>
-          <a:ext cx="0" cy="0"/>
-          <a:chOff x="0" y="0"/>
-          <a:chExt cx="0" cy="0"/>
-        </a:xfrm>
-      </p:grpSpPr>
-      <p:pic>
-        <p:nvPicPr>
-          <p:cNvPr id="5" name="Picture 4"/>
-          <p:cNvPicPr>
-            <a:picLocks noChangeAspect="1"/>
-          </p:cNvPicPr>
-          <p:nvPr/>
-        </p:nvPicPr>
-        <p:blipFill>
-          <a:blip r:embed="rId2"/>
-          <a:stretch>
-            <a:fillRect/>
-          </a:stretch>
-        </p:blipFill>
-        <p:spPr>
-          <a:xfrm>
-            <a:off x="1084262" y="8025186"/>
-            <a:ext cx="17935575" cy="2962275"/>
-          </a:xfrm>
-          <a:prstGeom prst="rect">
-            <a:avLst/>
-          </a:prstGeom>
-        </p:spPr>
-      </p:pic>
-      <p:pic>
-        <p:nvPicPr>
-          <p:cNvPr id="7" name="Picture 6"/>
-          <p:cNvPicPr>
-            <a:picLocks noChangeAspect="1"/>
-          </p:cNvPicPr>
-          <p:nvPr/>
-        </p:nvPicPr>
-        <p:blipFill>
-          <a:blip r:embed="rId3"/>
-          <a:stretch>
-            <a:fillRect/>
-          </a:stretch>
-        </p:blipFill>
-        <p:spPr>
-          <a:xfrm>
-            <a:off x="16418779" y="1254324"/>
-            <a:ext cx="1944021" cy="1926104"/>
-          </a:xfrm>
-          <a:prstGeom prst="rect">
-            <a:avLst/>
-          </a:prstGeom>
-        </p:spPr>
-      </p:pic>
-      <p:pic>
-        <p:nvPicPr>
-          <p:cNvPr id="4" name="Picture 3"/>
-          <p:cNvPicPr>
-            <a:picLocks noChangeAspect="1"/>
-          </p:cNvPicPr>
-          <p:nvPr/>
-        </p:nvPicPr>
-        <p:blipFill>
-          <a:blip r:embed="rId4">
-            <a:extLst>
-              <a:ext uri="{28A0092B-C50C-407E-A947-70E740481C1C}">
-                <a14:useLocalDpi xmlns:a14="http://schemas.microsoft.com/office/drawing/2010/main" val="0"/>
-              </a:ext>
-            </a:extLst>
-          </a:blip>
-          <a:stretch>
-            <a:fillRect/>
-          </a:stretch>
-        </p:blipFill>
-        <p:spPr>
-          <a:xfrm>
-            <a:off x="2676784" y="762953"/>
-            <a:ext cx="13084959" cy="9048804"/>
-          </a:xfrm>
-          <a:prstGeom prst="rect">
-            <a:avLst/>
-          </a:prstGeom>
-        </p:spPr>
-      </p:pic>
-    </p:spTree>
-    <p:extLst>
-      <p:ext uri="{BB962C8B-B14F-4D97-AF65-F5344CB8AC3E}">
-        <p14:creationId xmlns:p14="http://schemas.microsoft.com/office/powerpoint/2010/main" val="2875720002"/>
-      </p:ext>
-    </p:extLst>
-  </p:cSld>
-  <p:clrMapOvr>
-    <a:masterClrMapping/>
-  </p:clrMapOvr>
-  <mc:AlternateContent xmlns:mc="http://schemas.openxmlformats.org/markup-compatibility/2006" xmlns:p14="http://schemas.microsoft.com/office/powerpoint/2010/main">
-    <mc:Choice Requires="p14">
-      <p:transition spd="slow" p14:dur="800">
-        <p14:flythrough/>
-      </p:transition>
-    </mc:Choice>
-    <mc:Fallback xmlns="">
-      <p:transition spd="slow">
-        <p:fade/>
-      </p:transition>
-    </mc:Fallback>
-  </mc:AlternateContent>
   <p:timing>
     <p:tnLst>
       <p:par>

--- a/RealEstate_Presentation.pptx
+++ b/RealEstate_Presentation.pptx
@@ -5,7 +5,7 @@
     <p:sldMasterId id="2147483648" r:id="rId1"/>
   </p:sldMasterIdLst>
   <p:notesMasterIdLst>
-    <p:notesMasterId r:id="rId17"/>
+    <p:notesMasterId r:id="rId18"/>
   </p:notesMasterIdLst>
   <p:sldIdLst>
     <p:sldId id="257" r:id="rId2"/>
@@ -14,15 +14,16 @@
     <p:sldId id="307" r:id="rId5"/>
     <p:sldId id="308" r:id="rId6"/>
     <p:sldId id="297" r:id="rId7"/>
-    <p:sldId id="304" r:id="rId8"/>
-    <p:sldId id="309" r:id="rId9"/>
-    <p:sldId id="303" r:id="rId10"/>
+    <p:sldId id="313" r:id="rId8"/>
+    <p:sldId id="304" r:id="rId9"/>
+    <p:sldId id="309" r:id="rId10"/>
     <p:sldId id="311" r:id="rId11"/>
-    <p:sldId id="302" r:id="rId12"/>
+    <p:sldId id="303" r:id="rId12"/>
     <p:sldId id="310" r:id="rId13"/>
-    <p:sldId id="298" r:id="rId14"/>
-    <p:sldId id="301" r:id="rId15"/>
-    <p:sldId id="264" r:id="rId16"/>
+    <p:sldId id="302" r:id="rId14"/>
+    <p:sldId id="298" r:id="rId15"/>
+    <p:sldId id="301" r:id="rId16"/>
+    <p:sldId id="264" r:id="rId17"/>
   </p:sldIdLst>
   <p:sldSz cx="20104100" cy="11303000"/>
   <p:notesSz cx="6858000" cy="9144000"/>
@@ -620,7 +621,7 @@
           </a:ln>
           <a:extLst>
             <a:ext uri="{C572A759-6A51-4108-AA02-DFA0A04FC94B}">
-              <ma14:wrappingTextBoxFlag xmlns:ma14="http://schemas.microsoft.com/office/mac/drawingml/2011/main" xmlns:a14="http://schemas.microsoft.com/office/drawing/2010/main" xmlns:m="http://schemas.openxmlformats.org/officeDocument/2006/math" xmlns="" val="1"/>
+              <ma14:wrappingTextBoxFlag xmlns="" xmlns:m="http://schemas.openxmlformats.org/officeDocument/2006/math" xmlns:a14="http://schemas.microsoft.com/office/drawing/2010/main" xmlns:ma14="http://schemas.microsoft.com/office/mac/drawingml/2011/main" val="1"/>
             </a:ext>
           </a:extLst>
         </p:spPr>
@@ -3037,7 +3038,7 @@
           </a:ln>
           <a:extLst>
             <a:ext uri="{C572A759-6A51-4108-AA02-DFA0A04FC94B}">
-              <ma14:wrappingTextBoxFlag xmlns:ma14="http://schemas.microsoft.com/office/mac/drawingml/2011/main" xmlns:a14="http://schemas.microsoft.com/office/drawing/2010/main" xmlns:m="http://schemas.openxmlformats.org/officeDocument/2006/math" xmlns="" val="1"/>
+              <ma14:wrappingTextBoxFlag xmlns="" xmlns:m="http://schemas.openxmlformats.org/officeDocument/2006/math" xmlns:a14="http://schemas.microsoft.com/office/drawing/2010/main" xmlns:ma14="http://schemas.microsoft.com/office/mac/drawingml/2011/main" val="1"/>
             </a:ext>
           </a:extLst>
         </p:spPr>
@@ -3080,7 +3081,7 @@
           </a:ln>
           <a:extLst>
             <a:ext uri="{C572A759-6A51-4108-AA02-DFA0A04FC94B}">
-              <ma14:wrappingTextBoxFlag xmlns:ma14="http://schemas.microsoft.com/office/mac/drawingml/2011/main" xmlns:a14="http://schemas.microsoft.com/office/drawing/2010/main" xmlns:m="http://schemas.openxmlformats.org/officeDocument/2006/math" xmlns="" val="1"/>
+              <ma14:wrappingTextBoxFlag xmlns="" xmlns:m="http://schemas.openxmlformats.org/officeDocument/2006/math" xmlns:a14="http://schemas.microsoft.com/office/drawing/2010/main" xmlns:ma14="http://schemas.microsoft.com/office/mac/drawingml/2011/main" val="1"/>
             </a:ext>
           </a:extLst>
         </p:spPr>
@@ -3123,7 +3124,7 @@
           </a:ln>
           <a:extLst>
             <a:ext uri="{C572A759-6A51-4108-AA02-DFA0A04FC94B}">
-              <ma14:wrappingTextBoxFlag xmlns:ma14="http://schemas.microsoft.com/office/mac/drawingml/2011/main" xmlns:a14="http://schemas.microsoft.com/office/drawing/2010/main" xmlns:m="http://schemas.openxmlformats.org/officeDocument/2006/math" xmlns="" val="1"/>
+              <ma14:wrappingTextBoxFlag xmlns="" xmlns:m="http://schemas.openxmlformats.org/officeDocument/2006/math" xmlns:a14="http://schemas.microsoft.com/office/drawing/2010/main" xmlns:ma14="http://schemas.microsoft.com/office/mac/drawingml/2011/main" val="1"/>
             </a:ext>
           </a:extLst>
         </p:spPr>
@@ -3173,7 +3174,7 @@
           </a:ln>
           <a:extLst>
             <a:ext uri="{C572A759-6A51-4108-AA02-DFA0A04FC94B}">
-              <ma14:wrappingTextBoxFlag xmlns:ma14="http://schemas.microsoft.com/office/mac/drawingml/2011/main" xmlns:a14="http://schemas.microsoft.com/office/drawing/2010/main" xmlns:m="http://schemas.openxmlformats.org/officeDocument/2006/math" xmlns="" val="1"/>
+              <ma14:wrappingTextBoxFlag xmlns="" xmlns:m="http://schemas.openxmlformats.org/officeDocument/2006/math" xmlns:a14="http://schemas.microsoft.com/office/drawing/2010/main" xmlns:ma14="http://schemas.microsoft.com/office/mac/drawingml/2011/main" val="1"/>
             </a:ext>
           </a:extLst>
         </p:spPr>
@@ -3431,7 +3432,7 @@
             <a:effectLst/>
             <a:extLst>
               <a:ext uri="{C572A759-6A51-4108-AA02-DFA0A04FC94B}">
-                <ma14:wrappingTextBoxFlag xmlns:ma14="http://schemas.microsoft.com/office/mac/drawingml/2011/main" xmlns:a14="http://schemas.microsoft.com/office/drawing/2010/main" xmlns:m="http://schemas.openxmlformats.org/officeDocument/2006/math" xmlns="" val="1"/>
+                <ma14:wrappingTextBoxFlag xmlns="" xmlns:m="http://schemas.openxmlformats.org/officeDocument/2006/math" xmlns:a14="http://schemas.microsoft.com/office/drawing/2010/main" xmlns:ma14="http://schemas.microsoft.com/office/mac/drawingml/2011/main" val="1"/>
               </a:ext>
             </a:extLst>
           </p:spPr>
@@ -3691,7 +3692,7 @@
             <a:effectLst/>
             <a:extLst>
               <a:ext uri="{C572A759-6A51-4108-AA02-DFA0A04FC94B}">
-                <ma14:wrappingTextBoxFlag xmlns:ma14="http://schemas.microsoft.com/office/mac/drawingml/2011/main" xmlns:a14="http://schemas.microsoft.com/office/drawing/2010/main" xmlns:m="http://schemas.openxmlformats.org/officeDocument/2006/math" xmlns="" val="1"/>
+                <ma14:wrappingTextBoxFlag xmlns="" xmlns:m="http://schemas.openxmlformats.org/officeDocument/2006/math" xmlns:a14="http://schemas.microsoft.com/office/drawing/2010/main" xmlns:ma14="http://schemas.microsoft.com/office/mac/drawingml/2011/main" val="1"/>
               </a:ext>
             </a:extLst>
           </p:spPr>
@@ -3813,7 +3814,7 @@
             <a:effectLst/>
             <a:extLst>
               <a:ext uri="{C572A759-6A51-4108-AA02-DFA0A04FC94B}">
-                <ma14:wrappingTextBoxFlag xmlns:ma14="http://schemas.microsoft.com/office/mac/drawingml/2011/main" xmlns:a14="http://schemas.microsoft.com/office/drawing/2010/main" xmlns:m="http://schemas.openxmlformats.org/officeDocument/2006/math" xmlns="" val="1"/>
+                <ma14:wrappingTextBoxFlag xmlns="" xmlns:m="http://schemas.openxmlformats.org/officeDocument/2006/math" xmlns:a14="http://schemas.microsoft.com/office/drawing/2010/main" xmlns:ma14="http://schemas.microsoft.com/office/mac/drawingml/2011/main" val="1"/>
               </a:ext>
             </a:extLst>
           </p:spPr>
@@ -4104,7 +4105,7 @@
           </a:ln>
           <a:extLst>
             <a:ext uri="{C572A759-6A51-4108-AA02-DFA0A04FC94B}">
-              <ma14:wrappingTextBoxFlag xmlns:ma14="http://schemas.microsoft.com/office/mac/drawingml/2011/main" xmlns:a14="http://schemas.microsoft.com/office/drawing/2010/main" xmlns:m="http://schemas.openxmlformats.org/officeDocument/2006/math" xmlns="" val="1"/>
+              <ma14:wrappingTextBoxFlag xmlns="" xmlns:m="http://schemas.openxmlformats.org/officeDocument/2006/math" xmlns:a14="http://schemas.microsoft.com/office/drawing/2010/main" xmlns:ma14="http://schemas.microsoft.com/office/mac/drawingml/2011/main" val="1"/>
             </a:ext>
           </a:extLst>
         </p:spPr>
@@ -4268,7 +4269,7 @@
           </a:ln>
           <a:extLst>
             <a:ext uri="{C572A759-6A51-4108-AA02-DFA0A04FC94B}">
-              <ma14:wrappingTextBoxFlag xmlns:ma14="http://schemas.microsoft.com/office/mac/drawingml/2011/main" xmlns:a14="http://schemas.microsoft.com/office/drawing/2010/main" xmlns:m="http://schemas.openxmlformats.org/officeDocument/2006/math" xmlns="" val="1"/>
+              <ma14:wrappingTextBoxFlag xmlns="" xmlns:m="http://schemas.openxmlformats.org/officeDocument/2006/math" xmlns:a14="http://schemas.microsoft.com/office/drawing/2010/main" xmlns:ma14="http://schemas.microsoft.com/office/mac/drawingml/2011/main" val="1"/>
             </a:ext>
           </a:extLst>
         </p:spPr>
@@ -4305,7 +4306,7 @@
           </a:ln>
           <a:extLst>
             <a:ext uri="{C572A759-6A51-4108-AA02-DFA0A04FC94B}">
-              <ma14:wrappingTextBoxFlag xmlns:ma14="http://schemas.microsoft.com/office/mac/drawingml/2011/main" xmlns:a14="http://schemas.microsoft.com/office/drawing/2010/main" xmlns:m="http://schemas.openxmlformats.org/officeDocument/2006/math" xmlns="" val="1"/>
+              <ma14:wrappingTextBoxFlag xmlns="" xmlns:m="http://schemas.openxmlformats.org/officeDocument/2006/math" xmlns:a14="http://schemas.microsoft.com/office/drawing/2010/main" xmlns:ma14="http://schemas.microsoft.com/office/mac/drawingml/2011/main" val="1"/>
             </a:ext>
           </a:extLst>
         </p:spPr>
@@ -5287,7 +5288,7 @@
           </a:ln>
           <a:extLst>
             <a:ext uri="{C572A759-6A51-4108-AA02-DFA0A04FC94B}">
-              <ma14:wrappingTextBoxFlag xmlns:ma14="http://schemas.microsoft.com/office/mac/drawingml/2011/main" xmlns:a14="http://schemas.microsoft.com/office/drawing/2010/main" xmlns:m="http://schemas.openxmlformats.org/officeDocument/2006/math" xmlns="" val="1"/>
+              <ma14:wrappingTextBoxFlag xmlns="" xmlns:m="http://schemas.openxmlformats.org/officeDocument/2006/math" xmlns:a14="http://schemas.microsoft.com/office/drawing/2010/main" xmlns:ma14="http://schemas.microsoft.com/office/mac/drawingml/2011/main" val="1"/>
             </a:ext>
           </a:extLst>
         </p:spPr>
@@ -5313,14 +5314,7 @@
                 <a:latin typeface="+mj-lt"/>
                 <a:cs typeface="Calibri Light" panose="020F0302020204030204" pitchFamily="34" charset="0"/>
               </a:rPr>
-              <a:t>Real Estate </a:t>
-            </a:r>
-            <a:r>
-              <a:rPr lang="en-US" dirty="0" smtClean="0">
-                <a:latin typeface="+mj-lt"/>
-                <a:cs typeface="Calibri Light" panose="020F0302020204030204" pitchFamily="34" charset="0"/>
-              </a:rPr>
-              <a:t>Market Analysis</a:t>
+              <a:t>Real Estate Market Analysis</a:t>
             </a:r>
             <a:endParaRPr dirty="0">
               <a:latin typeface="+mj-lt"/>
@@ -5781,7 +5775,7 @@
           </a:ln>
           <a:extLst>
             <a:ext uri="{C572A759-6A51-4108-AA02-DFA0A04FC94B}">
-              <ma14:wrappingTextBoxFlag xmlns:ma14="http://schemas.microsoft.com/office/mac/drawingml/2011/main" xmlns:a14="http://schemas.microsoft.com/office/drawing/2010/main" xmlns:m="http://schemas.openxmlformats.org/officeDocument/2006/math" xmlns="" val="1"/>
+              <ma14:wrappingTextBoxFlag xmlns="" xmlns:m="http://schemas.openxmlformats.org/officeDocument/2006/math" xmlns:a14="http://schemas.microsoft.com/office/drawing/2010/main" xmlns:ma14="http://schemas.microsoft.com/office/mac/drawingml/2011/main" val="1"/>
             </a:ext>
           </a:extLst>
         </p:spPr>
@@ -6042,7 +6036,7 @@
         </p:blipFill>
         <p:spPr>
           <a:xfrm>
-            <a:off x="16418779" y="1254324"/>
+            <a:off x="16125481" y="7062134"/>
             <a:ext cx="1944021" cy="1926104"/>
           </a:xfrm>
           <a:prstGeom prst="rect">
@@ -6072,14 +6066,52 @@
         </p:blipFill>
         <p:spPr>
           <a:xfrm>
-            <a:off x="2676784" y="762953"/>
-            <a:ext cx="13084959" cy="9048804"/>
+            <a:off x="3756189" y="1742535"/>
+            <a:ext cx="11418957" cy="7896693"/>
           </a:xfrm>
           <a:prstGeom prst="rect">
             <a:avLst/>
           </a:prstGeom>
         </p:spPr>
       </p:pic>
+      <p:sp>
+        <p:nvSpPr>
+          <p:cNvPr id="6" name="Rectangle 5"/>
+          <p:cNvSpPr/>
+          <p:nvPr/>
+        </p:nvSpPr>
+        <p:spPr>
+          <a:xfrm>
+            <a:off x="0" y="697737"/>
+            <a:ext cx="20104100" cy="797654"/>
+          </a:xfrm>
+          <a:prstGeom prst="rect">
+            <a:avLst/>
+          </a:prstGeom>
+        </p:spPr>
+        <p:txBody>
+          <a:bodyPr wrap="square">
+            <a:spAutoFit/>
+          </a:bodyPr>
+          <a:lstStyle/>
+          <a:p>
+            <a:pPr algn="ctr"/>
+            <a:r>
+              <a:rPr lang="en-US" dirty="0" smtClean="0">
+                <a:solidFill>
+                  <a:srgbClr val="C00000"/>
+                </a:solidFill>
+              </a:rPr>
+              <a:t>Top 5 Most Affordable – Rent to Income Ratio</a:t>
+            </a:r>
+            <a:endParaRPr lang="en-US" dirty="0">
+              <a:solidFill>
+                <a:srgbClr val="C00000"/>
+              </a:solidFill>
+            </a:endParaRPr>
+          </a:p>
+        </p:txBody>
+      </p:sp>
     </p:spTree>
     <p:extLst>
       <p:ext uri="{BB962C8B-B14F-4D97-AF65-F5344CB8AC3E}">
@@ -6155,16 +6187,14 @@
       </p:pic>
       <p:pic>
         <p:nvPicPr>
-          <p:cNvPr id="2" name="Picture 1">
-            <a:hlinkClick r:id="rId3"/>
-          </p:cNvPr>
+          <p:cNvPr id="3" name="Picture 2"/>
           <p:cNvPicPr>
             <a:picLocks noChangeAspect="1"/>
           </p:cNvPicPr>
           <p:nvPr/>
         </p:nvPicPr>
         <p:blipFill>
-          <a:blip r:embed="rId4">
+          <a:blip r:embed="rId3">
             <a:extLst>
               <a:ext uri="{28A0092B-C50C-407E-A947-70E740481C1C}">
                 <a14:useLocalDpi xmlns:a14="http://schemas.microsoft.com/office/drawing/2010/main" val="0"/>
@@ -6177,8 +6207,8 @@
         </p:blipFill>
         <p:spPr>
           <a:xfrm>
-            <a:off x="3115183" y="268677"/>
-            <a:ext cx="11497288" cy="9168723"/>
+            <a:off x="4330461" y="1883511"/>
+            <a:ext cx="10457416" cy="8191333"/>
           </a:xfrm>
           <a:prstGeom prst="rect">
             <a:avLst/>
@@ -6187,22 +6217,22 @@
       </p:pic>
       <p:pic>
         <p:nvPicPr>
-          <p:cNvPr id="6" name="Picture 5"/>
+          <p:cNvPr id="7" name="Picture 6"/>
           <p:cNvPicPr>
             <a:picLocks noChangeAspect="1"/>
           </p:cNvPicPr>
           <p:nvPr/>
         </p:nvPicPr>
         <p:blipFill>
-          <a:blip r:embed="rId5"/>
+          <a:blip r:embed="rId4"/>
           <a:stretch>
             <a:fillRect/>
           </a:stretch>
         </p:blipFill>
         <p:spPr>
           <a:xfrm>
-            <a:off x="15041606" y="859955"/>
-            <a:ext cx="2181661" cy="1962636"/>
+            <a:off x="16091526" y="7415064"/>
+            <a:ext cx="1944021" cy="1926104"/>
           </a:xfrm>
           <a:prstGeom prst="rect">
             <a:avLst/>
@@ -6211,13 +6241,13 @@
       </p:pic>
       <p:sp>
         <p:nvSpPr>
-          <p:cNvPr id="8" name="Striped Right Arrow 7"/>
+          <p:cNvPr id="2" name="Striped Right Arrow 1"/>
           <p:cNvSpPr/>
           <p:nvPr/>
         </p:nvSpPr>
         <p:spPr>
           <a:xfrm>
-            <a:off x="504387" y="7172007"/>
+            <a:off x="531235" y="6918954"/>
             <a:ext cx="3190672" cy="992221"/>
           </a:xfrm>
           <a:prstGeom prst="stripedRightArrow">
@@ -6293,10 +6323,59 @@
           </a:p>
         </p:txBody>
       </p:sp>
+      <p:sp>
+        <p:nvSpPr>
+          <p:cNvPr id="6" name="Rectangle 5"/>
+          <p:cNvSpPr/>
+          <p:nvPr/>
+        </p:nvSpPr>
+        <p:spPr>
+          <a:xfrm>
+            <a:off x="0" y="336724"/>
+            <a:ext cx="20104099" cy="1554272"/>
+          </a:xfrm>
+          <a:prstGeom prst="rect">
+            <a:avLst/>
+          </a:prstGeom>
+        </p:spPr>
+        <p:txBody>
+          <a:bodyPr wrap="square">
+            <a:spAutoFit/>
+          </a:bodyPr>
+          <a:lstStyle/>
+          <a:p>
+            <a:pPr algn="ctr"/>
+            <a:r>
+              <a:rPr lang="en-US" dirty="0" smtClean="0">
+                <a:solidFill>
+                  <a:srgbClr val="C00000"/>
+                </a:solidFill>
+              </a:rPr>
+              <a:t>Top 5 Most Affordable &amp; Least Affordable</a:t>
+            </a:r>
+          </a:p>
+          <a:p>
+            <a:pPr algn="ctr"/>
+            <a:r>
+              <a:rPr lang="en-US" dirty="0" smtClean="0">
+                <a:solidFill>
+                  <a:srgbClr val="C00000"/>
+                </a:solidFill>
+              </a:rPr>
+              <a:t>Rent to Income Ratio</a:t>
+            </a:r>
+            <a:endParaRPr lang="en-US" dirty="0">
+              <a:solidFill>
+                <a:srgbClr val="C00000"/>
+              </a:solidFill>
+            </a:endParaRPr>
+          </a:p>
+        </p:txBody>
+      </p:sp>
     </p:spTree>
     <p:extLst>
       <p:ext uri="{BB962C8B-B14F-4D97-AF65-F5344CB8AC3E}">
-        <p14:creationId xmlns:p14="http://schemas.microsoft.com/office/powerpoint/2010/main" val="665310101"/>
+        <p14:creationId xmlns:p14="http://schemas.microsoft.com/office/powerpoint/2010/main" val="1290321715"/>
       </p:ext>
     </p:extLst>
   </p:cSld>
@@ -6333,7 +6412,7 @@
       </p:grpSpPr>
       <p:pic>
         <p:nvPicPr>
-          <p:cNvPr id="3" name="Picture 2"/>
+          <p:cNvPr id="4" name="Picture 3"/>
           <p:cNvPicPr>
             <a:picLocks noChangeAspect="1"/>
           </p:cNvPicPr>
@@ -6347,30 +6426,6 @@
         </p:blipFill>
         <p:spPr>
           <a:xfrm>
-            <a:off x="15918428" y="859954"/>
-            <a:ext cx="2181661" cy="1962636"/>
-          </a:xfrm>
-          <a:prstGeom prst="rect">
-            <a:avLst/>
-          </a:prstGeom>
-        </p:spPr>
-      </p:pic>
-      <p:pic>
-        <p:nvPicPr>
-          <p:cNvPr id="4" name="Picture 3"/>
-          <p:cNvPicPr>
-            <a:picLocks noChangeAspect="1"/>
-          </p:cNvPicPr>
-          <p:nvPr/>
-        </p:nvPicPr>
-        <p:blipFill>
-          <a:blip r:embed="rId3"/>
-          <a:stretch>
-            <a:fillRect/>
-          </a:stretch>
-        </p:blipFill>
-        <p:spPr>
-          <a:xfrm>
             <a:off x="1084262" y="8025186"/>
             <a:ext cx="17935575" cy="2962275"/>
           </a:xfrm>
@@ -6388,7 +6443,7 @@
           <p:nvPr/>
         </p:nvPicPr>
         <p:blipFill>
-          <a:blip r:embed="rId4">
+          <a:blip r:embed="rId3">
             <a:extLst>
               <a:ext uri="{28A0092B-C50C-407E-A947-70E740481C1C}">
                 <a14:useLocalDpi xmlns:a14="http://schemas.microsoft.com/office/drawing/2010/main" val="0"/>
@@ -6401,8 +6456,70 @@
         </p:blipFill>
         <p:spPr>
           <a:xfrm>
-            <a:off x="2853694" y="859954"/>
-            <a:ext cx="12457642" cy="8902891"/>
+            <a:off x="3743865" y="1417304"/>
+            <a:ext cx="11412196" cy="8155760"/>
+          </a:xfrm>
+          <a:prstGeom prst="rect">
+            <a:avLst/>
+          </a:prstGeom>
+        </p:spPr>
+      </p:pic>
+      <p:sp>
+        <p:nvSpPr>
+          <p:cNvPr id="5" name="Rectangle 4"/>
+          <p:cNvSpPr/>
+          <p:nvPr/>
+        </p:nvSpPr>
+        <p:spPr>
+          <a:xfrm>
+            <a:off x="0" y="661844"/>
+            <a:ext cx="20104100" cy="797654"/>
+          </a:xfrm>
+          <a:prstGeom prst="rect">
+            <a:avLst/>
+          </a:prstGeom>
+        </p:spPr>
+        <p:txBody>
+          <a:bodyPr wrap="square">
+            <a:spAutoFit/>
+          </a:bodyPr>
+          <a:lstStyle/>
+          <a:p>
+            <a:pPr algn="ctr"/>
+            <a:r>
+              <a:rPr lang="en-US" dirty="0" smtClean="0">
+                <a:solidFill>
+                  <a:srgbClr val="C00000"/>
+                </a:solidFill>
+              </a:rPr>
+              <a:t>Top 5 Most Affordable – Purchase Price to Income Ratio</a:t>
+            </a:r>
+            <a:endParaRPr lang="en-US" dirty="0">
+              <a:solidFill>
+                <a:srgbClr val="C00000"/>
+              </a:solidFill>
+            </a:endParaRPr>
+          </a:p>
+        </p:txBody>
+      </p:sp>
+      <p:pic>
+        <p:nvPicPr>
+          <p:cNvPr id="3" name="Picture 2"/>
+          <p:cNvPicPr>
+            <a:picLocks noChangeAspect="1"/>
+          </p:cNvPicPr>
+          <p:nvPr/>
+        </p:nvPicPr>
+        <p:blipFill>
+          <a:blip r:embed="rId4"/>
+          <a:stretch>
+            <a:fillRect/>
+          </a:stretch>
+        </p:blipFill>
+        <p:spPr>
+          <a:xfrm>
+            <a:off x="15815018" y="7043868"/>
+            <a:ext cx="2181661" cy="1962636"/>
           </a:xfrm>
           <a:prstGeom prst="rect">
             <a:avLst/>
@@ -6460,6 +6577,257 @@
       </p:grpSpPr>
       <p:pic>
         <p:nvPicPr>
+          <p:cNvPr id="5" name="Picture 4"/>
+          <p:cNvPicPr>
+            <a:picLocks noChangeAspect="1"/>
+          </p:cNvPicPr>
+          <p:nvPr/>
+        </p:nvPicPr>
+        <p:blipFill>
+          <a:blip r:embed="rId2"/>
+          <a:stretch>
+            <a:fillRect/>
+          </a:stretch>
+        </p:blipFill>
+        <p:spPr>
+          <a:xfrm>
+            <a:off x="1084262" y="8025186"/>
+            <a:ext cx="17935575" cy="2962275"/>
+          </a:xfrm>
+          <a:prstGeom prst="rect">
+            <a:avLst/>
+          </a:prstGeom>
+        </p:spPr>
+      </p:pic>
+      <p:pic>
+        <p:nvPicPr>
+          <p:cNvPr id="2" name="Picture 1">
+            <a:hlinkClick r:id="rId3"/>
+          </p:cNvPr>
+          <p:cNvPicPr>
+            <a:picLocks noChangeAspect="1"/>
+          </p:cNvPicPr>
+          <p:nvPr/>
+        </p:nvPicPr>
+        <p:blipFill>
+          <a:blip r:embed="rId4">
+            <a:extLst>
+              <a:ext uri="{28A0092B-C50C-407E-A947-70E740481C1C}">
+                <a14:useLocalDpi xmlns:a14="http://schemas.microsoft.com/office/drawing/2010/main" val="0"/>
+              </a:ext>
+            </a:extLst>
+          </a:blip>
+          <a:stretch>
+            <a:fillRect/>
+          </a:stretch>
+        </p:blipFill>
+        <p:spPr>
+          <a:xfrm>
+            <a:off x="4913606" y="2216116"/>
+            <a:ext cx="9919700" cy="7910646"/>
+          </a:xfrm>
+          <a:prstGeom prst="rect">
+            <a:avLst/>
+          </a:prstGeom>
+        </p:spPr>
+      </p:pic>
+      <p:pic>
+        <p:nvPicPr>
+          <p:cNvPr id="6" name="Picture 5"/>
+          <p:cNvPicPr>
+            <a:picLocks noChangeAspect="1"/>
+          </p:cNvPicPr>
+          <p:nvPr/>
+        </p:nvPicPr>
+        <p:blipFill>
+          <a:blip r:embed="rId5"/>
+          <a:stretch>
+            <a:fillRect/>
+          </a:stretch>
+        </p:blipFill>
+        <p:spPr>
+          <a:xfrm>
+            <a:off x="15835741" y="7474764"/>
+            <a:ext cx="2181661" cy="1962636"/>
+          </a:xfrm>
+          <a:prstGeom prst="rect">
+            <a:avLst/>
+          </a:prstGeom>
+        </p:spPr>
+      </p:pic>
+      <p:sp>
+        <p:nvSpPr>
+          <p:cNvPr id="8" name="Striped Right Arrow 7"/>
+          <p:cNvSpPr/>
+          <p:nvPr/>
+        </p:nvSpPr>
+        <p:spPr>
+          <a:xfrm>
+            <a:off x="504387" y="7172007"/>
+            <a:ext cx="3190672" cy="992221"/>
+          </a:xfrm>
+          <a:prstGeom prst="stripedRightArrow">
+            <a:avLst/>
+          </a:prstGeom>
+          <a:solidFill>
+            <a:srgbClr val="FFFFFF"/>
+          </a:solidFill>
+          <a:ln w="25400" cap="flat">
+            <a:solidFill>
+              <a:schemeClr val="accent1"/>
+            </a:solidFill>
+            <a:prstDash val="solid"/>
+            <a:round/>
+          </a:ln>
+          <a:effectLst>
+            <a:outerShdw blurRad="38100" dist="23000" dir="5400000" rotWithShape="0">
+              <a:srgbClr val="000000">
+                <a:alpha val="35000"/>
+              </a:srgbClr>
+            </a:outerShdw>
+          </a:effectLst>
+          <a:sp3d/>
+        </p:spPr>
+        <p:style>
+          <a:lnRef idx="0">
+            <a:scrgbClr r="0" g="0" b="0"/>
+          </a:lnRef>
+          <a:fillRef idx="0">
+            <a:scrgbClr r="0" g="0" b="0"/>
+          </a:fillRef>
+          <a:effectRef idx="0">
+            <a:scrgbClr r="0" g="0" b="0"/>
+          </a:effectRef>
+          <a:fontRef idx="none"/>
+        </p:style>
+        <p:txBody>
+          <a:bodyPr rot="0" spcFirstLastPara="1" vertOverflow="overflow" horzOverflow="overflow" vert="horz" wrap="square" lIns="45719" tIns="45719" rIns="45719" bIns="45719" numCol="1" spcCol="38100" rtlCol="0" anchor="ctr">
+            <a:spAutoFit/>
+          </a:bodyPr>
+          <a:lstStyle/>
+          <a:p>
+            <a:pPr marL="0" marR="0" indent="0" algn="l" defTabSz="914400" rtl="0" fontAlgn="auto" latinLnBrk="0" hangingPunct="0">
+              <a:lnSpc>
+                <a:spcPct val="100000"/>
+              </a:lnSpc>
+              <a:spcBef>
+                <a:spcPts val="0"/>
+              </a:spcBef>
+              <a:spcAft>
+                <a:spcPts val="0"/>
+              </a:spcAft>
+              <a:buClrTx/>
+              <a:buSzTx/>
+              <a:buFontTx/>
+              <a:buNone/>
+              <a:tabLst/>
+            </a:pPr>
+            <a:endParaRPr kumimoji="0" lang="en-US" sz="1800" b="0" i="0" u="none" strike="noStrike" cap="none" spc="0" normalizeH="0" baseline="0">
+              <a:ln>
+                <a:noFill/>
+              </a:ln>
+              <a:solidFill>
+                <a:srgbClr val="000000"/>
+              </a:solidFill>
+              <a:effectLst/>
+              <a:uFillTx/>
+              <a:latin typeface="+mj-lt"/>
+              <a:ea typeface="+mj-ea"/>
+              <a:cs typeface="+mj-cs"/>
+              <a:sym typeface="Roboto Thin"/>
+            </a:endParaRPr>
+          </a:p>
+        </p:txBody>
+      </p:sp>
+      <p:sp>
+        <p:nvSpPr>
+          <p:cNvPr id="7" name="Rectangle 6"/>
+          <p:cNvSpPr/>
+          <p:nvPr/>
+        </p:nvSpPr>
+        <p:spPr>
+          <a:xfrm>
+            <a:off x="0" y="661844"/>
+            <a:ext cx="20104099" cy="1554272"/>
+          </a:xfrm>
+          <a:prstGeom prst="rect">
+            <a:avLst/>
+          </a:prstGeom>
+        </p:spPr>
+        <p:txBody>
+          <a:bodyPr wrap="square">
+            <a:spAutoFit/>
+          </a:bodyPr>
+          <a:lstStyle/>
+          <a:p>
+            <a:pPr algn="ctr"/>
+            <a:r>
+              <a:rPr lang="en-US" dirty="0">
+                <a:solidFill>
+                  <a:srgbClr val="C00000"/>
+                </a:solidFill>
+              </a:rPr>
+              <a:t>Top 5 Most Affordable &amp; Least Affordable</a:t>
+            </a:r>
+          </a:p>
+          <a:p>
+            <a:pPr algn="ctr"/>
+            <a:r>
+              <a:rPr lang="en-US" dirty="0" smtClean="0">
+                <a:solidFill>
+                  <a:srgbClr val="C00000"/>
+                </a:solidFill>
+              </a:rPr>
+              <a:t>Purchase Price to Income Ratio</a:t>
+            </a:r>
+            <a:endParaRPr lang="en-US" dirty="0">
+              <a:solidFill>
+                <a:srgbClr val="C00000"/>
+              </a:solidFill>
+            </a:endParaRPr>
+          </a:p>
+        </p:txBody>
+      </p:sp>
+    </p:spTree>
+    <p:extLst>
+      <p:ext uri="{BB962C8B-B14F-4D97-AF65-F5344CB8AC3E}">
+        <p14:creationId xmlns:p14="http://schemas.microsoft.com/office/powerpoint/2010/main" val="665310101"/>
+      </p:ext>
+    </p:extLst>
+  </p:cSld>
+  <p:clrMapOvr>
+    <a:masterClrMapping/>
+  </p:clrMapOvr>
+  <p:transition spd="med"/>
+  <p:timing>
+    <p:tnLst>
+      <p:par>
+        <p:cTn id="1" dur="indefinite" restart="never" nodeType="tmRoot"/>
+      </p:par>
+    </p:tnLst>
+  </p:timing>
+</p:sld>
+</file>
+
+<file path=ppt/slides/slide14.xml><?xml version="1.0" encoding="utf-8"?>
+<p:sld xmlns:a="http://schemas.openxmlformats.org/drawingml/2006/main" xmlns:r="http://schemas.openxmlformats.org/officeDocument/2006/relationships" xmlns:p="http://schemas.openxmlformats.org/presentationml/2006/main">
+  <p:cSld>
+    <p:spTree>
+      <p:nvGrpSpPr>
+        <p:cNvPr id="1" name=""/>
+        <p:cNvGrpSpPr/>
+        <p:nvPr/>
+      </p:nvGrpSpPr>
+      <p:grpSpPr>
+        <a:xfrm>
+          <a:off x="0" y="0"/>
+          <a:ext cx="0" cy="0"/>
+          <a:chOff x="0" y="0"/>
+          <a:chExt cx="0" cy="0"/>
+        </a:xfrm>
+      </p:grpSpPr>
+      <p:pic>
+        <p:nvPicPr>
           <p:cNvPr id="2" name="Picture 1"/>
           <p:cNvPicPr>
             <a:picLocks noChangeAspect="1"/>
@@ -6602,7 +6970,7 @@
           </a:ln>
           <a:extLst>
             <a:ext uri="{C572A759-6A51-4108-AA02-DFA0A04FC94B}">
-              <ma14:wrappingTextBoxFlag xmlns:ma14="http://schemas.microsoft.com/office/mac/drawingml/2011/main" xmlns:a14="http://schemas.microsoft.com/office/drawing/2010/main" xmlns:m="http://schemas.openxmlformats.org/officeDocument/2006/math" xmlns="" val="1"/>
+              <ma14:wrappingTextBoxFlag xmlns="" xmlns:m="http://schemas.openxmlformats.org/officeDocument/2006/math" xmlns:a14="http://schemas.microsoft.com/office/drawing/2010/main" xmlns:ma14="http://schemas.microsoft.com/office/mac/drawingml/2011/main" val="1"/>
             </a:ext>
           </a:extLst>
         </p:spPr>
@@ -6728,7 +7096,7 @@
           </a:ln>
           <a:extLst>
             <a:ext uri="{C572A759-6A51-4108-AA02-DFA0A04FC94B}">
-              <ma14:wrappingTextBoxFlag xmlns:ma14="http://schemas.microsoft.com/office/mac/drawingml/2011/main" xmlns:a14="http://schemas.microsoft.com/office/drawing/2010/main" xmlns:m="http://schemas.openxmlformats.org/officeDocument/2006/math" xmlns="" val="1"/>
+              <ma14:wrappingTextBoxFlag xmlns="" xmlns:m="http://schemas.openxmlformats.org/officeDocument/2006/math" xmlns:a14="http://schemas.microsoft.com/office/drawing/2010/main" xmlns:ma14="http://schemas.microsoft.com/office/mac/drawingml/2011/main" val="1"/>
             </a:ext>
           </a:extLst>
         </p:spPr>
@@ -6809,7 +7177,7 @@
 </p:sld>
 </file>
 
-<file path=ppt/slides/slide14.xml><?xml version="1.0" encoding="utf-8"?>
+<file path=ppt/slides/slide15.xml><?xml version="1.0" encoding="utf-8"?>
 <p:sld xmlns:a="http://schemas.openxmlformats.org/drawingml/2006/main" xmlns:r="http://schemas.openxmlformats.org/officeDocument/2006/relationships" xmlns:p="http://schemas.openxmlformats.org/presentationml/2006/main">
   <p:cSld>
     <p:spTree>
@@ -6970,7 +7338,7 @@
           </a:ln>
           <a:extLst>
             <a:ext uri="{C572A759-6A51-4108-AA02-DFA0A04FC94B}">
-              <ma14:wrappingTextBoxFlag xmlns:ma14="http://schemas.microsoft.com/office/mac/drawingml/2011/main" xmlns:a14="http://schemas.microsoft.com/office/drawing/2010/main" xmlns:m="http://schemas.openxmlformats.org/officeDocument/2006/math" xmlns="" val="1"/>
+              <ma14:wrappingTextBoxFlag xmlns="" xmlns:m="http://schemas.openxmlformats.org/officeDocument/2006/math" xmlns:a14="http://schemas.microsoft.com/office/drawing/2010/main" xmlns:ma14="http://schemas.microsoft.com/office/mac/drawingml/2011/main" val="1"/>
             </a:ext>
           </a:extLst>
         </p:spPr>
@@ -7083,7 +7451,7 @@
           </a:ln>
           <a:extLst>
             <a:ext uri="{C572A759-6A51-4108-AA02-DFA0A04FC94B}">
-              <ma14:wrappingTextBoxFlag xmlns:ma14="http://schemas.microsoft.com/office/mac/drawingml/2011/main" xmlns:a14="http://schemas.microsoft.com/office/drawing/2010/main" xmlns:m="http://schemas.openxmlformats.org/officeDocument/2006/math" xmlns="" val="1"/>
+              <ma14:wrappingTextBoxFlag xmlns="" xmlns:m="http://schemas.openxmlformats.org/officeDocument/2006/math" xmlns:a14="http://schemas.microsoft.com/office/drawing/2010/main" xmlns:ma14="http://schemas.microsoft.com/office/mac/drawingml/2011/main" val="1"/>
             </a:ext>
           </a:extLst>
         </p:spPr>
@@ -7136,7 +7504,7 @@
 </p:sld>
 </file>
 
-<file path=ppt/slides/slide15.xml><?xml version="1.0" encoding="utf-8"?>
+<file path=ppt/slides/slide16.xml><?xml version="1.0" encoding="utf-8"?>
 <p:sld xmlns:a="http://schemas.openxmlformats.org/drawingml/2006/main" xmlns:r="http://schemas.openxmlformats.org/officeDocument/2006/relationships" xmlns:p="http://schemas.openxmlformats.org/presentationml/2006/main">
   <p:cSld>
     <p:spTree>
@@ -7722,7 +8090,7 @@
           </a:ln>
           <a:extLst>
             <a:ext uri="{C572A759-6A51-4108-AA02-DFA0A04FC94B}">
-              <ma14:wrappingTextBoxFlag xmlns:ma14="http://schemas.microsoft.com/office/mac/drawingml/2011/main" xmlns:a14="http://schemas.microsoft.com/office/drawing/2010/main" xmlns:m="http://schemas.openxmlformats.org/officeDocument/2006/math" xmlns="" val="1"/>
+              <ma14:wrappingTextBoxFlag xmlns="" xmlns:m="http://schemas.openxmlformats.org/officeDocument/2006/math" xmlns:a14="http://schemas.microsoft.com/office/drawing/2010/main" xmlns:ma14="http://schemas.microsoft.com/office/mac/drawingml/2011/main" val="1"/>
             </a:ext>
           </a:extLst>
         </p:spPr>
@@ -7787,7 +8155,7 @@
         <p:dissolve/>
       </p:transition>
     </mc:Choice>
-    <mc:Fallback xmlns:a14="http://schemas.microsoft.com/office/drawing/2010/main" xmlns:m="http://schemas.openxmlformats.org/officeDocument/2006/math" xmlns="">
+    <mc:Fallback xmlns="" xmlns:m="http://schemas.openxmlformats.org/officeDocument/2006/math" xmlns:a14="http://schemas.microsoft.com/office/drawing/2010/main">
       <p:transition spd="slow">
         <p:fade/>
       </p:transition>
@@ -7886,7 +8254,7 @@
           </a:ln>
           <a:extLst>
             <a:ext uri="{C572A759-6A51-4108-AA02-DFA0A04FC94B}">
-              <ma14:wrappingTextBoxFlag xmlns="" xmlns:m="http://schemas.openxmlformats.org/officeDocument/2006/math" xmlns:a14="http://schemas.microsoft.com/office/drawing/2010/main" xmlns:ma14="http://schemas.microsoft.com/office/mac/drawingml/2011/main" val="1"/>
+              <ma14:wrappingTextBoxFlag xmlns:ma14="http://schemas.microsoft.com/office/mac/drawingml/2011/main" xmlns:a14="http://schemas.microsoft.com/office/drawing/2010/main" xmlns:m="http://schemas.openxmlformats.org/officeDocument/2006/math" xmlns="" val="1"/>
             </a:ext>
           </a:extLst>
         </p:spPr>
@@ -8048,7 +8416,7 @@
           </a:ln>
           <a:extLst>
             <a:ext uri="{C572A759-6A51-4108-AA02-DFA0A04FC94B}">
-              <ma14:wrappingTextBoxFlag xmlns:ma14="http://schemas.microsoft.com/office/mac/drawingml/2011/main" xmlns:a14="http://schemas.microsoft.com/office/drawing/2010/main" xmlns:m="http://schemas.openxmlformats.org/officeDocument/2006/math" xmlns="" val="1"/>
+              <ma14:wrappingTextBoxFlag xmlns="" xmlns:m="http://schemas.openxmlformats.org/officeDocument/2006/math" xmlns:a14="http://schemas.microsoft.com/office/drawing/2010/main" xmlns:ma14="http://schemas.microsoft.com/office/mac/drawingml/2011/main" val="1"/>
             </a:ext>
           </a:extLst>
         </p:spPr>
@@ -8302,7 +8670,7 @@
           </a:ln>
           <a:extLst>
             <a:ext uri="{C572A759-6A51-4108-AA02-DFA0A04FC94B}">
-              <ma14:wrappingTextBoxFlag xmlns:ma14="http://schemas.microsoft.com/office/mac/drawingml/2011/main" xmlns:a14="http://schemas.microsoft.com/office/drawing/2010/main" xmlns:m="http://schemas.openxmlformats.org/officeDocument/2006/math" xmlns="" val="1"/>
+              <ma14:wrappingTextBoxFlag xmlns="" xmlns:m="http://schemas.openxmlformats.org/officeDocument/2006/math" xmlns:a14="http://schemas.microsoft.com/office/drawing/2010/main" xmlns:ma14="http://schemas.microsoft.com/office/mac/drawingml/2011/main" val="1"/>
             </a:ext>
           </a:extLst>
         </p:spPr>
@@ -8357,7 +8725,7 @@
           </a:ln>
           <a:extLst>
             <a:ext uri="{C572A759-6A51-4108-AA02-DFA0A04FC94B}">
-              <ma14:wrappingTextBoxFlag xmlns:ma14="http://schemas.microsoft.com/office/mac/drawingml/2011/main" xmlns:a14="http://schemas.microsoft.com/office/drawing/2010/main" xmlns:m="http://schemas.openxmlformats.org/officeDocument/2006/math" xmlns="" val="1"/>
+              <ma14:wrappingTextBoxFlag xmlns="" xmlns:m="http://schemas.openxmlformats.org/officeDocument/2006/math" xmlns:a14="http://schemas.microsoft.com/office/drawing/2010/main" xmlns:ma14="http://schemas.microsoft.com/office/mac/drawingml/2011/main" val="1"/>
             </a:ext>
           </a:extLst>
         </p:spPr>
@@ -8484,10 +8852,6 @@
               </a:rPr>
               <a:t>Or, Afford to Rent or Buy?</a:t>
             </a:r>
-            <a:endParaRPr lang="en-US" dirty="0" smtClean="0">
-              <a:latin typeface="Calibri Light" panose="020F0302020204030204" pitchFamily="34" charset="0"/>
-              <a:cs typeface="Calibri Light" panose="020F0302020204030204" pitchFamily="34" charset="0"/>
-            </a:endParaRPr>
           </a:p>
           <a:p>
             <a:pPr marL="241300" marR="1912620" lvl="1" indent="-228600">
@@ -8527,6 +8891,13 @@
     <a:masterClrMapping/>
   </p:clrMapOvr>
   <p:transition spd="med"/>
+  <p:timing>
+    <p:tnLst>
+      <p:par>
+        <p:cTn id="1" dur="indefinite" restart="never" nodeType="tmRoot"/>
+      </p:par>
+    </p:tnLst>
+  </p:timing>
 </p:sld>
 </file>
 
@@ -8691,7 +9062,7 @@
           </a:ln>
           <a:extLst>
             <a:ext uri="{C572A759-6A51-4108-AA02-DFA0A04FC94B}">
-              <ma14:wrappingTextBoxFlag xmlns:ma14="http://schemas.microsoft.com/office/mac/drawingml/2011/main" xmlns:a14="http://schemas.microsoft.com/office/drawing/2010/main" xmlns:m="http://schemas.openxmlformats.org/officeDocument/2006/math" xmlns="" val="1"/>
+              <ma14:wrappingTextBoxFlag xmlns="" xmlns:m="http://schemas.openxmlformats.org/officeDocument/2006/math" xmlns:a14="http://schemas.microsoft.com/office/drawing/2010/main" xmlns:ma14="http://schemas.microsoft.com/office/mac/drawingml/2011/main" val="1"/>
             </a:ext>
           </a:extLst>
         </p:spPr>
@@ -8787,7 +9158,7 @@
           </a:ln>
           <a:extLst>
             <a:ext uri="{C572A759-6A51-4108-AA02-DFA0A04FC94B}">
-              <ma14:wrappingTextBoxFlag xmlns:ma14="http://schemas.microsoft.com/office/mac/drawingml/2011/main" xmlns:a14="http://schemas.microsoft.com/office/drawing/2010/main" xmlns:m="http://schemas.openxmlformats.org/officeDocument/2006/math" xmlns="" val="1"/>
+              <ma14:wrappingTextBoxFlag xmlns="" xmlns:m="http://schemas.openxmlformats.org/officeDocument/2006/math" xmlns:a14="http://schemas.microsoft.com/office/drawing/2010/main" xmlns:ma14="http://schemas.microsoft.com/office/mac/drawingml/2011/main" val="1"/>
             </a:ext>
           </a:extLst>
         </p:spPr>
@@ -8949,17 +9320,7 @@
                 <a:latin typeface="Calibri Light" panose="020F0302020204030204" pitchFamily="34" charset="0"/>
                 <a:cs typeface="Calibri Light" panose="020F0302020204030204" pitchFamily="34" charset="0"/>
               </a:rPr>
-              <a:t>High incomes don’t bring you happiness, but they do bring you a life you think is better</a:t>
-            </a:r>
-            <a:r>
-              <a:rPr lang="en-US" i="1" dirty="0" smtClean="0">
-                <a:solidFill>
-                  <a:schemeClr val="bg1"/>
-                </a:solidFill>
-                <a:latin typeface="Calibri Light" panose="020F0302020204030204" pitchFamily="34" charset="0"/>
-                <a:cs typeface="Calibri Light" panose="020F0302020204030204" pitchFamily="34" charset="0"/>
-              </a:rPr>
-              <a:t>”</a:t>
+              <a:t>High incomes don’t bring you happiness, but they do bring you a life you think is better”</a:t>
             </a:r>
             <a:endParaRPr kumimoji="0" lang="en-US" sz="5200" b="0" i="1" u="none" strike="noStrike" cap="none" spc="0" normalizeH="0" baseline="0" dirty="0">
               <a:ln>
@@ -9159,7 +9520,7 @@
           </a:ln>
           <a:extLst>
             <a:ext uri="{C572A759-6A51-4108-AA02-DFA0A04FC94B}">
-              <ma14:wrappingTextBoxFlag xmlns:ma14="http://schemas.microsoft.com/office/mac/drawingml/2011/main" xmlns:a14="http://schemas.microsoft.com/office/drawing/2010/main" xmlns:m="http://schemas.openxmlformats.org/officeDocument/2006/math" xmlns="" val="1"/>
+              <ma14:wrappingTextBoxFlag xmlns="" xmlns:m="http://schemas.openxmlformats.org/officeDocument/2006/math" xmlns:a14="http://schemas.microsoft.com/office/drawing/2010/main" xmlns:ma14="http://schemas.microsoft.com/office/mac/drawingml/2011/main" val="1"/>
             </a:ext>
           </a:extLst>
         </p:spPr>
@@ -9193,8 +9554,19 @@
                 <a:latin typeface="Calibri Light" panose="020F0302020204030204" pitchFamily="34" charset="0"/>
                 <a:cs typeface="Calibri Light" panose="020F0302020204030204" pitchFamily="34" charset="0"/>
               </a:rPr>
-              <a:t> Nerd Wallet &amp; Bankrate.com recommend 36% of your gross income</a:t>
+              <a:t> Nerd Wallet &amp; Bankrate.com recommend 36% of your gross </a:t>
             </a:r>
+            <a:r>
+              <a:rPr lang="en-US" dirty="0" smtClean="0">
+                <a:latin typeface="Calibri Light" panose="020F0302020204030204" pitchFamily="34" charset="0"/>
+                <a:cs typeface="Calibri Light" panose="020F0302020204030204" pitchFamily="34" charset="0"/>
+              </a:rPr>
+              <a:t>income towards housing</a:t>
+            </a:r>
+            <a:endParaRPr lang="en-US" dirty="0" smtClean="0">
+              <a:latin typeface="Calibri Light" panose="020F0302020204030204" pitchFamily="34" charset="0"/>
+              <a:cs typeface="Calibri Light" panose="020F0302020204030204" pitchFamily="34" charset="0"/>
+            </a:endParaRPr>
           </a:p>
           <a:p>
             <a:pPr marL="241300" marR="1912620" lvl="2" indent="-228600">
@@ -9256,14 +9628,7 @@
                 <a:latin typeface="Calibri Light" panose="020F0302020204030204" pitchFamily="34" charset="0"/>
                 <a:cs typeface="Calibri Light" panose="020F0302020204030204" pitchFamily="34" charset="0"/>
               </a:rPr>
-              <a:t> Affordable </a:t>
-            </a:r>
-            <a:r>
-              <a:rPr lang="en-US" dirty="0" smtClean="0">
-                <a:latin typeface="Calibri Light" panose="020F0302020204030204" pitchFamily="34" charset="0"/>
-                <a:cs typeface="Calibri Light" panose="020F0302020204030204" pitchFamily="34" charset="0"/>
-              </a:rPr>
-              <a:t>Home Amount: $300K </a:t>
+              <a:t> Affordable Home Amount: $300K </a:t>
             </a:r>
           </a:p>
           <a:p>
@@ -9312,7 +9677,7 @@
           </a:ln>
           <a:extLst>
             <a:ext uri="{C572A759-6A51-4108-AA02-DFA0A04FC94B}">
-              <ma14:wrappingTextBoxFlag xmlns:ma14="http://schemas.microsoft.com/office/mac/drawingml/2011/main" xmlns:a14="http://schemas.microsoft.com/office/drawing/2010/main" xmlns:m="http://schemas.openxmlformats.org/officeDocument/2006/math" xmlns="" val="1"/>
+              <ma14:wrappingTextBoxFlag xmlns="" xmlns:m="http://schemas.openxmlformats.org/officeDocument/2006/math" xmlns:a14="http://schemas.microsoft.com/office/drawing/2010/main" xmlns:ma14="http://schemas.microsoft.com/office/mac/drawingml/2011/main" val="1"/>
             </a:ext>
           </a:extLst>
         </p:spPr>
@@ -9556,7 +9921,7 @@
           </a:ln>
           <a:extLst>
             <a:ext uri="{C572A759-6A51-4108-AA02-DFA0A04FC94B}">
-              <ma14:wrappingTextBoxFlag xmlns:ma14="http://schemas.microsoft.com/office/mac/drawingml/2011/main" xmlns:a14="http://schemas.microsoft.com/office/drawing/2010/main" xmlns:m="http://schemas.openxmlformats.org/officeDocument/2006/math" xmlns="" val="1"/>
+              <ma14:wrappingTextBoxFlag xmlns="" xmlns:m="http://schemas.openxmlformats.org/officeDocument/2006/math" xmlns:a14="http://schemas.microsoft.com/office/drawing/2010/main" xmlns:ma14="http://schemas.microsoft.com/office/mac/drawingml/2011/main" val="1"/>
             </a:ext>
           </a:extLst>
         </p:spPr>
@@ -9772,7 +10137,7 @@
           </a:ln>
           <a:extLst>
             <a:ext uri="{C572A759-6A51-4108-AA02-DFA0A04FC94B}">
-              <ma14:wrappingTextBoxFlag xmlns:ma14="http://schemas.microsoft.com/office/mac/drawingml/2011/main" xmlns:a14="http://schemas.microsoft.com/office/drawing/2010/main" xmlns:m="http://schemas.openxmlformats.org/officeDocument/2006/math" xmlns="" val="1"/>
+              <ma14:wrappingTextBoxFlag xmlns="" xmlns:m="http://schemas.openxmlformats.org/officeDocument/2006/math" xmlns:a14="http://schemas.microsoft.com/office/drawing/2010/main" xmlns:ma14="http://schemas.microsoft.com/office/mac/drawingml/2011/main" val="1"/>
             </a:ext>
           </a:extLst>
         </p:spPr>
@@ -9920,28 +10285,46 @@
       </p:grpSpPr>
       <p:pic>
         <p:nvPicPr>
-          <p:cNvPr id="2" name="Picture 1"/>
+          <p:cNvPr id="14" name="Picture 13"/>
           <p:cNvPicPr>
             <a:picLocks noChangeAspect="1"/>
           </p:cNvPicPr>
           <p:nvPr/>
         </p:nvPicPr>
         <p:blipFill>
-          <a:blip r:embed="rId2">
-            <a:extLst>
-              <a:ext uri="{28A0092B-C50C-407E-A947-70E740481C1C}">
-                <a14:useLocalDpi xmlns:a14="http://schemas.microsoft.com/office/drawing/2010/main" val="0"/>
-              </a:ext>
-            </a:extLst>
-          </a:blip>
+          <a:blip r:embed="rId2"/>
           <a:stretch>
             <a:fillRect/>
           </a:stretch>
         </p:blipFill>
         <p:spPr>
           <a:xfrm>
-            <a:off x="2483929" y="2050831"/>
-            <a:ext cx="13867693" cy="9095270"/>
+            <a:off x="375320" y="5939869"/>
+            <a:ext cx="3851623" cy="5330905"/>
+          </a:xfrm>
+          <a:prstGeom prst="rect">
+            <a:avLst/>
+          </a:prstGeom>
+        </p:spPr>
+      </p:pic>
+      <p:pic>
+        <p:nvPicPr>
+          <p:cNvPr id="13" name="Picture 12"/>
+          <p:cNvPicPr>
+            <a:picLocks noChangeAspect="1"/>
+          </p:cNvPicPr>
+          <p:nvPr/>
+        </p:nvPicPr>
+        <p:blipFill>
+          <a:blip r:embed="rId3"/>
+          <a:stretch>
+            <a:fillRect/>
+          </a:stretch>
+        </p:blipFill>
+        <p:spPr>
+          <a:xfrm>
+            <a:off x="375320" y="1167845"/>
+            <a:ext cx="4029075" cy="4772025"/>
           </a:xfrm>
           <a:prstGeom prst="rect">
             <a:avLst/>
@@ -9995,34 +10378,107 @@
           </a:p>
         </p:txBody>
       </p:sp>
+      <p:pic>
+        <p:nvPicPr>
+          <p:cNvPr id="12" name="Picture 11"/>
+          <p:cNvPicPr>
+            <a:picLocks noChangeAspect="1"/>
+          </p:cNvPicPr>
+          <p:nvPr/>
+        </p:nvPicPr>
+        <p:blipFill>
+          <a:blip r:embed="rId4"/>
+          <a:stretch>
+            <a:fillRect/>
+          </a:stretch>
+        </p:blipFill>
+        <p:spPr>
+          <a:xfrm>
+            <a:off x="3761117" y="1155939"/>
+            <a:ext cx="16342984" cy="10114836"/>
+          </a:xfrm>
+          <a:prstGeom prst="rect">
+            <a:avLst/>
+          </a:prstGeom>
+        </p:spPr>
+      </p:pic>
+      <p:pic>
+        <p:nvPicPr>
+          <p:cNvPr id="11" name="Picture 10"/>
+          <p:cNvPicPr>
+            <a:picLocks noChangeAspect="1"/>
+          </p:cNvPicPr>
+          <p:nvPr/>
+        </p:nvPicPr>
+        <p:blipFill>
+          <a:blip r:embed="rId5"/>
+          <a:stretch>
+            <a:fillRect/>
+          </a:stretch>
+        </p:blipFill>
+        <p:spPr>
+          <a:xfrm>
+            <a:off x="2426698" y="8025577"/>
+            <a:ext cx="2886075" cy="1666875"/>
+          </a:xfrm>
+          <a:prstGeom prst="rect">
+            <a:avLst/>
+          </a:prstGeom>
+        </p:spPr>
+      </p:pic>
+      <p:pic>
+        <p:nvPicPr>
+          <p:cNvPr id="10" name="Picture 9"/>
+          <p:cNvPicPr>
+            <a:picLocks noChangeAspect="1"/>
+          </p:cNvPicPr>
+          <p:nvPr/>
+        </p:nvPicPr>
+        <p:blipFill>
+          <a:blip r:embed="rId6"/>
+          <a:stretch>
+            <a:fillRect/>
+          </a:stretch>
+        </p:blipFill>
+        <p:spPr>
+          <a:xfrm>
+            <a:off x="995811" y="6730177"/>
+            <a:ext cx="1762125" cy="1419225"/>
+          </a:xfrm>
+          <a:prstGeom prst="rect">
+            <a:avLst/>
+          </a:prstGeom>
+        </p:spPr>
+      </p:pic>
       <p:sp>
         <p:nvSpPr>
-          <p:cNvPr id="4" name="Rectangle 3"/>
+          <p:cNvPr id="16" name="Rectangle 15"/>
           <p:cNvSpPr/>
           <p:nvPr/>
         </p:nvSpPr>
         <p:spPr>
           <a:xfrm>
-            <a:off x="1533629" y="854350"/>
-            <a:ext cx="17603217" cy="797654"/>
+            <a:off x="375320" y="190181"/>
+            <a:ext cx="19728781" cy="797654"/>
           </a:xfrm>
           <a:prstGeom prst="rect">
             <a:avLst/>
           </a:prstGeom>
         </p:spPr>
         <p:txBody>
-          <a:bodyPr wrap="none">
+          <a:bodyPr wrap="square">
             <a:spAutoFit/>
           </a:bodyPr>
           <a:lstStyle/>
           <a:p>
+            <a:pPr algn="ctr"/>
             <a:r>
-              <a:rPr lang="en-US" dirty="0" smtClean="0">
+              <a:rPr lang="en-US" dirty="0">
                 <a:solidFill>
                   <a:srgbClr val="C00000"/>
                 </a:solidFill>
               </a:rPr>
-              <a:t>26 US Cities have average annual income of $75K or more</a:t>
+              <a:t>26 US Cities have median annual income of $75K or more</a:t>
             </a:r>
             <a:endParaRPr lang="en-US" dirty="0">
               <a:solidFill>
@@ -10035,7 +10491,7 @@
     </p:spTree>
     <p:extLst>
       <p:ext uri="{BB962C8B-B14F-4D97-AF65-F5344CB8AC3E}">
-        <p14:creationId xmlns:p14="http://schemas.microsoft.com/office/powerpoint/2010/main" val="479886061"/>
+        <p14:creationId xmlns:p14="http://schemas.microsoft.com/office/powerpoint/2010/main" val="1515780831"/>
       </p:ext>
     </p:extLst>
   </p:cSld>
@@ -10079,6 +10535,174 @@
           <p:nvPr/>
         </p:nvPicPr>
         <p:blipFill>
+          <a:blip r:embed="rId2">
+            <a:extLst>
+              <a:ext uri="{28A0092B-C50C-407E-A947-70E740481C1C}">
+                <a14:useLocalDpi xmlns:a14="http://schemas.microsoft.com/office/drawing/2010/main" val="0"/>
+              </a:ext>
+            </a:extLst>
+          </a:blip>
+          <a:stretch>
+            <a:fillRect/>
+          </a:stretch>
+        </p:blipFill>
+        <p:spPr>
+          <a:xfrm>
+            <a:off x="2483929" y="2050831"/>
+            <a:ext cx="13867693" cy="9095270"/>
+          </a:xfrm>
+          <a:prstGeom prst="rect">
+            <a:avLst/>
+          </a:prstGeom>
+        </p:spPr>
+      </p:pic>
+      <p:sp>
+        <p:nvSpPr>
+          <p:cNvPr id="3" name="object 2"/>
+          <p:cNvSpPr/>
+          <p:nvPr/>
+        </p:nvSpPr>
+        <p:spPr>
+          <a:xfrm>
+            <a:off x="706" y="398"/>
+            <a:ext cx="374614" cy="11307644"/>
+          </a:xfrm>
+          <a:prstGeom prst="rect">
+            <a:avLst/>
+          </a:prstGeom>
+          <a:solidFill>
+            <a:srgbClr val="000066"/>
+          </a:solidFill>
+          <a:ln w="12700">
+            <a:miter lim="400000"/>
+          </a:ln>
+        </p:spPr>
+        <p:txBody>
+          <a:bodyPr lIns="45719" rIns="45719"/>
+          <a:lstStyle/>
+          <a:p>
+            <a:pPr marR="0">
+              <a:lnSpc>
+                <a:spcPct val="100000"/>
+              </a:lnSpc>
+              <a:spcBef>
+                <a:spcPts val="0"/>
+              </a:spcBef>
+              <a:tabLst/>
+              <a:defRPr sz="800">
+                <a:solidFill>
+                  <a:srgbClr val="000000"/>
+                </a:solidFill>
+                <a:latin typeface="+mj-lt"/>
+                <a:ea typeface="+mj-ea"/>
+                <a:cs typeface="+mj-cs"/>
+                <a:sym typeface="Roboto Thin"/>
+              </a:defRPr>
+            </a:pPr>
+            <a:endParaRPr/>
+          </a:p>
+        </p:txBody>
+      </p:sp>
+      <p:sp>
+        <p:nvSpPr>
+          <p:cNvPr id="4" name="Rectangle 3"/>
+          <p:cNvSpPr/>
+          <p:nvPr/>
+        </p:nvSpPr>
+        <p:spPr>
+          <a:xfrm>
+            <a:off x="1533629" y="854350"/>
+            <a:ext cx="17380399" cy="797654"/>
+          </a:xfrm>
+          <a:prstGeom prst="rect">
+            <a:avLst/>
+          </a:prstGeom>
+        </p:spPr>
+        <p:txBody>
+          <a:bodyPr wrap="none">
+            <a:spAutoFit/>
+          </a:bodyPr>
+          <a:lstStyle/>
+          <a:p>
+            <a:r>
+              <a:rPr lang="en-US" dirty="0" smtClean="0">
+                <a:solidFill>
+                  <a:srgbClr val="C00000"/>
+                </a:solidFill>
+              </a:rPr>
+              <a:t>26 US Cities have </a:t>
+            </a:r>
+            <a:r>
+              <a:rPr lang="en-US" dirty="0" smtClean="0">
+                <a:solidFill>
+                  <a:srgbClr val="C00000"/>
+                </a:solidFill>
+              </a:rPr>
+              <a:t>median </a:t>
+            </a:r>
+            <a:r>
+              <a:rPr lang="en-US" dirty="0" smtClean="0">
+                <a:solidFill>
+                  <a:srgbClr val="C00000"/>
+                </a:solidFill>
+              </a:rPr>
+              <a:t>annual income of $75K or more</a:t>
+            </a:r>
+            <a:endParaRPr lang="en-US" dirty="0">
+              <a:solidFill>
+                <a:srgbClr val="C00000"/>
+              </a:solidFill>
+            </a:endParaRPr>
+          </a:p>
+        </p:txBody>
+      </p:sp>
+    </p:spTree>
+    <p:extLst>
+      <p:ext uri="{BB962C8B-B14F-4D97-AF65-F5344CB8AC3E}">
+        <p14:creationId xmlns:p14="http://schemas.microsoft.com/office/powerpoint/2010/main" val="479886061"/>
+      </p:ext>
+    </p:extLst>
+  </p:cSld>
+  <p:clrMapOvr>
+    <a:masterClrMapping/>
+  </p:clrMapOvr>
+  <p:transition spd="med"/>
+  <p:timing>
+    <p:tnLst>
+      <p:par>
+        <p:cTn id="1" dur="indefinite" restart="never" nodeType="tmRoot"/>
+      </p:par>
+    </p:tnLst>
+  </p:timing>
+</p:sld>
+</file>
+
+<file path=ppt/slides/slide9.xml><?xml version="1.0" encoding="utf-8"?>
+<p:sld xmlns:a="http://schemas.openxmlformats.org/drawingml/2006/main" xmlns:r="http://schemas.openxmlformats.org/officeDocument/2006/relationships" xmlns:p="http://schemas.openxmlformats.org/presentationml/2006/main">
+  <p:cSld>
+    <p:spTree>
+      <p:nvGrpSpPr>
+        <p:cNvPr id="1" name=""/>
+        <p:cNvGrpSpPr/>
+        <p:nvPr/>
+      </p:nvGrpSpPr>
+      <p:grpSpPr>
+        <a:xfrm>
+          <a:off x="0" y="0"/>
+          <a:ext cx="0" cy="0"/>
+          <a:chOff x="0" y="0"/>
+          <a:chExt cx="0" cy="0"/>
+        </a:xfrm>
+      </p:grpSpPr>
+      <p:pic>
+        <p:nvPicPr>
+          <p:cNvPr id="2" name="Picture 1"/>
+          <p:cNvPicPr>
+            <a:picLocks noChangeAspect="1"/>
+          </p:cNvPicPr>
+          <p:nvPr/>
+        </p:nvPicPr>
+        <p:blipFill>
           <a:blip r:embed="rId2"/>
           <a:stretch>
             <a:fillRect/>
@@ -10214,7 +10838,7 @@
           </a:ln>
           <a:extLst>
             <a:ext uri="{C572A759-6A51-4108-AA02-DFA0A04FC94B}">
-              <ma14:wrappingTextBoxFlag xmlns:ma14="http://schemas.microsoft.com/office/mac/drawingml/2011/main" xmlns:a14="http://schemas.microsoft.com/office/drawing/2010/main" xmlns:m="http://schemas.openxmlformats.org/officeDocument/2006/math" xmlns="" val="1"/>
+              <ma14:wrappingTextBoxFlag xmlns="" xmlns:m="http://schemas.openxmlformats.org/officeDocument/2006/math" xmlns:a14="http://schemas.microsoft.com/office/drawing/2010/main" xmlns:ma14="http://schemas.microsoft.com/office/mac/drawingml/2011/main" val="1"/>
             </a:ext>
           </a:extLst>
         </p:spPr>
@@ -10269,7 +10893,7 @@
           </a:ln>
           <a:extLst>
             <a:ext uri="{C572A759-6A51-4108-AA02-DFA0A04FC94B}">
-              <ma14:wrappingTextBoxFlag xmlns:ma14="http://schemas.microsoft.com/office/mac/drawingml/2011/main" xmlns:a14="http://schemas.microsoft.com/office/drawing/2010/main" xmlns:m="http://schemas.openxmlformats.org/officeDocument/2006/math" xmlns="" val="1"/>
+              <ma14:wrappingTextBoxFlag xmlns="" xmlns:m="http://schemas.openxmlformats.org/officeDocument/2006/math" xmlns:a14="http://schemas.microsoft.com/office/drawing/2010/main" xmlns:ma14="http://schemas.microsoft.com/office/mac/drawingml/2011/main" val="1"/>
             </a:ext>
           </a:extLst>
         </p:spPr>
@@ -10329,206 +10953,6 @@
       </p:transition>
     </mc:Fallback>
   </mc:AlternateContent>
-  <p:timing>
-    <p:tnLst>
-      <p:par>
-        <p:cTn id="1" dur="indefinite" restart="never" nodeType="tmRoot"/>
-      </p:par>
-    </p:tnLst>
-  </p:timing>
-</p:sld>
-</file>
-
-<file path=ppt/slides/slide9.xml><?xml version="1.0" encoding="utf-8"?>
-<p:sld xmlns:a="http://schemas.openxmlformats.org/drawingml/2006/main" xmlns:r="http://schemas.openxmlformats.org/officeDocument/2006/relationships" xmlns:p="http://schemas.openxmlformats.org/presentationml/2006/main">
-  <p:cSld>
-    <p:spTree>
-      <p:nvGrpSpPr>
-        <p:cNvPr id="1" name=""/>
-        <p:cNvGrpSpPr/>
-        <p:nvPr/>
-      </p:nvGrpSpPr>
-      <p:grpSpPr>
-        <a:xfrm>
-          <a:off x="0" y="0"/>
-          <a:ext cx="0" cy="0"/>
-          <a:chOff x="0" y="0"/>
-          <a:chExt cx="0" cy="0"/>
-        </a:xfrm>
-      </p:grpSpPr>
-      <p:pic>
-        <p:nvPicPr>
-          <p:cNvPr id="5" name="Picture 4"/>
-          <p:cNvPicPr>
-            <a:picLocks noChangeAspect="1"/>
-          </p:cNvPicPr>
-          <p:nvPr/>
-        </p:nvPicPr>
-        <p:blipFill>
-          <a:blip r:embed="rId2"/>
-          <a:stretch>
-            <a:fillRect/>
-          </a:stretch>
-        </p:blipFill>
-        <p:spPr>
-          <a:xfrm>
-            <a:off x="1084262" y="8025186"/>
-            <a:ext cx="17935575" cy="2962275"/>
-          </a:xfrm>
-          <a:prstGeom prst="rect">
-            <a:avLst/>
-          </a:prstGeom>
-        </p:spPr>
-      </p:pic>
-      <p:pic>
-        <p:nvPicPr>
-          <p:cNvPr id="3" name="Picture 2"/>
-          <p:cNvPicPr>
-            <a:picLocks noChangeAspect="1"/>
-          </p:cNvPicPr>
-          <p:nvPr/>
-        </p:nvPicPr>
-        <p:blipFill>
-          <a:blip r:embed="rId3">
-            <a:extLst>
-              <a:ext uri="{28A0092B-C50C-407E-A947-70E740481C1C}">
-                <a14:useLocalDpi xmlns:a14="http://schemas.microsoft.com/office/drawing/2010/main" val="0"/>
-              </a:ext>
-            </a:extLst>
-          </a:blip>
-          <a:stretch>
-            <a:fillRect/>
-          </a:stretch>
-        </p:blipFill>
-        <p:spPr>
-          <a:xfrm>
-            <a:off x="3168879" y="365501"/>
-            <a:ext cx="12395375" cy="9709344"/>
-          </a:xfrm>
-          <a:prstGeom prst="rect">
-            <a:avLst/>
-          </a:prstGeom>
-        </p:spPr>
-      </p:pic>
-      <p:pic>
-        <p:nvPicPr>
-          <p:cNvPr id="7" name="Picture 6"/>
-          <p:cNvPicPr>
-            <a:picLocks noChangeAspect="1"/>
-          </p:cNvPicPr>
-          <p:nvPr/>
-        </p:nvPicPr>
-        <p:blipFill>
-          <a:blip r:embed="rId4"/>
-          <a:stretch>
-            <a:fillRect/>
-          </a:stretch>
-        </p:blipFill>
-        <p:spPr>
-          <a:xfrm>
-            <a:off x="16320035" y="1526699"/>
-            <a:ext cx="1944021" cy="1926104"/>
-          </a:xfrm>
-          <a:prstGeom prst="rect">
-            <a:avLst/>
-          </a:prstGeom>
-        </p:spPr>
-      </p:pic>
-      <p:sp>
-        <p:nvSpPr>
-          <p:cNvPr id="2" name="Striped Right Arrow 1"/>
-          <p:cNvSpPr/>
-          <p:nvPr/>
-        </p:nvSpPr>
-        <p:spPr>
-          <a:xfrm>
-            <a:off x="531235" y="6918954"/>
-            <a:ext cx="3190672" cy="992221"/>
-          </a:xfrm>
-          <a:prstGeom prst="stripedRightArrow">
-            <a:avLst/>
-          </a:prstGeom>
-          <a:solidFill>
-            <a:srgbClr val="FFFFFF"/>
-          </a:solidFill>
-          <a:ln w="25400" cap="flat">
-            <a:solidFill>
-              <a:schemeClr val="accent1"/>
-            </a:solidFill>
-            <a:prstDash val="solid"/>
-            <a:round/>
-          </a:ln>
-          <a:effectLst>
-            <a:outerShdw blurRad="38100" dist="23000" dir="5400000" rotWithShape="0">
-              <a:srgbClr val="000000">
-                <a:alpha val="35000"/>
-              </a:srgbClr>
-            </a:outerShdw>
-          </a:effectLst>
-          <a:sp3d/>
-        </p:spPr>
-        <p:style>
-          <a:lnRef idx="0">
-            <a:scrgbClr r="0" g="0" b="0"/>
-          </a:lnRef>
-          <a:fillRef idx="0">
-            <a:scrgbClr r="0" g="0" b="0"/>
-          </a:fillRef>
-          <a:effectRef idx="0">
-            <a:scrgbClr r="0" g="0" b="0"/>
-          </a:effectRef>
-          <a:fontRef idx="none"/>
-        </p:style>
-        <p:txBody>
-          <a:bodyPr rot="0" spcFirstLastPara="1" vertOverflow="overflow" horzOverflow="overflow" vert="horz" wrap="square" lIns="45719" tIns="45719" rIns="45719" bIns="45719" numCol="1" spcCol="38100" rtlCol="0" anchor="ctr">
-            <a:spAutoFit/>
-          </a:bodyPr>
-          <a:lstStyle/>
-          <a:p>
-            <a:pPr marL="0" marR="0" indent="0" algn="l" defTabSz="914400" rtl="0" fontAlgn="auto" latinLnBrk="0" hangingPunct="0">
-              <a:lnSpc>
-                <a:spcPct val="100000"/>
-              </a:lnSpc>
-              <a:spcBef>
-                <a:spcPts val="0"/>
-              </a:spcBef>
-              <a:spcAft>
-                <a:spcPts val="0"/>
-              </a:spcAft>
-              <a:buClrTx/>
-              <a:buSzTx/>
-              <a:buFontTx/>
-              <a:buNone/>
-              <a:tabLst/>
-            </a:pPr>
-            <a:endParaRPr kumimoji="0" lang="en-US" sz="1800" b="0" i="0" u="none" strike="noStrike" cap="none" spc="0" normalizeH="0" baseline="0">
-              <a:ln>
-                <a:noFill/>
-              </a:ln>
-              <a:solidFill>
-                <a:srgbClr val="000000"/>
-              </a:solidFill>
-              <a:effectLst/>
-              <a:uFillTx/>
-              <a:latin typeface="+mj-lt"/>
-              <a:ea typeface="+mj-ea"/>
-              <a:cs typeface="+mj-cs"/>
-              <a:sym typeface="Roboto Thin"/>
-            </a:endParaRPr>
-          </a:p>
-        </p:txBody>
-      </p:sp>
-    </p:spTree>
-    <p:extLst>
-      <p:ext uri="{BB962C8B-B14F-4D97-AF65-F5344CB8AC3E}">
-        <p14:creationId xmlns:p14="http://schemas.microsoft.com/office/powerpoint/2010/main" val="1290321715"/>
-      </p:ext>
-    </p:extLst>
-  </p:cSld>
-  <p:clrMapOvr>
-    <a:masterClrMapping/>
-  </p:clrMapOvr>
-  <p:transition spd="med"/>
   <p:timing>
     <p:tnLst>
       <p:par>

--- a/RealEstate_Presentation.pptx
+++ b/RealEstate_Presentation.pptx
@@ -5,7 +5,7 @@
     <p:sldMasterId id="2147483648" r:id="rId1"/>
   </p:sldMasterIdLst>
   <p:notesMasterIdLst>
-    <p:notesMasterId r:id="rId17"/>
+    <p:notesMasterId r:id="rId18"/>
   </p:notesMasterIdLst>
   <p:sldIdLst>
     <p:sldId id="257" r:id="rId2"/>
@@ -14,15 +14,16 @@
     <p:sldId id="307" r:id="rId5"/>
     <p:sldId id="308" r:id="rId6"/>
     <p:sldId id="297" r:id="rId7"/>
-    <p:sldId id="304" r:id="rId8"/>
-    <p:sldId id="309" r:id="rId9"/>
-    <p:sldId id="303" r:id="rId10"/>
+    <p:sldId id="313" r:id="rId8"/>
+    <p:sldId id="304" r:id="rId9"/>
+    <p:sldId id="309" r:id="rId10"/>
     <p:sldId id="311" r:id="rId11"/>
-    <p:sldId id="302" r:id="rId12"/>
+    <p:sldId id="303" r:id="rId12"/>
     <p:sldId id="310" r:id="rId13"/>
-    <p:sldId id="298" r:id="rId14"/>
-    <p:sldId id="301" r:id="rId15"/>
-    <p:sldId id="264" r:id="rId16"/>
+    <p:sldId id="302" r:id="rId14"/>
+    <p:sldId id="298" r:id="rId15"/>
+    <p:sldId id="301" r:id="rId16"/>
+    <p:sldId id="264" r:id="rId17"/>
   </p:sldIdLst>
   <p:sldSz cx="20104100" cy="11303000"/>
   <p:notesSz cx="6858000" cy="9144000"/>
@@ -5313,14 +5314,7 @@
                 <a:latin typeface="+mj-lt"/>
                 <a:cs typeface="Calibri Light" panose="020F0302020204030204" pitchFamily="34" charset="0"/>
               </a:rPr>
-              <a:t>Real Estate </a:t>
-            </a:r>
-            <a:r>
-              <a:rPr lang="en-US" dirty="0" smtClean="0">
-                <a:latin typeface="+mj-lt"/>
-                <a:cs typeface="Calibri Light" panose="020F0302020204030204" pitchFamily="34" charset="0"/>
-              </a:rPr>
-              <a:t>Market Analysis</a:t>
+              <a:t>Real Estate Market Analysis</a:t>
             </a:r>
             <a:endParaRPr dirty="0">
               <a:latin typeface="+mj-lt"/>
@@ -6042,7 +6036,7 @@
         </p:blipFill>
         <p:spPr>
           <a:xfrm>
-            <a:off x="16418779" y="1254324"/>
+            <a:off x="16125481" y="7062134"/>
             <a:ext cx="1944021" cy="1926104"/>
           </a:xfrm>
           <a:prstGeom prst="rect">
@@ -6072,14 +6066,52 @@
         </p:blipFill>
         <p:spPr>
           <a:xfrm>
-            <a:off x="2676784" y="762953"/>
-            <a:ext cx="13084959" cy="9048804"/>
+            <a:off x="3756189" y="1742535"/>
+            <a:ext cx="11418957" cy="7896693"/>
           </a:xfrm>
           <a:prstGeom prst="rect">
             <a:avLst/>
           </a:prstGeom>
         </p:spPr>
       </p:pic>
+      <p:sp>
+        <p:nvSpPr>
+          <p:cNvPr id="6" name="Rectangle 5"/>
+          <p:cNvSpPr/>
+          <p:nvPr/>
+        </p:nvSpPr>
+        <p:spPr>
+          <a:xfrm>
+            <a:off x="0" y="697737"/>
+            <a:ext cx="20104100" cy="797654"/>
+          </a:xfrm>
+          <a:prstGeom prst="rect">
+            <a:avLst/>
+          </a:prstGeom>
+        </p:spPr>
+        <p:txBody>
+          <a:bodyPr wrap="square">
+            <a:spAutoFit/>
+          </a:bodyPr>
+          <a:lstStyle/>
+          <a:p>
+            <a:pPr algn="ctr"/>
+            <a:r>
+              <a:rPr lang="en-US" dirty="0" smtClean="0">
+                <a:solidFill>
+                  <a:srgbClr val="C00000"/>
+                </a:solidFill>
+              </a:rPr>
+              <a:t>Top 5 Most Affordable – Rent to Income Ratio</a:t>
+            </a:r>
+            <a:endParaRPr lang="en-US" dirty="0">
+              <a:solidFill>
+                <a:srgbClr val="C00000"/>
+              </a:solidFill>
+            </a:endParaRPr>
+          </a:p>
+        </p:txBody>
+      </p:sp>
     </p:spTree>
     <p:extLst>
       <p:ext uri="{BB962C8B-B14F-4D97-AF65-F5344CB8AC3E}">
@@ -6155,16 +6187,14 @@
       </p:pic>
       <p:pic>
         <p:nvPicPr>
-          <p:cNvPr id="2" name="Picture 1">
-            <a:hlinkClick r:id="rId3"/>
-          </p:cNvPr>
+          <p:cNvPr id="3" name="Picture 2"/>
           <p:cNvPicPr>
             <a:picLocks noChangeAspect="1"/>
           </p:cNvPicPr>
           <p:nvPr/>
         </p:nvPicPr>
         <p:blipFill>
-          <a:blip r:embed="rId4">
+          <a:blip r:embed="rId3">
             <a:extLst>
               <a:ext uri="{28A0092B-C50C-407E-A947-70E740481C1C}">
                 <a14:useLocalDpi xmlns:a14="http://schemas.microsoft.com/office/drawing/2010/main" val="0"/>
@@ -6177,8 +6207,8 @@
         </p:blipFill>
         <p:spPr>
           <a:xfrm>
-            <a:off x="3115183" y="268677"/>
-            <a:ext cx="11497288" cy="9168723"/>
+            <a:off x="4330461" y="1883511"/>
+            <a:ext cx="10457416" cy="8191333"/>
           </a:xfrm>
           <a:prstGeom prst="rect">
             <a:avLst/>
@@ -6187,22 +6217,22 @@
       </p:pic>
       <p:pic>
         <p:nvPicPr>
-          <p:cNvPr id="6" name="Picture 5"/>
+          <p:cNvPr id="7" name="Picture 6"/>
           <p:cNvPicPr>
             <a:picLocks noChangeAspect="1"/>
           </p:cNvPicPr>
           <p:nvPr/>
         </p:nvPicPr>
         <p:blipFill>
-          <a:blip r:embed="rId5"/>
+          <a:blip r:embed="rId4"/>
           <a:stretch>
             <a:fillRect/>
           </a:stretch>
         </p:blipFill>
         <p:spPr>
           <a:xfrm>
-            <a:off x="15041606" y="859955"/>
-            <a:ext cx="2181661" cy="1962636"/>
+            <a:off x="16091526" y="7415064"/>
+            <a:ext cx="1944021" cy="1926104"/>
           </a:xfrm>
           <a:prstGeom prst="rect">
             <a:avLst/>
@@ -6211,13 +6241,13 @@
       </p:pic>
       <p:sp>
         <p:nvSpPr>
-          <p:cNvPr id="8" name="Striped Right Arrow 7"/>
+          <p:cNvPr id="2" name="Striped Right Arrow 1"/>
           <p:cNvSpPr/>
           <p:nvPr/>
         </p:nvSpPr>
         <p:spPr>
           <a:xfrm>
-            <a:off x="504387" y="7172007"/>
+            <a:off x="531235" y="6918954"/>
             <a:ext cx="3190672" cy="992221"/>
           </a:xfrm>
           <a:prstGeom prst="stripedRightArrow">
@@ -6293,10 +6323,59 @@
           </a:p>
         </p:txBody>
       </p:sp>
+      <p:sp>
+        <p:nvSpPr>
+          <p:cNvPr id="6" name="Rectangle 5"/>
+          <p:cNvSpPr/>
+          <p:nvPr/>
+        </p:nvSpPr>
+        <p:spPr>
+          <a:xfrm>
+            <a:off x="0" y="336724"/>
+            <a:ext cx="20104099" cy="1554272"/>
+          </a:xfrm>
+          <a:prstGeom prst="rect">
+            <a:avLst/>
+          </a:prstGeom>
+        </p:spPr>
+        <p:txBody>
+          <a:bodyPr wrap="square">
+            <a:spAutoFit/>
+          </a:bodyPr>
+          <a:lstStyle/>
+          <a:p>
+            <a:pPr algn="ctr"/>
+            <a:r>
+              <a:rPr lang="en-US" dirty="0" smtClean="0">
+                <a:solidFill>
+                  <a:srgbClr val="C00000"/>
+                </a:solidFill>
+              </a:rPr>
+              <a:t>Top 5 Most Affordable &amp; Least Affordable</a:t>
+            </a:r>
+          </a:p>
+          <a:p>
+            <a:pPr algn="ctr"/>
+            <a:r>
+              <a:rPr lang="en-US" dirty="0" smtClean="0">
+                <a:solidFill>
+                  <a:srgbClr val="C00000"/>
+                </a:solidFill>
+              </a:rPr>
+              <a:t>Rent to Income Ratio</a:t>
+            </a:r>
+            <a:endParaRPr lang="en-US" dirty="0">
+              <a:solidFill>
+                <a:srgbClr val="C00000"/>
+              </a:solidFill>
+            </a:endParaRPr>
+          </a:p>
+        </p:txBody>
+      </p:sp>
     </p:spTree>
     <p:extLst>
       <p:ext uri="{BB962C8B-B14F-4D97-AF65-F5344CB8AC3E}">
-        <p14:creationId xmlns:p14="http://schemas.microsoft.com/office/powerpoint/2010/main" val="665310101"/>
+        <p14:creationId xmlns:p14="http://schemas.microsoft.com/office/powerpoint/2010/main" val="1290321715"/>
       </p:ext>
     </p:extLst>
   </p:cSld>
@@ -6333,7 +6412,7 @@
       </p:grpSpPr>
       <p:pic>
         <p:nvPicPr>
-          <p:cNvPr id="3" name="Picture 2"/>
+          <p:cNvPr id="4" name="Picture 3"/>
           <p:cNvPicPr>
             <a:picLocks noChangeAspect="1"/>
           </p:cNvPicPr>
@@ -6347,30 +6426,6 @@
         </p:blipFill>
         <p:spPr>
           <a:xfrm>
-            <a:off x="15918428" y="859954"/>
-            <a:ext cx="2181661" cy="1962636"/>
-          </a:xfrm>
-          <a:prstGeom prst="rect">
-            <a:avLst/>
-          </a:prstGeom>
-        </p:spPr>
-      </p:pic>
-      <p:pic>
-        <p:nvPicPr>
-          <p:cNvPr id="4" name="Picture 3"/>
-          <p:cNvPicPr>
-            <a:picLocks noChangeAspect="1"/>
-          </p:cNvPicPr>
-          <p:nvPr/>
-        </p:nvPicPr>
-        <p:blipFill>
-          <a:blip r:embed="rId3"/>
-          <a:stretch>
-            <a:fillRect/>
-          </a:stretch>
-        </p:blipFill>
-        <p:spPr>
-          <a:xfrm>
             <a:off x="1084262" y="8025186"/>
             <a:ext cx="17935575" cy="2962275"/>
           </a:xfrm>
@@ -6388,7 +6443,7 @@
           <p:nvPr/>
         </p:nvPicPr>
         <p:blipFill>
-          <a:blip r:embed="rId4">
+          <a:blip r:embed="rId3">
             <a:extLst>
               <a:ext uri="{28A0092B-C50C-407E-A947-70E740481C1C}">
                 <a14:useLocalDpi xmlns:a14="http://schemas.microsoft.com/office/drawing/2010/main" val="0"/>
@@ -6401,8 +6456,70 @@
         </p:blipFill>
         <p:spPr>
           <a:xfrm>
-            <a:off x="2853694" y="859954"/>
-            <a:ext cx="12457642" cy="8902891"/>
+            <a:off x="3743865" y="1417304"/>
+            <a:ext cx="11412196" cy="8155760"/>
+          </a:xfrm>
+          <a:prstGeom prst="rect">
+            <a:avLst/>
+          </a:prstGeom>
+        </p:spPr>
+      </p:pic>
+      <p:sp>
+        <p:nvSpPr>
+          <p:cNvPr id="5" name="Rectangle 4"/>
+          <p:cNvSpPr/>
+          <p:nvPr/>
+        </p:nvSpPr>
+        <p:spPr>
+          <a:xfrm>
+            <a:off x="0" y="661844"/>
+            <a:ext cx="20104100" cy="797654"/>
+          </a:xfrm>
+          <a:prstGeom prst="rect">
+            <a:avLst/>
+          </a:prstGeom>
+        </p:spPr>
+        <p:txBody>
+          <a:bodyPr wrap="square">
+            <a:spAutoFit/>
+          </a:bodyPr>
+          <a:lstStyle/>
+          <a:p>
+            <a:pPr algn="ctr"/>
+            <a:r>
+              <a:rPr lang="en-US" dirty="0" smtClean="0">
+                <a:solidFill>
+                  <a:srgbClr val="C00000"/>
+                </a:solidFill>
+              </a:rPr>
+              <a:t>Top 5 Most Affordable – Purchase Price to Income Ratio</a:t>
+            </a:r>
+            <a:endParaRPr lang="en-US" dirty="0">
+              <a:solidFill>
+                <a:srgbClr val="C00000"/>
+              </a:solidFill>
+            </a:endParaRPr>
+          </a:p>
+        </p:txBody>
+      </p:sp>
+      <p:pic>
+        <p:nvPicPr>
+          <p:cNvPr id="3" name="Picture 2"/>
+          <p:cNvPicPr>
+            <a:picLocks noChangeAspect="1"/>
+          </p:cNvPicPr>
+          <p:nvPr/>
+        </p:nvPicPr>
+        <p:blipFill>
+          <a:blip r:embed="rId4"/>
+          <a:stretch>
+            <a:fillRect/>
+          </a:stretch>
+        </p:blipFill>
+        <p:spPr>
+          <a:xfrm>
+            <a:off x="15815018" y="7043868"/>
+            <a:ext cx="2181661" cy="1962636"/>
           </a:xfrm>
           <a:prstGeom prst="rect">
             <a:avLst/>
@@ -6442,6 +6559,257 @@
 </file>
 
 <file path=ppt/slides/slide13.xml><?xml version="1.0" encoding="utf-8"?>
+<p:sld xmlns:a="http://schemas.openxmlformats.org/drawingml/2006/main" xmlns:r="http://schemas.openxmlformats.org/officeDocument/2006/relationships" xmlns:p="http://schemas.openxmlformats.org/presentationml/2006/main">
+  <p:cSld>
+    <p:spTree>
+      <p:nvGrpSpPr>
+        <p:cNvPr id="1" name=""/>
+        <p:cNvGrpSpPr/>
+        <p:nvPr/>
+      </p:nvGrpSpPr>
+      <p:grpSpPr>
+        <a:xfrm>
+          <a:off x="0" y="0"/>
+          <a:ext cx="0" cy="0"/>
+          <a:chOff x="0" y="0"/>
+          <a:chExt cx="0" cy="0"/>
+        </a:xfrm>
+      </p:grpSpPr>
+      <p:pic>
+        <p:nvPicPr>
+          <p:cNvPr id="5" name="Picture 4"/>
+          <p:cNvPicPr>
+            <a:picLocks noChangeAspect="1"/>
+          </p:cNvPicPr>
+          <p:nvPr/>
+        </p:nvPicPr>
+        <p:blipFill>
+          <a:blip r:embed="rId2"/>
+          <a:stretch>
+            <a:fillRect/>
+          </a:stretch>
+        </p:blipFill>
+        <p:spPr>
+          <a:xfrm>
+            <a:off x="1084262" y="8025186"/>
+            <a:ext cx="17935575" cy="2962275"/>
+          </a:xfrm>
+          <a:prstGeom prst="rect">
+            <a:avLst/>
+          </a:prstGeom>
+        </p:spPr>
+      </p:pic>
+      <p:pic>
+        <p:nvPicPr>
+          <p:cNvPr id="2" name="Picture 1">
+            <a:hlinkClick r:id="rId3"/>
+          </p:cNvPr>
+          <p:cNvPicPr>
+            <a:picLocks noChangeAspect="1"/>
+          </p:cNvPicPr>
+          <p:nvPr/>
+        </p:nvPicPr>
+        <p:blipFill>
+          <a:blip r:embed="rId4">
+            <a:extLst>
+              <a:ext uri="{28A0092B-C50C-407E-A947-70E740481C1C}">
+                <a14:useLocalDpi xmlns:a14="http://schemas.microsoft.com/office/drawing/2010/main" val="0"/>
+              </a:ext>
+            </a:extLst>
+          </a:blip>
+          <a:stretch>
+            <a:fillRect/>
+          </a:stretch>
+        </p:blipFill>
+        <p:spPr>
+          <a:xfrm>
+            <a:off x="4913606" y="2216116"/>
+            <a:ext cx="9919700" cy="7910646"/>
+          </a:xfrm>
+          <a:prstGeom prst="rect">
+            <a:avLst/>
+          </a:prstGeom>
+        </p:spPr>
+      </p:pic>
+      <p:pic>
+        <p:nvPicPr>
+          <p:cNvPr id="6" name="Picture 5"/>
+          <p:cNvPicPr>
+            <a:picLocks noChangeAspect="1"/>
+          </p:cNvPicPr>
+          <p:nvPr/>
+        </p:nvPicPr>
+        <p:blipFill>
+          <a:blip r:embed="rId5"/>
+          <a:stretch>
+            <a:fillRect/>
+          </a:stretch>
+        </p:blipFill>
+        <p:spPr>
+          <a:xfrm>
+            <a:off x="15835741" y="7474764"/>
+            <a:ext cx="2181661" cy="1962636"/>
+          </a:xfrm>
+          <a:prstGeom prst="rect">
+            <a:avLst/>
+          </a:prstGeom>
+        </p:spPr>
+      </p:pic>
+      <p:sp>
+        <p:nvSpPr>
+          <p:cNvPr id="8" name="Striped Right Arrow 7"/>
+          <p:cNvSpPr/>
+          <p:nvPr/>
+        </p:nvSpPr>
+        <p:spPr>
+          <a:xfrm>
+            <a:off x="504387" y="7172007"/>
+            <a:ext cx="3190672" cy="992221"/>
+          </a:xfrm>
+          <a:prstGeom prst="stripedRightArrow">
+            <a:avLst/>
+          </a:prstGeom>
+          <a:solidFill>
+            <a:srgbClr val="FFFFFF"/>
+          </a:solidFill>
+          <a:ln w="25400" cap="flat">
+            <a:solidFill>
+              <a:schemeClr val="accent1"/>
+            </a:solidFill>
+            <a:prstDash val="solid"/>
+            <a:round/>
+          </a:ln>
+          <a:effectLst>
+            <a:outerShdw blurRad="38100" dist="23000" dir="5400000" rotWithShape="0">
+              <a:srgbClr val="000000">
+                <a:alpha val="35000"/>
+              </a:srgbClr>
+            </a:outerShdw>
+          </a:effectLst>
+          <a:sp3d/>
+        </p:spPr>
+        <p:style>
+          <a:lnRef idx="0">
+            <a:scrgbClr r="0" g="0" b="0"/>
+          </a:lnRef>
+          <a:fillRef idx="0">
+            <a:scrgbClr r="0" g="0" b="0"/>
+          </a:fillRef>
+          <a:effectRef idx="0">
+            <a:scrgbClr r="0" g="0" b="0"/>
+          </a:effectRef>
+          <a:fontRef idx="none"/>
+        </p:style>
+        <p:txBody>
+          <a:bodyPr rot="0" spcFirstLastPara="1" vertOverflow="overflow" horzOverflow="overflow" vert="horz" wrap="square" lIns="45719" tIns="45719" rIns="45719" bIns="45719" numCol="1" spcCol="38100" rtlCol="0" anchor="ctr">
+            <a:spAutoFit/>
+          </a:bodyPr>
+          <a:lstStyle/>
+          <a:p>
+            <a:pPr marL="0" marR="0" indent="0" algn="l" defTabSz="914400" rtl="0" fontAlgn="auto" latinLnBrk="0" hangingPunct="0">
+              <a:lnSpc>
+                <a:spcPct val="100000"/>
+              </a:lnSpc>
+              <a:spcBef>
+                <a:spcPts val="0"/>
+              </a:spcBef>
+              <a:spcAft>
+                <a:spcPts val="0"/>
+              </a:spcAft>
+              <a:buClrTx/>
+              <a:buSzTx/>
+              <a:buFontTx/>
+              <a:buNone/>
+              <a:tabLst/>
+            </a:pPr>
+            <a:endParaRPr kumimoji="0" lang="en-US" sz="1800" b="0" i="0" u="none" strike="noStrike" cap="none" spc="0" normalizeH="0" baseline="0">
+              <a:ln>
+                <a:noFill/>
+              </a:ln>
+              <a:solidFill>
+                <a:srgbClr val="000000"/>
+              </a:solidFill>
+              <a:effectLst/>
+              <a:uFillTx/>
+              <a:latin typeface="+mj-lt"/>
+              <a:ea typeface="+mj-ea"/>
+              <a:cs typeface="+mj-cs"/>
+              <a:sym typeface="Roboto Thin"/>
+            </a:endParaRPr>
+          </a:p>
+        </p:txBody>
+      </p:sp>
+      <p:sp>
+        <p:nvSpPr>
+          <p:cNvPr id="7" name="Rectangle 6"/>
+          <p:cNvSpPr/>
+          <p:nvPr/>
+        </p:nvSpPr>
+        <p:spPr>
+          <a:xfrm>
+            <a:off x="0" y="661844"/>
+            <a:ext cx="20104099" cy="1554272"/>
+          </a:xfrm>
+          <a:prstGeom prst="rect">
+            <a:avLst/>
+          </a:prstGeom>
+        </p:spPr>
+        <p:txBody>
+          <a:bodyPr wrap="square">
+            <a:spAutoFit/>
+          </a:bodyPr>
+          <a:lstStyle/>
+          <a:p>
+            <a:pPr algn="ctr"/>
+            <a:r>
+              <a:rPr lang="en-US" dirty="0">
+                <a:solidFill>
+                  <a:srgbClr val="C00000"/>
+                </a:solidFill>
+              </a:rPr>
+              <a:t>Top 5 Most Affordable &amp; Least Affordable</a:t>
+            </a:r>
+          </a:p>
+          <a:p>
+            <a:pPr algn="ctr"/>
+            <a:r>
+              <a:rPr lang="en-US" dirty="0" smtClean="0">
+                <a:solidFill>
+                  <a:srgbClr val="C00000"/>
+                </a:solidFill>
+              </a:rPr>
+              <a:t>Purchase Price to Income Ratio</a:t>
+            </a:r>
+            <a:endParaRPr lang="en-US" dirty="0">
+              <a:solidFill>
+                <a:srgbClr val="C00000"/>
+              </a:solidFill>
+            </a:endParaRPr>
+          </a:p>
+        </p:txBody>
+      </p:sp>
+    </p:spTree>
+    <p:extLst>
+      <p:ext uri="{BB962C8B-B14F-4D97-AF65-F5344CB8AC3E}">
+        <p14:creationId xmlns:p14="http://schemas.microsoft.com/office/powerpoint/2010/main" val="665310101"/>
+      </p:ext>
+    </p:extLst>
+  </p:cSld>
+  <p:clrMapOvr>
+    <a:masterClrMapping/>
+  </p:clrMapOvr>
+  <p:transition spd="med"/>
+  <p:timing>
+    <p:tnLst>
+      <p:par>
+        <p:cTn id="1" dur="indefinite" restart="never" nodeType="tmRoot"/>
+      </p:par>
+    </p:tnLst>
+  </p:timing>
+</p:sld>
+</file>
+
+<file path=ppt/slides/slide14.xml><?xml version="1.0" encoding="utf-8"?>
 <p:sld xmlns:a="http://schemas.openxmlformats.org/drawingml/2006/main" xmlns:r="http://schemas.openxmlformats.org/officeDocument/2006/relationships" xmlns:p="http://schemas.openxmlformats.org/presentationml/2006/main">
   <p:cSld>
     <p:spTree>
@@ -6809,7 +7177,7 @@
 </p:sld>
 </file>
 
-<file path=ppt/slides/slide14.xml><?xml version="1.0" encoding="utf-8"?>
+<file path=ppt/slides/slide15.xml><?xml version="1.0" encoding="utf-8"?>
 <p:sld xmlns:a="http://schemas.openxmlformats.org/drawingml/2006/main" xmlns:r="http://schemas.openxmlformats.org/officeDocument/2006/relationships" xmlns:p="http://schemas.openxmlformats.org/presentationml/2006/main">
   <p:cSld>
     <p:spTree>
@@ -7136,7 +7504,7 @@
 </p:sld>
 </file>
 
-<file path=ppt/slides/slide15.xml><?xml version="1.0" encoding="utf-8"?>
+<file path=ppt/slides/slide16.xml><?xml version="1.0" encoding="utf-8"?>
 <p:sld xmlns:a="http://schemas.openxmlformats.org/drawingml/2006/main" xmlns:r="http://schemas.openxmlformats.org/officeDocument/2006/relationships" xmlns:p="http://schemas.openxmlformats.org/presentationml/2006/main">
   <p:cSld>
     <p:spTree>
@@ -8484,10 +8852,6 @@
               </a:rPr>
               <a:t>Or, Afford to Rent or Buy?</a:t>
             </a:r>
-            <a:endParaRPr lang="en-US" dirty="0" smtClean="0">
-              <a:latin typeface="Calibri Light" panose="020F0302020204030204" pitchFamily="34" charset="0"/>
-              <a:cs typeface="Calibri Light" panose="020F0302020204030204" pitchFamily="34" charset="0"/>
-            </a:endParaRPr>
           </a:p>
           <a:p>
             <a:pPr marL="241300" marR="1912620" lvl="1" indent="-228600">
@@ -8527,6 +8891,13 @@
     <a:masterClrMapping/>
   </p:clrMapOvr>
   <p:transition spd="med"/>
+  <p:timing>
+    <p:tnLst>
+      <p:par>
+        <p:cTn id="1" dur="indefinite" restart="never" nodeType="tmRoot"/>
+      </p:par>
+    </p:tnLst>
+  </p:timing>
 </p:sld>
 </file>
 
@@ -8949,17 +9320,7 @@
                 <a:latin typeface="Calibri Light" panose="020F0302020204030204" pitchFamily="34" charset="0"/>
                 <a:cs typeface="Calibri Light" panose="020F0302020204030204" pitchFamily="34" charset="0"/>
               </a:rPr>
-              <a:t>High incomes don’t bring you happiness, but they do bring you a life you think is better</a:t>
-            </a:r>
-            <a:r>
-              <a:rPr lang="en-US" i="1" dirty="0" smtClean="0">
-                <a:solidFill>
-                  <a:schemeClr val="bg1"/>
-                </a:solidFill>
-                <a:latin typeface="Calibri Light" panose="020F0302020204030204" pitchFamily="34" charset="0"/>
-                <a:cs typeface="Calibri Light" panose="020F0302020204030204" pitchFamily="34" charset="0"/>
-              </a:rPr>
-              <a:t>”</a:t>
+              <a:t>High incomes don’t bring you happiness, but they do bring you a life you think is better”</a:t>
             </a:r>
             <a:endParaRPr kumimoji="0" lang="en-US" sz="5200" b="0" i="1" u="none" strike="noStrike" cap="none" spc="0" normalizeH="0" baseline="0" dirty="0">
               <a:ln>
@@ -9193,7 +9554,7 @@
                 <a:latin typeface="Calibri Light" panose="020F0302020204030204" pitchFamily="34" charset="0"/>
                 <a:cs typeface="Calibri Light" panose="020F0302020204030204" pitchFamily="34" charset="0"/>
               </a:rPr>
-              <a:t> Nerd Wallet &amp; Bankrate.com recommend 36% of your gross income</a:t>
+              <a:t> Nerd Wallet &amp; Bankrate.com recommend 36% of your gross income towards housing</a:t>
             </a:r>
           </a:p>
           <a:p>
@@ -9256,14 +9617,7 @@
                 <a:latin typeface="Calibri Light" panose="020F0302020204030204" pitchFamily="34" charset="0"/>
                 <a:cs typeface="Calibri Light" panose="020F0302020204030204" pitchFamily="34" charset="0"/>
               </a:rPr>
-              <a:t> Affordable </a:t>
-            </a:r>
-            <a:r>
-              <a:rPr lang="en-US" dirty="0" smtClean="0">
-                <a:latin typeface="Calibri Light" panose="020F0302020204030204" pitchFamily="34" charset="0"/>
-                <a:cs typeface="Calibri Light" panose="020F0302020204030204" pitchFamily="34" charset="0"/>
-              </a:rPr>
-              <a:t>Home Amount: $300K </a:t>
+              <a:t> Affordable Home Amount: $300K </a:t>
             </a:r>
           </a:p>
           <a:p>
@@ -9920,6 +10274,244 @@
       </p:grpSpPr>
       <p:pic>
         <p:nvPicPr>
+          <p:cNvPr id="14" name="Picture 13"/>
+          <p:cNvPicPr>
+            <a:picLocks noChangeAspect="1"/>
+          </p:cNvPicPr>
+          <p:nvPr/>
+        </p:nvPicPr>
+        <p:blipFill>
+          <a:blip r:embed="rId2"/>
+          <a:stretch>
+            <a:fillRect/>
+          </a:stretch>
+        </p:blipFill>
+        <p:spPr>
+          <a:xfrm>
+            <a:off x="375320" y="5939869"/>
+            <a:ext cx="3851623" cy="5330905"/>
+          </a:xfrm>
+          <a:prstGeom prst="rect">
+            <a:avLst/>
+          </a:prstGeom>
+        </p:spPr>
+      </p:pic>
+      <p:pic>
+        <p:nvPicPr>
+          <p:cNvPr id="13" name="Picture 12"/>
+          <p:cNvPicPr>
+            <a:picLocks noChangeAspect="1"/>
+          </p:cNvPicPr>
+          <p:nvPr/>
+        </p:nvPicPr>
+        <p:blipFill>
+          <a:blip r:embed="rId3"/>
+          <a:stretch>
+            <a:fillRect/>
+          </a:stretch>
+        </p:blipFill>
+        <p:spPr>
+          <a:xfrm>
+            <a:off x="375320" y="1167845"/>
+            <a:ext cx="4029075" cy="4772025"/>
+          </a:xfrm>
+          <a:prstGeom prst="rect">
+            <a:avLst/>
+          </a:prstGeom>
+        </p:spPr>
+      </p:pic>
+      <p:sp>
+        <p:nvSpPr>
+          <p:cNvPr id="3" name="object 2"/>
+          <p:cNvSpPr/>
+          <p:nvPr/>
+        </p:nvSpPr>
+        <p:spPr>
+          <a:xfrm>
+            <a:off x="706" y="398"/>
+            <a:ext cx="374614" cy="11307644"/>
+          </a:xfrm>
+          <a:prstGeom prst="rect">
+            <a:avLst/>
+          </a:prstGeom>
+          <a:solidFill>
+            <a:srgbClr val="000066"/>
+          </a:solidFill>
+          <a:ln w="12700">
+            <a:miter lim="400000"/>
+          </a:ln>
+        </p:spPr>
+        <p:txBody>
+          <a:bodyPr lIns="45719" rIns="45719"/>
+          <a:lstStyle/>
+          <a:p>
+            <a:pPr marR="0">
+              <a:lnSpc>
+                <a:spcPct val="100000"/>
+              </a:lnSpc>
+              <a:spcBef>
+                <a:spcPts val="0"/>
+              </a:spcBef>
+              <a:tabLst/>
+              <a:defRPr sz="800">
+                <a:solidFill>
+                  <a:srgbClr val="000000"/>
+                </a:solidFill>
+                <a:latin typeface="+mj-lt"/>
+                <a:ea typeface="+mj-ea"/>
+                <a:cs typeface="+mj-cs"/>
+                <a:sym typeface="Roboto Thin"/>
+              </a:defRPr>
+            </a:pPr>
+            <a:endParaRPr/>
+          </a:p>
+        </p:txBody>
+      </p:sp>
+      <p:pic>
+        <p:nvPicPr>
+          <p:cNvPr id="12" name="Picture 11"/>
+          <p:cNvPicPr>
+            <a:picLocks noChangeAspect="1"/>
+          </p:cNvPicPr>
+          <p:nvPr/>
+        </p:nvPicPr>
+        <p:blipFill>
+          <a:blip r:embed="rId4"/>
+          <a:stretch>
+            <a:fillRect/>
+          </a:stretch>
+        </p:blipFill>
+        <p:spPr>
+          <a:xfrm>
+            <a:off x="3761117" y="1155939"/>
+            <a:ext cx="16342984" cy="10114836"/>
+          </a:xfrm>
+          <a:prstGeom prst="rect">
+            <a:avLst/>
+          </a:prstGeom>
+        </p:spPr>
+      </p:pic>
+      <p:pic>
+        <p:nvPicPr>
+          <p:cNvPr id="11" name="Picture 10"/>
+          <p:cNvPicPr>
+            <a:picLocks noChangeAspect="1"/>
+          </p:cNvPicPr>
+          <p:nvPr/>
+        </p:nvPicPr>
+        <p:blipFill>
+          <a:blip r:embed="rId5"/>
+          <a:stretch>
+            <a:fillRect/>
+          </a:stretch>
+        </p:blipFill>
+        <p:spPr>
+          <a:xfrm>
+            <a:off x="2426698" y="8025577"/>
+            <a:ext cx="2886075" cy="1666875"/>
+          </a:xfrm>
+          <a:prstGeom prst="rect">
+            <a:avLst/>
+          </a:prstGeom>
+        </p:spPr>
+      </p:pic>
+      <p:pic>
+        <p:nvPicPr>
+          <p:cNvPr id="10" name="Picture 9"/>
+          <p:cNvPicPr>
+            <a:picLocks noChangeAspect="1"/>
+          </p:cNvPicPr>
+          <p:nvPr/>
+        </p:nvPicPr>
+        <p:blipFill>
+          <a:blip r:embed="rId6"/>
+          <a:stretch>
+            <a:fillRect/>
+          </a:stretch>
+        </p:blipFill>
+        <p:spPr>
+          <a:xfrm>
+            <a:off x="995811" y="6730177"/>
+            <a:ext cx="1762125" cy="1419225"/>
+          </a:xfrm>
+          <a:prstGeom prst="rect">
+            <a:avLst/>
+          </a:prstGeom>
+        </p:spPr>
+      </p:pic>
+      <p:sp>
+        <p:nvSpPr>
+          <p:cNvPr id="16" name="Rectangle 15"/>
+          <p:cNvSpPr/>
+          <p:nvPr/>
+        </p:nvSpPr>
+        <p:spPr>
+          <a:xfrm>
+            <a:off x="375320" y="190181"/>
+            <a:ext cx="19728781" cy="797654"/>
+          </a:xfrm>
+          <a:prstGeom prst="rect">
+            <a:avLst/>
+          </a:prstGeom>
+        </p:spPr>
+        <p:txBody>
+          <a:bodyPr wrap="square">
+            <a:spAutoFit/>
+          </a:bodyPr>
+          <a:lstStyle/>
+          <a:p>
+            <a:pPr algn="ctr"/>
+            <a:r>
+              <a:rPr lang="en-US" dirty="0">
+                <a:solidFill>
+                  <a:srgbClr val="C00000"/>
+                </a:solidFill>
+              </a:rPr>
+              <a:t>26 US Cities have median annual income of $75K or more</a:t>
+            </a:r>
+          </a:p>
+        </p:txBody>
+      </p:sp>
+    </p:spTree>
+    <p:extLst>
+      <p:ext uri="{BB962C8B-B14F-4D97-AF65-F5344CB8AC3E}">
+        <p14:creationId xmlns:p14="http://schemas.microsoft.com/office/powerpoint/2010/main" val="1515780831"/>
+      </p:ext>
+    </p:extLst>
+  </p:cSld>
+  <p:clrMapOvr>
+    <a:masterClrMapping/>
+  </p:clrMapOvr>
+  <p:transition spd="med"/>
+  <p:timing>
+    <p:tnLst>
+      <p:par>
+        <p:cTn id="1" dur="indefinite" restart="never" nodeType="tmRoot"/>
+      </p:par>
+    </p:tnLst>
+  </p:timing>
+</p:sld>
+</file>
+
+<file path=ppt/slides/slide8.xml><?xml version="1.0" encoding="utf-8"?>
+<p:sld xmlns:a="http://schemas.openxmlformats.org/drawingml/2006/main" xmlns:r="http://schemas.openxmlformats.org/officeDocument/2006/relationships" xmlns:p="http://schemas.openxmlformats.org/presentationml/2006/main">
+  <p:cSld>
+    <p:spTree>
+      <p:nvGrpSpPr>
+        <p:cNvPr id="1" name=""/>
+        <p:cNvGrpSpPr/>
+        <p:nvPr/>
+      </p:nvGrpSpPr>
+      <p:grpSpPr>
+        <a:xfrm>
+          <a:off x="0" y="0"/>
+          <a:ext cx="0" cy="0"/>
+          <a:chOff x="0" y="0"/>
+          <a:chExt cx="0" cy="0"/>
+        </a:xfrm>
+      </p:grpSpPr>
+      <p:pic>
+        <p:nvPicPr>
           <p:cNvPr id="2" name="Picture 1"/>
           <p:cNvPicPr>
             <a:picLocks noChangeAspect="1"/>
@@ -10004,7 +10596,7 @@
         <p:spPr>
           <a:xfrm>
             <a:off x="1533629" y="854350"/>
-            <a:ext cx="17603217" cy="797654"/>
+            <a:ext cx="17380399" cy="797654"/>
           </a:xfrm>
           <a:prstGeom prst="rect">
             <a:avLst/>
@@ -10022,7 +10614,7 @@
                   <a:srgbClr val="C00000"/>
                 </a:solidFill>
               </a:rPr>
-              <a:t>26 US Cities have average annual income of $75K or more</a:t>
+              <a:t>26 US Cities have median annual income of $75K or more</a:t>
             </a:r>
             <a:endParaRPr lang="en-US" dirty="0">
               <a:solidFill>
@@ -10053,7 +10645,7 @@
 </p:sld>
 </file>
 
-<file path=ppt/slides/slide8.xml><?xml version="1.0" encoding="utf-8"?>
+<file path=ppt/slides/slide9.xml><?xml version="1.0" encoding="utf-8"?>
 <p:sld xmlns:a="http://schemas.openxmlformats.org/drawingml/2006/main" xmlns:r="http://schemas.openxmlformats.org/officeDocument/2006/relationships" xmlns:p="http://schemas.openxmlformats.org/presentationml/2006/main">
   <p:cSld>
     <p:spTree>
@@ -10329,206 +10921,6 @@
       </p:transition>
     </mc:Fallback>
   </mc:AlternateContent>
-  <p:timing>
-    <p:tnLst>
-      <p:par>
-        <p:cTn id="1" dur="indefinite" restart="never" nodeType="tmRoot"/>
-      </p:par>
-    </p:tnLst>
-  </p:timing>
-</p:sld>
-</file>
-
-<file path=ppt/slides/slide9.xml><?xml version="1.0" encoding="utf-8"?>
-<p:sld xmlns:a="http://schemas.openxmlformats.org/drawingml/2006/main" xmlns:r="http://schemas.openxmlformats.org/officeDocument/2006/relationships" xmlns:p="http://schemas.openxmlformats.org/presentationml/2006/main">
-  <p:cSld>
-    <p:spTree>
-      <p:nvGrpSpPr>
-        <p:cNvPr id="1" name=""/>
-        <p:cNvGrpSpPr/>
-        <p:nvPr/>
-      </p:nvGrpSpPr>
-      <p:grpSpPr>
-        <a:xfrm>
-          <a:off x="0" y="0"/>
-          <a:ext cx="0" cy="0"/>
-          <a:chOff x="0" y="0"/>
-          <a:chExt cx="0" cy="0"/>
-        </a:xfrm>
-      </p:grpSpPr>
-      <p:pic>
-        <p:nvPicPr>
-          <p:cNvPr id="5" name="Picture 4"/>
-          <p:cNvPicPr>
-            <a:picLocks noChangeAspect="1"/>
-          </p:cNvPicPr>
-          <p:nvPr/>
-        </p:nvPicPr>
-        <p:blipFill>
-          <a:blip r:embed="rId2"/>
-          <a:stretch>
-            <a:fillRect/>
-          </a:stretch>
-        </p:blipFill>
-        <p:spPr>
-          <a:xfrm>
-            <a:off x="1084262" y="8025186"/>
-            <a:ext cx="17935575" cy="2962275"/>
-          </a:xfrm>
-          <a:prstGeom prst="rect">
-            <a:avLst/>
-          </a:prstGeom>
-        </p:spPr>
-      </p:pic>
-      <p:pic>
-        <p:nvPicPr>
-          <p:cNvPr id="3" name="Picture 2"/>
-          <p:cNvPicPr>
-            <a:picLocks noChangeAspect="1"/>
-          </p:cNvPicPr>
-          <p:nvPr/>
-        </p:nvPicPr>
-        <p:blipFill>
-          <a:blip r:embed="rId3">
-            <a:extLst>
-              <a:ext uri="{28A0092B-C50C-407E-A947-70E740481C1C}">
-                <a14:useLocalDpi xmlns:a14="http://schemas.microsoft.com/office/drawing/2010/main" val="0"/>
-              </a:ext>
-            </a:extLst>
-          </a:blip>
-          <a:stretch>
-            <a:fillRect/>
-          </a:stretch>
-        </p:blipFill>
-        <p:spPr>
-          <a:xfrm>
-            <a:off x="3168879" y="365501"/>
-            <a:ext cx="12395375" cy="9709344"/>
-          </a:xfrm>
-          <a:prstGeom prst="rect">
-            <a:avLst/>
-          </a:prstGeom>
-        </p:spPr>
-      </p:pic>
-      <p:pic>
-        <p:nvPicPr>
-          <p:cNvPr id="7" name="Picture 6"/>
-          <p:cNvPicPr>
-            <a:picLocks noChangeAspect="1"/>
-          </p:cNvPicPr>
-          <p:nvPr/>
-        </p:nvPicPr>
-        <p:blipFill>
-          <a:blip r:embed="rId4"/>
-          <a:stretch>
-            <a:fillRect/>
-          </a:stretch>
-        </p:blipFill>
-        <p:spPr>
-          <a:xfrm>
-            <a:off x="16320035" y="1526699"/>
-            <a:ext cx="1944021" cy="1926104"/>
-          </a:xfrm>
-          <a:prstGeom prst="rect">
-            <a:avLst/>
-          </a:prstGeom>
-        </p:spPr>
-      </p:pic>
-      <p:sp>
-        <p:nvSpPr>
-          <p:cNvPr id="2" name="Striped Right Arrow 1"/>
-          <p:cNvSpPr/>
-          <p:nvPr/>
-        </p:nvSpPr>
-        <p:spPr>
-          <a:xfrm>
-            <a:off x="531235" y="6918954"/>
-            <a:ext cx="3190672" cy="992221"/>
-          </a:xfrm>
-          <a:prstGeom prst="stripedRightArrow">
-            <a:avLst/>
-          </a:prstGeom>
-          <a:solidFill>
-            <a:srgbClr val="FFFFFF"/>
-          </a:solidFill>
-          <a:ln w="25400" cap="flat">
-            <a:solidFill>
-              <a:schemeClr val="accent1"/>
-            </a:solidFill>
-            <a:prstDash val="solid"/>
-            <a:round/>
-          </a:ln>
-          <a:effectLst>
-            <a:outerShdw blurRad="38100" dist="23000" dir="5400000" rotWithShape="0">
-              <a:srgbClr val="000000">
-                <a:alpha val="35000"/>
-              </a:srgbClr>
-            </a:outerShdw>
-          </a:effectLst>
-          <a:sp3d/>
-        </p:spPr>
-        <p:style>
-          <a:lnRef idx="0">
-            <a:scrgbClr r="0" g="0" b="0"/>
-          </a:lnRef>
-          <a:fillRef idx="0">
-            <a:scrgbClr r="0" g="0" b="0"/>
-          </a:fillRef>
-          <a:effectRef idx="0">
-            <a:scrgbClr r="0" g="0" b="0"/>
-          </a:effectRef>
-          <a:fontRef idx="none"/>
-        </p:style>
-        <p:txBody>
-          <a:bodyPr rot="0" spcFirstLastPara="1" vertOverflow="overflow" horzOverflow="overflow" vert="horz" wrap="square" lIns="45719" tIns="45719" rIns="45719" bIns="45719" numCol="1" spcCol="38100" rtlCol="0" anchor="ctr">
-            <a:spAutoFit/>
-          </a:bodyPr>
-          <a:lstStyle/>
-          <a:p>
-            <a:pPr marL="0" marR="0" indent="0" algn="l" defTabSz="914400" rtl="0" fontAlgn="auto" latinLnBrk="0" hangingPunct="0">
-              <a:lnSpc>
-                <a:spcPct val="100000"/>
-              </a:lnSpc>
-              <a:spcBef>
-                <a:spcPts val="0"/>
-              </a:spcBef>
-              <a:spcAft>
-                <a:spcPts val="0"/>
-              </a:spcAft>
-              <a:buClrTx/>
-              <a:buSzTx/>
-              <a:buFontTx/>
-              <a:buNone/>
-              <a:tabLst/>
-            </a:pPr>
-            <a:endParaRPr kumimoji="0" lang="en-US" sz="1800" b="0" i="0" u="none" strike="noStrike" cap="none" spc="0" normalizeH="0" baseline="0">
-              <a:ln>
-                <a:noFill/>
-              </a:ln>
-              <a:solidFill>
-                <a:srgbClr val="000000"/>
-              </a:solidFill>
-              <a:effectLst/>
-              <a:uFillTx/>
-              <a:latin typeface="+mj-lt"/>
-              <a:ea typeface="+mj-ea"/>
-              <a:cs typeface="+mj-cs"/>
-              <a:sym typeface="Roboto Thin"/>
-            </a:endParaRPr>
-          </a:p>
-        </p:txBody>
-      </p:sp>
-    </p:spTree>
-    <p:extLst>
-      <p:ext uri="{BB962C8B-B14F-4D97-AF65-F5344CB8AC3E}">
-        <p14:creationId xmlns:p14="http://schemas.microsoft.com/office/powerpoint/2010/main" val="1290321715"/>
-      </p:ext>
-    </p:extLst>
-  </p:cSld>
-  <p:clrMapOvr>
-    <a:masterClrMapping/>
-  </p:clrMapOvr>
-  <p:transition spd="med"/>
   <p:timing>
     <p:tnLst>
       <p:par>
